--- a/presentation/SOEN_690_Team_12.pptx
+++ b/presentation/SOEN_690_Team_12.pptx
@@ -10940,6 +10940,29 @@
               </a:rPr>
               <a:t>https://scikit-learn.org/stable/modules/generated/sklearn.metrics.precision_recall_fscore_support.html</a:t>
             </a:r>
+            <a:endParaRPr lang="en-CA" u="sng" dirty="0"/>
+          </a:p>
+          <a:p>
+            <a:pPr>
+              <a:buFont typeface="Wingdings" panose="05000000000000000000" pitchFamily="2" charset="2"/>
+              <a:buChar char="q"/>
+            </a:pPr>
+            <a:r>
+              <a:rPr lang="en-CA">
+                <a:hlinkClick r:id="rId6"/>
+              </a:rPr>
+              <a:t>https://scikit-learn.org/stable/modules/generated/sklearn.model_selection.KFold.html</a:t>
+            </a:r>
+            <a:r>
+              <a:rPr lang="en-CA"/>
+              <a:t> </a:t>
+            </a:r>
+          </a:p>
+          <a:p>
+            <a:pPr>
+              <a:buFont typeface="Wingdings" panose="05000000000000000000" pitchFamily="2" charset="2"/>
+              <a:buChar char="q"/>
+            </a:pPr>
             <a:endParaRPr lang="en-CA" dirty="0"/>
           </a:p>
           <a:p>
@@ -15071,6 +15094,36 @@
           </a:p>
         </p:txBody>
       </p:sp>
+      <p:pic>
+        <p:nvPicPr>
+          <p:cNvPr id="3" name="Picture 2">
+            <a:extLst>
+              <a:ext uri="{FF2B5EF4-FFF2-40B4-BE49-F238E27FC236}">
+                <a16:creationId xmlns:a16="http://schemas.microsoft.com/office/drawing/2014/main" id="{AB539F66-2819-43DD-8730-D8582B4EAE9C}"/>
+              </a:ext>
+            </a:extLst>
+          </p:cNvPr>
+          <p:cNvPicPr>
+            <a:picLocks noChangeAspect="1"/>
+          </p:cNvPicPr>
+          <p:nvPr/>
+        </p:nvPicPr>
+        <p:blipFill>
+          <a:blip r:embed="rId3"/>
+          <a:stretch>
+            <a:fillRect/>
+          </a:stretch>
+        </p:blipFill>
+        <p:spPr>
+          <a:xfrm>
+            <a:off x="2221977" y="83845"/>
+            <a:ext cx="3400900" cy="628738"/>
+          </a:xfrm>
+          <a:prstGeom prst="rect">
+            <a:avLst/>
+          </a:prstGeom>
+        </p:spPr>
+      </p:pic>
     </p:spTree>
     <p:extLst>
       <p:ext uri="{BB962C8B-B14F-4D97-AF65-F5344CB8AC3E}">

--- a/presentation/SOEN_690_Team_12.pptx
+++ b/presentation/SOEN_690_Team_12.pptx
@@ -6,24 +6,19 @@
   </p:sldMasterIdLst>
   <p:sldIdLst>
     <p:sldId id="298" r:id="rId5"/>
-    <p:sldId id="300" r:id="rId6"/>
-    <p:sldId id="301" r:id="rId7"/>
-    <p:sldId id="302" r:id="rId8"/>
-    <p:sldId id="303" r:id="rId9"/>
-    <p:sldId id="306" r:id="rId10"/>
-    <p:sldId id="307" r:id="rId11"/>
-    <p:sldId id="308" r:id="rId12"/>
-    <p:sldId id="317" r:id="rId13"/>
-    <p:sldId id="318" r:id="rId14"/>
-    <p:sldId id="319" r:id="rId15"/>
-    <p:sldId id="309" r:id="rId16"/>
-    <p:sldId id="313" r:id="rId17"/>
-    <p:sldId id="305" r:id="rId18"/>
-    <p:sldId id="320" r:id="rId19"/>
-    <p:sldId id="321" r:id="rId20"/>
-    <p:sldId id="312" r:id="rId21"/>
-    <p:sldId id="311" r:id="rId22"/>
-    <p:sldId id="304" r:id="rId23"/>
+    <p:sldId id="301" r:id="rId6"/>
+    <p:sldId id="303" r:id="rId7"/>
+    <p:sldId id="307" r:id="rId8"/>
+    <p:sldId id="308" r:id="rId9"/>
+    <p:sldId id="317" r:id="rId10"/>
+    <p:sldId id="318" r:id="rId11"/>
+    <p:sldId id="319" r:id="rId12"/>
+    <p:sldId id="313" r:id="rId13"/>
+    <p:sldId id="305" r:id="rId14"/>
+    <p:sldId id="321" r:id="rId15"/>
+    <p:sldId id="312" r:id="rId16"/>
+    <p:sldId id="311" r:id="rId17"/>
+    <p:sldId id="304" r:id="rId18"/>
   </p:sldIdLst>
   <p:sldSz cx="12192000" cy="6858000"/>
   <p:notesSz cx="6858000" cy="9144000"/>
@@ -7146,219 +7141,59 @@
           <a:chExt cx="0" cy="0"/>
         </a:xfrm>
       </p:grpSpPr>
-      <p:sp useBgFill="1">
-        <p:nvSpPr>
-          <p:cNvPr id="98" name="Rectangle 97">
+      <p:pic>
+        <p:nvPicPr>
+          <p:cNvPr id="11" name="Picture 8">
             <a:extLst>
               <a:ext uri="{FF2B5EF4-FFF2-40B4-BE49-F238E27FC236}">
-                <a16:creationId xmlns:a16="http://schemas.microsoft.com/office/drawing/2014/main" id="{39B4056F-1959-4627-A683-77F6C0603FCD}"/>
-              </a:ext>
-              <a:ext uri="{C183D7F6-B498-43B3-948B-1728B52AA6E4}">
-                <adec:decorative xmlns:adec="http://schemas.microsoft.com/office/drawing/2017/decorative" val="1"/>
+                <a16:creationId xmlns:a16="http://schemas.microsoft.com/office/drawing/2014/main" id="{03BEC2A2-262A-42C5-BB2A-9B6809742521}"/>
               </a:ext>
             </a:extLst>
           </p:cNvPr>
-          <p:cNvSpPr>
-            <a:spLocks noGrp="1" noRot="1" noChangeAspect="1" noMove="1" noResize="1" noEditPoints="1" noAdjustHandles="1" noChangeArrowheads="1" noChangeShapeType="1" noTextEdit="1"/>
-          </p:cNvSpPr>
-          <p:nvPr>
-            <p:extLst>
-              <p:ext uri="{386F3935-93C4-4BCD-93E2-E3B085C9AB24}">
-                <p16:designElem xmlns:p16="http://schemas.microsoft.com/office/powerpoint/2015/main" val="1"/>
-              </p:ext>
-            </p:extLst>
-          </p:nvPr>
-        </p:nvSpPr>
-        <p:spPr>
+          <p:cNvPicPr>
+            <a:picLocks noChangeAspect="1" noChangeArrowheads="1"/>
+          </p:cNvPicPr>
+          <p:nvPr/>
+        </p:nvPicPr>
+        <p:blipFill>
+          <a:blip r:embed="rId2">
+            <a:extLst>
+              <a:ext uri="{28A0092B-C50C-407E-A947-70E740481C1C}">
+                <a14:useLocalDpi xmlns:a14="http://schemas.microsoft.com/office/drawing/2010/main" val="0"/>
+              </a:ext>
+            </a:extLst>
+          </a:blip>
+          <a:srcRect/>
+          <a:stretch>
+            <a:fillRect/>
+          </a:stretch>
+        </p:blipFill>
+        <p:spPr bwMode="auto">
           <a:xfrm>
-            <a:off x="0" y="0"/>
-            <a:ext cx="12192001" cy="6858000"/>
+            <a:off x="8451" y="0"/>
+            <a:ext cx="11048325" cy="6409987"/>
           </a:xfrm>
           <a:prstGeom prst="rect">
             <a:avLst/>
           </a:prstGeom>
-          <a:ln>
-            <a:noFill/>
-          </a:ln>
-        </p:spPr>
-        <p:style>
-          <a:lnRef idx="2">
-            <a:schemeClr val="accent1">
-              <a:shade val="50000"/>
-            </a:schemeClr>
-          </a:lnRef>
-          <a:fillRef idx="1">
-            <a:schemeClr val="accent1"/>
-          </a:fillRef>
-          <a:effectRef idx="0">
-            <a:schemeClr val="accent1"/>
-          </a:effectRef>
-          <a:fontRef idx="minor">
-            <a:schemeClr val="lt1"/>
-          </a:fontRef>
-        </p:style>
-        <p:txBody>
-          <a:bodyPr rtlCol="0" anchor="ctr"/>
-          <a:lstStyle/>
-          <a:p>
-            <a:pPr algn="ctr"/>
-            <a:endParaRPr lang="en-US"/>
-          </a:p>
-        </p:txBody>
-      </p:sp>
-      <p:sp>
-        <p:nvSpPr>
-          <p:cNvPr id="100" name="Rectangle 99">
-            <a:extLst>
-              <a:ext uri="{FF2B5EF4-FFF2-40B4-BE49-F238E27FC236}">
-                <a16:creationId xmlns:a16="http://schemas.microsoft.com/office/drawing/2014/main" id="{D8D7349B-C9FA-4FCE-A1FF-948F460A3A9A}"/>
-              </a:ext>
-              <a:ext uri="{C183D7F6-B498-43B3-948B-1728B52AA6E4}">
-                <adec:decorative xmlns:adec="http://schemas.microsoft.com/office/drawing/2017/decorative" val="1"/>
-              </a:ext>
-            </a:extLst>
-          </p:cNvPr>
-          <p:cNvSpPr>
-            <a:spLocks noGrp="1" noRot="1" noChangeAspect="1" noMove="1" noResize="1" noEditPoints="1" noAdjustHandles="1" noChangeArrowheads="1" noChangeShapeType="1" noTextEdit="1"/>
-          </p:cNvSpPr>
-          <p:nvPr>
-            <p:extLst>
-              <p:ext uri="{386F3935-93C4-4BCD-93E2-E3B085C9AB24}">
-                <p16:designElem xmlns:p16="http://schemas.microsoft.com/office/powerpoint/2015/main" val="1"/>
-              </p:ext>
-            </p:extLst>
-          </p:nvPr>
-        </p:nvSpPr>
-        <p:spPr bwMode="white">
-          <a:xfrm>
-            <a:off x="1507" y="4554906"/>
-            <a:ext cx="12188952" cy="2303094"/>
-          </a:xfrm>
-          <a:prstGeom prst="rect">
-            <a:avLst/>
-          </a:prstGeom>
-          <a:solidFill>
-            <a:srgbClr val="53656A"/>
-          </a:solidFill>
-          <a:ln>
-            <a:noFill/>
-          </a:ln>
-        </p:spPr>
-        <p:style>
-          <a:lnRef idx="2">
-            <a:schemeClr val="accent1">
-              <a:shade val="50000"/>
-            </a:schemeClr>
-          </a:lnRef>
-          <a:fillRef idx="1">
-            <a:schemeClr val="accent1"/>
-          </a:fillRef>
-          <a:effectRef idx="0">
-            <a:schemeClr val="accent1"/>
-          </a:effectRef>
-          <a:fontRef idx="minor">
-            <a:schemeClr val="lt1"/>
-          </a:fontRef>
-        </p:style>
-      </p:sp>
-      <p:sp>
-        <p:nvSpPr>
-          <p:cNvPr id="2" name="Title 1">
-            <a:extLst>
-              <a:ext uri="{FF2B5EF4-FFF2-40B4-BE49-F238E27FC236}">
-                <a16:creationId xmlns:a16="http://schemas.microsoft.com/office/drawing/2014/main" id="{6A1D699E-7B74-42D8-9B7F-4866FB151857}"/>
-              </a:ext>
-            </a:extLst>
-          </p:cNvPr>
-          <p:cNvSpPr>
-            <a:spLocks noGrp="1"/>
-          </p:cNvSpPr>
-          <p:nvPr>
-            <p:ph type="title"/>
-          </p:nvPr>
-        </p:nvSpPr>
-        <p:spPr>
-          <a:xfrm>
-            <a:off x="633998" y="4905301"/>
-            <a:ext cx="4988879" cy="1554485"/>
-          </a:xfrm>
-        </p:spPr>
-        <p:txBody>
-          <a:bodyPr anchor="ctr">
-            <a:normAutofit/>
-          </a:bodyPr>
-          <a:lstStyle/>
-          <a:p>
-            <a:pPr algn="r"/>
-            <a:r>
-              <a:rPr lang="en-CA" sz="4000">
+          <a:noFill/>
+          <a:extLst>
+            <a:ext uri="{909E8E84-426E-40DD-AFC4-6F175D3DCCD1}">
+              <a14:hiddenFill xmlns:a14="http://schemas.microsoft.com/office/drawing/2010/main">
                 <a:solidFill>
                   <a:srgbClr val="FFFFFF"/>
                 </a:solidFill>
-              </a:rPr>
-              <a:t>Technical Details</a:t>
-            </a:r>
-          </a:p>
-        </p:txBody>
-      </p:sp>
-      <p:cxnSp>
-        <p:nvCxnSpPr>
-          <p:cNvPr id="102" name="Straight Connector 101">
+              </a14:hiddenFill>
+            </a:ext>
+          </a:extLst>
+        </p:spPr>
+      </p:pic>
+      <p:sp>
+        <p:nvSpPr>
+          <p:cNvPr id="27" name="Title 1">
             <a:extLst>
               <a:ext uri="{FF2B5EF4-FFF2-40B4-BE49-F238E27FC236}">
-                <a16:creationId xmlns:a16="http://schemas.microsoft.com/office/drawing/2014/main" id="{55646586-8E5D-4A2B-BDA9-01CE28AC89A1}"/>
-              </a:ext>
-              <a:ext uri="{C183D7F6-B498-43B3-948B-1728B52AA6E4}">
-                <adec:decorative xmlns:adec="http://schemas.microsoft.com/office/drawing/2017/decorative" val="1"/>
-              </a:ext>
-            </a:extLst>
-          </p:cNvPr>
-          <p:cNvCxnSpPr>
-            <a:cxnSpLocks noGrp="1" noRot="1" noChangeAspect="1" noMove="1" noResize="1" noEditPoints="1" noAdjustHandles="1" noChangeArrowheads="1" noChangeShapeType="1"/>
-          </p:cNvCxnSpPr>
-          <p:nvPr>
-            <p:extLst>
-              <p:ext uri="{386F3935-93C4-4BCD-93E2-E3B085C9AB24}">
-                <p16:designElem xmlns:p16="http://schemas.microsoft.com/office/powerpoint/2015/main" val="1"/>
-              </p:ext>
-            </p:extLst>
-          </p:nvPr>
-        </p:nvCxnSpPr>
-        <p:spPr>
-          <a:xfrm>
-            <a:off x="5820770" y="5247564"/>
-            <a:ext cx="0" cy="873457"/>
-          </a:xfrm>
-          <a:prstGeom prst="line">
-            <a:avLst/>
-          </a:prstGeom>
-          <a:ln w="19050">
-            <a:solidFill>
-              <a:srgbClr val="F5C27F"/>
-            </a:solidFill>
-          </a:ln>
-        </p:spPr>
-        <p:style>
-          <a:lnRef idx="1">
-            <a:schemeClr val="accent1"/>
-          </a:lnRef>
-          <a:fillRef idx="0">
-            <a:schemeClr val="accent1"/>
-          </a:fillRef>
-          <a:effectRef idx="0">
-            <a:schemeClr val="accent1"/>
-          </a:effectRef>
-          <a:fontRef idx="minor">
-            <a:schemeClr val="tx1"/>
-          </a:fontRef>
-        </p:style>
-      </p:cxnSp>
-      <p:sp>
-        <p:nvSpPr>
-          <p:cNvPr id="11" name="Content Placeholder 3">
-            <a:extLst>
-              <a:ext uri="{FF2B5EF4-FFF2-40B4-BE49-F238E27FC236}">
-                <a16:creationId xmlns:a16="http://schemas.microsoft.com/office/drawing/2014/main" id="{36A4A570-F42D-4288-87EF-E820963BBB1A}"/>
+                <a16:creationId xmlns:a16="http://schemas.microsoft.com/office/drawing/2014/main" id="{D7C90748-736B-418A-A90A-F02DE222F420}"/>
               </a:ext>
             </a:extLst>
           </p:cNvPr>
@@ -7369,436 +7204,156 @@
         </p:nvSpPr>
         <p:spPr>
           <a:xfrm>
-            <a:off x="6064301" y="4905300"/>
-            <a:ext cx="5493699" cy="1554485"/>
+            <a:off x="9486901" y="938462"/>
+            <a:ext cx="2693232" cy="1026695"/>
           </a:xfrm>
           <a:prstGeom prst="rect">
             <a:avLst/>
           </a:prstGeom>
         </p:spPr>
         <p:txBody>
-          <a:bodyPr vert="horz" lIns="0" tIns="45720" rIns="0" bIns="45720" rtlCol="0" anchor="ctr">
-            <a:normAutofit/>
+          <a:bodyPr vert="horz" lIns="91440" tIns="45720" rIns="91440" bIns="45720" rtlCol="0" anchor="b">
+            <a:normAutofit fontScale="25000" lnSpcReduction="20000"/>
           </a:bodyPr>
           <a:lstStyle>
-            <a:lvl1pPr marL="91440" indent="-91440" algn="l" defTabSz="914400" rtl="0" eaLnBrk="1" latinLnBrk="0" hangingPunct="1">
+            <a:lvl1pPr algn="l" defTabSz="914400" rtl="0" eaLnBrk="1" latinLnBrk="0" hangingPunct="1">
               <a:lnSpc>
-                <a:spcPct val="110000"/>
+                <a:spcPct val="90000"/>
               </a:lnSpc>
               <a:spcBef>
-                <a:spcPts val="1200"/>
+                <a:spcPct val="0"/>
               </a:spcBef>
-              <a:spcAft>
-                <a:spcPts val="200"/>
-              </a:spcAft>
-              <a:buClr>
-                <a:schemeClr val="accent1"/>
-              </a:buClr>
-              <a:buSzPct val="100000"/>
-              <a:buFont typeface="Calibri" panose="020F0502020204030204" pitchFamily="34" charset="0"/>
-              <a:buChar char=" "/>
-              <a:defRPr sz="1900" kern="1200">
+              <a:buNone/>
+              <a:defRPr sz="4700" i="0" kern="1200" spc="-50" baseline="0">
                 <a:solidFill>
                   <a:schemeClr val="tx1">
                     <a:lumMod val="75000"/>
                     <a:lumOff val="25000"/>
                   </a:schemeClr>
                 </a:solidFill>
-                <a:latin typeface="+mn-lt"/>
-                <a:ea typeface="+mn-ea"/>
-                <a:cs typeface="+mn-cs"/>
+                <a:latin typeface="+mj-lt"/>
+                <a:ea typeface="+mj-ea"/>
+                <a:cs typeface="+mj-cs"/>
               </a:defRPr>
             </a:lvl1pPr>
-            <a:lvl2pPr marL="384048" indent="-182880" algn="l" defTabSz="914400" rtl="0" eaLnBrk="1" latinLnBrk="0" hangingPunct="1">
-              <a:lnSpc>
-                <a:spcPct val="100000"/>
-              </a:lnSpc>
-              <a:spcBef>
-                <a:spcPts val="200"/>
-              </a:spcBef>
-              <a:spcAft>
-                <a:spcPts val="400"/>
-              </a:spcAft>
-              <a:buClrTx/>
-              <a:buFont typeface="Calibri" pitchFamily="34" charset="0"/>
-              <a:buChar char="◦"/>
-              <a:defRPr sz="1700" kern="1200">
+          </a:lstStyle>
+          <a:p>
+            <a:endParaRPr lang="en-US" sz="4400" u="sng" dirty="0">
+              <a:solidFill>
+                <a:schemeClr val="tx1">
+                  <a:lumMod val="85000"/>
+                  <a:lumOff val="15000"/>
+                </a:schemeClr>
+              </a:solidFill>
+            </a:endParaRPr>
+          </a:p>
+          <a:p>
+            <a:endParaRPr lang="en-US" sz="4400" u="sng" dirty="0">
+              <a:solidFill>
+                <a:schemeClr val="tx1">
+                  <a:lumMod val="85000"/>
+                  <a:lumOff val="15000"/>
+                </a:schemeClr>
+              </a:solidFill>
+            </a:endParaRPr>
+          </a:p>
+          <a:p>
+            <a:endParaRPr lang="en-US" sz="4400" u="sng" dirty="0">
+              <a:solidFill>
+                <a:schemeClr val="tx1">
+                  <a:lumMod val="85000"/>
+                  <a:lumOff val="15000"/>
+                </a:schemeClr>
+              </a:solidFill>
+            </a:endParaRPr>
+          </a:p>
+          <a:p>
+            <a:endParaRPr lang="en-US" sz="4400" u="sng" dirty="0">
+              <a:solidFill>
+                <a:schemeClr val="tx1">
+                  <a:lumMod val="85000"/>
+                  <a:lumOff val="15000"/>
+                </a:schemeClr>
+              </a:solidFill>
+            </a:endParaRPr>
+          </a:p>
+          <a:p>
+            <a:endParaRPr lang="en-US" sz="4400" u="sng" dirty="0">
+              <a:solidFill>
+                <a:schemeClr val="tx1">
+                  <a:lumMod val="85000"/>
+                  <a:lumOff val="15000"/>
+                </a:schemeClr>
+              </a:solidFill>
+            </a:endParaRPr>
+          </a:p>
+          <a:p>
+            <a:endParaRPr lang="en-US" sz="4400" u="sng" dirty="0">
+              <a:solidFill>
+                <a:schemeClr val="tx1">
+                  <a:lumMod val="85000"/>
+                  <a:lumOff val="15000"/>
+                </a:schemeClr>
+              </a:solidFill>
+            </a:endParaRPr>
+          </a:p>
+          <a:p>
+            <a:endParaRPr lang="en-US" sz="4400" u="sng" dirty="0">
+              <a:solidFill>
+                <a:schemeClr val="tx1">
+                  <a:lumMod val="85000"/>
+                  <a:lumOff val="15000"/>
+                </a:schemeClr>
+              </a:solidFill>
+            </a:endParaRPr>
+          </a:p>
+          <a:p>
+            <a:r>
+              <a:rPr lang="en-US" sz="16000" u="sng" dirty="0">
                 <a:solidFill>
                   <a:schemeClr val="tx1">
-                    <a:lumMod val="75000"/>
-                    <a:lumOff val="25000"/>
+                    <a:lumMod val="85000"/>
+                    <a:lumOff val="15000"/>
                   </a:schemeClr>
                 </a:solidFill>
-                <a:latin typeface="+mn-lt"/>
-                <a:ea typeface="+mn-ea"/>
-                <a:cs typeface="+mn-cs"/>
-              </a:defRPr>
-            </a:lvl2pPr>
-            <a:lvl3pPr marL="566928" indent="-182880" algn="l" defTabSz="914400" rtl="0" eaLnBrk="1" latinLnBrk="0" hangingPunct="1">
-              <a:lnSpc>
-                <a:spcPct val="100000"/>
-              </a:lnSpc>
-              <a:spcBef>
-                <a:spcPts val="200"/>
-              </a:spcBef>
-              <a:spcAft>
-                <a:spcPts val="400"/>
-              </a:spcAft>
-              <a:buClrTx/>
-              <a:buFont typeface="Calibri" pitchFamily="34" charset="0"/>
-              <a:buChar char="◦"/>
-              <a:defRPr sz="1300" kern="1200">
-                <a:solidFill>
-                  <a:schemeClr val="tx1">
-                    <a:lumMod val="75000"/>
-                    <a:lumOff val="25000"/>
-                  </a:schemeClr>
-                </a:solidFill>
-                <a:latin typeface="+mn-lt"/>
-                <a:ea typeface="+mn-ea"/>
-                <a:cs typeface="+mn-cs"/>
-              </a:defRPr>
-            </a:lvl3pPr>
-            <a:lvl4pPr marL="749808" indent="-182880" algn="l" defTabSz="914400" rtl="0" eaLnBrk="1" latinLnBrk="0" hangingPunct="1">
-              <a:lnSpc>
-                <a:spcPct val="100000"/>
-              </a:lnSpc>
-              <a:spcBef>
-                <a:spcPts val="200"/>
-              </a:spcBef>
-              <a:spcAft>
-                <a:spcPts val="400"/>
-              </a:spcAft>
-              <a:buClrTx/>
-              <a:buFont typeface="Calibri" pitchFamily="34" charset="0"/>
-              <a:buChar char="◦"/>
-              <a:defRPr sz="1300" kern="1200">
-                <a:solidFill>
-                  <a:schemeClr val="tx1">
-                    <a:lumMod val="75000"/>
-                    <a:lumOff val="25000"/>
-                  </a:schemeClr>
-                </a:solidFill>
-                <a:latin typeface="+mn-lt"/>
-                <a:ea typeface="+mn-ea"/>
-                <a:cs typeface="+mn-cs"/>
-              </a:defRPr>
-            </a:lvl4pPr>
-            <a:lvl5pPr marL="932688" indent="-182880" algn="l" defTabSz="914400" rtl="0" eaLnBrk="1" latinLnBrk="0" hangingPunct="1">
-              <a:lnSpc>
-                <a:spcPct val="100000"/>
-              </a:lnSpc>
-              <a:spcBef>
-                <a:spcPts val="200"/>
-              </a:spcBef>
-              <a:spcAft>
-                <a:spcPts val="400"/>
-              </a:spcAft>
-              <a:buClrTx/>
-              <a:buFont typeface="Calibri" pitchFamily="34" charset="0"/>
-              <a:buChar char="◦"/>
-              <a:defRPr sz="1300" kern="1200">
-                <a:solidFill>
-                  <a:schemeClr val="tx1">
-                    <a:lumMod val="75000"/>
-                    <a:lumOff val="25000"/>
-                  </a:schemeClr>
-                </a:solidFill>
-                <a:latin typeface="+mn-lt"/>
-                <a:ea typeface="+mn-ea"/>
-                <a:cs typeface="+mn-cs"/>
-              </a:defRPr>
-            </a:lvl5pPr>
-            <a:lvl6pPr marL="1100000" indent="-228600" algn="l" defTabSz="914400" rtl="0" eaLnBrk="1" latinLnBrk="0" hangingPunct="1">
-              <a:lnSpc>
-                <a:spcPct val="90000"/>
-              </a:lnSpc>
-              <a:spcBef>
-                <a:spcPts val="200"/>
-              </a:spcBef>
-              <a:spcAft>
-                <a:spcPts val="400"/>
-              </a:spcAft>
-              <a:buClr>
-                <a:schemeClr val="accent1"/>
-              </a:buClr>
-              <a:buFont typeface="Calibri" pitchFamily="34" charset="0"/>
-              <a:buChar char="◦"/>
-              <a:defRPr sz="1400" kern="1200">
-                <a:solidFill>
-                  <a:schemeClr val="tx1">
-                    <a:lumMod val="75000"/>
-                    <a:lumOff val="25000"/>
-                  </a:schemeClr>
-                </a:solidFill>
-                <a:latin typeface="+mn-lt"/>
-                <a:ea typeface="+mn-ea"/>
-                <a:cs typeface="+mn-cs"/>
-              </a:defRPr>
-            </a:lvl6pPr>
-            <a:lvl7pPr marL="1300000" indent="-228600" algn="l" defTabSz="914400" rtl="0" eaLnBrk="1" latinLnBrk="0" hangingPunct="1">
-              <a:lnSpc>
-                <a:spcPct val="90000"/>
-              </a:lnSpc>
-              <a:spcBef>
-                <a:spcPts val="200"/>
-              </a:spcBef>
-              <a:spcAft>
-                <a:spcPts val="400"/>
-              </a:spcAft>
-              <a:buClr>
-                <a:schemeClr val="accent1"/>
-              </a:buClr>
-              <a:buFont typeface="Calibri" pitchFamily="34" charset="0"/>
-              <a:buChar char="◦"/>
-              <a:defRPr sz="1400" kern="1200">
-                <a:solidFill>
-                  <a:schemeClr val="tx1">
-                    <a:lumMod val="75000"/>
-                    <a:lumOff val="25000"/>
-                  </a:schemeClr>
-                </a:solidFill>
-                <a:latin typeface="+mn-lt"/>
-                <a:ea typeface="+mn-ea"/>
-                <a:cs typeface="+mn-cs"/>
-              </a:defRPr>
-            </a:lvl7pPr>
-            <a:lvl8pPr marL="1500000" indent="-228600" algn="l" defTabSz="914400" rtl="0" eaLnBrk="1" latinLnBrk="0" hangingPunct="1">
-              <a:lnSpc>
-                <a:spcPct val="90000"/>
-              </a:lnSpc>
-              <a:spcBef>
-                <a:spcPts val="200"/>
-              </a:spcBef>
-              <a:spcAft>
-                <a:spcPts val="400"/>
-              </a:spcAft>
-              <a:buClr>
-                <a:schemeClr val="accent1"/>
-              </a:buClr>
-              <a:buFont typeface="Calibri" pitchFamily="34" charset="0"/>
-              <a:buChar char="◦"/>
-              <a:defRPr sz="1400" kern="1200">
-                <a:solidFill>
-                  <a:schemeClr val="tx1">
-                    <a:lumMod val="75000"/>
-                    <a:lumOff val="25000"/>
-                  </a:schemeClr>
-                </a:solidFill>
-                <a:latin typeface="+mn-lt"/>
-                <a:ea typeface="+mn-ea"/>
-                <a:cs typeface="+mn-cs"/>
-              </a:defRPr>
-            </a:lvl8pPr>
-            <a:lvl9pPr marL="1700000" indent="-228600" algn="l" defTabSz="914400" rtl="0" eaLnBrk="1" latinLnBrk="0" hangingPunct="1">
-              <a:lnSpc>
-                <a:spcPct val="90000"/>
-              </a:lnSpc>
-              <a:spcBef>
-                <a:spcPts val="200"/>
-              </a:spcBef>
-              <a:spcAft>
-                <a:spcPts val="400"/>
-              </a:spcAft>
-              <a:buClr>
-                <a:schemeClr val="accent1"/>
-              </a:buClr>
-              <a:buFont typeface="Calibri" pitchFamily="34" charset="0"/>
-              <a:buChar char="◦"/>
-              <a:defRPr sz="1400" kern="1200">
-                <a:solidFill>
-                  <a:schemeClr val="tx1">
-                    <a:lumMod val="75000"/>
-                    <a:lumOff val="25000"/>
-                  </a:schemeClr>
-                </a:solidFill>
-                <a:latin typeface="+mn-lt"/>
-                <a:ea typeface="+mn-ea"/>
-                <a:cs typeface="+mn-cs"/>
-              </a:defRPr>
-            </a:lvl9pPr>
-          </a:lstStyle>
-          <a:p>
-            <a:pPr>
-              <a:buFont typeface="Wingdings" panose="05000000000000000000" pitchFamily="2" charset="2"/>
-              <a:buChar char="q"/>
-            </a:pPr>
-            <a:r>
-              <a:rPr lang="en-CA" dirty="0">
-                <a:solidFill>
-                  <a:schemeClr val="bg2"/>
-                </a:solidFill>
               </a:rPr>
-              <a:t>Data modeling and classification: </a:t>
-            </a:r>
-            <a:r>
-              <a:rPr lang="en-CA" dirty="0" err="1">
-                <a:solidFill>
-                  <a:schemeClr val="bg2"/>
-                </a:solidFill>
-              </a:rPr>
-              <a:t>scikit</a:t>
-            </a:r>
-            <a:r>
-              <a:rPr lang="en-CA" dirty="0">
-                <a:solidFill>
-                  <a:schemeClr val="bg2"/>
-                </a:solidFill>
-              </a:rPr>
-              <a:t>-learn</a:t>
-            </a:r>
-          </a:p>
-          <a:p>
-            <a:pPr lvl="1">
-              <a:buFont typeface="Wingdings" panose="05000000000000000000" pitchFamily="2" charset="2"/>
-              <a:buChar char="q"/>
-            </a:pPr>
-            <a:r>
-              <a:rPr lang="en-CA" b="1" dirty="0">
-                <a:solidFill>
-                  <a:schemeClr val="bg2"/>
-                </a:solidFill>
-              </a:rPr>
-              <a:t>library: </a:t>
-            </a:r>
-            <a:r>
-              <a:rPr lang="en-CA" dirty="0">
-                <a:solidFill>
-                  <a:schemeClr val="bg2"/>
-                </a:solidFill>
-              </a:rPr>
-              <a:t> </a:t>
-            </a:r>
-            <a:r>
-              <a:rPr lang="en-CA" dirty="0" err="1">
-                <a:solidFill>
-                  <a:schemeClr val="bg2"/>
-                </a:solidFill>
-              </a:rPr>
-              <a:t>sklearn.naive_bayes</a:t>
-            </a:r>
-            <a:r>
-              <a:rPr lang="en-CA" dirty="0"/>
-              <a:t> </a:t>
-            </a:r>
-            <a:r>
-              <a:rPr lang="en-CA" b="1" dirty="0" err="1">
-                <a:solidFill>
-                  <a:schemeClr val="accent5"/>
-                </a:solidFill>
-              </a:rPr>
-              <a:t>GaussianNB</a:t>
-            </a:r>
-            <a:r>
-              <a:rPr lang="en-CA" dirty="0"/>
-              <a:t> </a:t>
-            </a:r>
-            <a:r>
-              <a:rPr lang="en-CA" dirty="0">
-                <a:solidFill>
-                  <a:schemeClr val="bg2"/>
-                </a:solidFill>
-              </a:rPr>
-              <a:t>and </a:t>
-            </a:r>
-            <a:r>
-              <a:rPr lang="en-CA" dirty="0" err="1">
-                <a:solidFill>
-                  <a:schemeClr val="bg2"/>
-                </a:solidFill>
-              </a:rPr>
-              <a:t>sklearn.svm</a:t>
-            </a:r>
-            <a:r>
-              <a:rPr lang="en-CA" dirty="0"/>
-              <a:t> </a:t>
-            </a:r>
-            <a:r>
-              <a:rPr lang="en-CA" b="1" dirty="0">
-                <a:solidFill>
-                  <a:schemeClr val="accent5"/>
-                </a:solidFill>
-              </a:rPr>
-              <a:t>SVC</a:t>
-            </a:r>
-          </a:p>
-          <a:p>
-            <a:pPr marL="0" indent="0">
-              <a:buFont typeface="Calibri" panose="020F0502020204030204" pitchFamily="34" charset="0"/>
-              <a:buNone/>
-            </a:pPr>
-            <a:endParaRPr lang="en-CA" dirty="0">
+              <a:t>Results</a:t>
+            </a:r>
+            <a:endParaRPr lang="en-US" sz="8000" u="sng" dirty="0">
               <a:solidFill>
-                <a:srgbClr val="FFFFFF"/>
+                <a:schemeClr val="tx1">
+                  <a:lumMod val="85000"/>
+                  <a:lumOff val="15000"/>
+                </a:schemeClr>
               </a:solidFill>
             </a:endParaRPr>
           </a:p>
+          <a:p>
+            <a:endParaRPr lang="en-US" sz="4400" u="sng" dirty="0">
+              <a:solidFill>
+                <a:schemeClr val="tx1">
+                  <a:lumMod val="85000"/>
+                  <a:lumOff val="15000"/>
+                </a:schemeClr>
+              </a:solidFill>
+            </a:endParaRPr>
+          </a:p>
+          <a:p>
+            <a:endParaRPr lang="en-US" sz="4400" u="sng" dirty="0">
+              <a:solidFill>
+                <a:schemeClr val="tx1">
+                  <a:lumMod val="85000"/>
+                  <a:lumOff val="15000"/>
+                </a:schemeClr>
+              </a:solidFill>
+            </a:endParaRPr>
+          </a:p>
         </p:txBody>
       </p:sp>
-      <p:pic>
-        <p:nvPicPr>
-          <p:cNvPr id="5" name="Picture 4">
-            <a:extLst>
-              <a:ext uri="{FF2B5EF4-FFF2-40B4-BE49-F238E27FC236}">
-                <a16:creationId xmlns:a16="http://schemas.microsoft.com/office/drawing/2014/main" id="{025E8D6E-EF81-4D67-A304-0E0947BABE25}"/>
-              </a:ext>
-            </a:extLst>
-          </p:cNvPr>
-          <p:cNvPicPr>
-            <a:picLocks noChangeAspect="1"/>
-          </p:cNvPicPr>
-          <p:nvPr/>
-        </p:nvPicPr>
-        <p:blipFill>
-          <a:blip r:embed="rId2"/>
-          <a:stretch>
-            <a:fillRect/>
-          </a:stretch>
-        </p:blipFill>
-        <p:spPr>
-          <a:xfrm>
-            <a:off x="46240" y="36856"/>
-            <a:ext cx="7554122" cy="2182645"/>
-          </a:xfrm>
-          <a:prstGeom prst="rect">
-            <a:avLst/>
-          </a:prstGeom>
-        </p:spPr>
-      </p:pic>
-      <p:pic>
-        <p:nvPicPr>
-          <p:cNvPr id="6" name="Picture 5">
-            <a:extLst>
-              <a:ext uri="{FF2B5EF4-FFF2-40B4-BE49-F238E27FC236}">
-                <a16:creationId xmlns:a16="http://schemas.microsoft.com/office/drawing/2014/main" id="{F5793C7C-D4C4-4FB4-B4EF-B250498E5E5F}"/>
-              </a:ext>
-            </a:extLst>
-          </p:cNvPr>
-          <p:cNvPicPr>
-            <a:picLocks noChangeAspect="1"/>
-          </p:cNvPicPr>
-          <p:nvPr/>
-        </p:nvPicPr>
-        <p:blipFill>
-          <a:blip r:embed="rId3"/>
-          <a:stretch>
-            <a:fillRect/>
-          </a:stretch>
-        </p:blipFill>
-        <p:spPr>
-          <a:xfrm>
-            <a:off x="4539529" y="1930401"/>
-            <a:ext cx="7229878" cy="2567344"/>
-          </a:xfrm>
-          <a:prstGeom prst="rect">
-            <a:avLst/>
-          </a:prstGeom>
-        </p:spPr>
-      </p:pic>
     </p:spTree>
     <p:extLst>
       <p:ext uri="{BB962C8B-B14F-4D97-AF65-F5344CB8AC3E}">
-        <p14:creationId xmlns:p14="http://schemas.microsoft.com/office/powerpoint/2010/main" val="2390990632"/>
+        <p14:creationId xmlns:p14="http://schemas.microsoft.com/office/powerpoint/2010/main" val="2405108288"/>
       </p:ext>
     </p:extLst>
   </p:cSld>
@@ -7835,10 +7390,10 @@
       </p:grpSpPr>
       <p:sp useBgFill="1">
         <p:nvSpPr>
-          <p:cNvPr id="98" name="Rectangle 97">
+          <p:cNvPr id="9" name="Rectangle 8">
             <a:extLst>
               <a:ext uri="{FF2B5EF4-FFF2-40B4-BE49-F238E27FC236}">
-                <a16:creationId xmlns:a16="http://schemas.microsoft.com/office/drawing/2014/main" id="{39B4056F-1959-4627-A683-77F6C0603FCD}"/>
+                <a16:creationId xmlns:a16="http://schemas.microsoft.com/office/drawing/2014/main" id="{E9BA134F-37B6-498A-B46D-040B86E5DA35}"/>
               </a:ext>
               <a:ext uri="{C183D7F6-B498-43B3-948B-1728B52AA6E4}">
                 <adec:decorative xmlns:adec="http://schemas.microsoft.com/office/drawing/2017/decorative" val="1"/>
@@ -7858,1029 +7413,7 @@
         </p:nvSpPr>
         <p:spPr>
           <a:xfrm>
-            <a:off x="0" y="0"/>
-            <a:ext cx="12192001" cy="6858000"/>
-          </a:xfrm>
-          <a:prstGeom prst="rect">
-            <a:avLst/>
-          </a:prstGeom>
-          <a:ln>
-            <a:noFill/>
-          </a:ln>
-        </p:spPr>
-        <p:style>
-          <a:lnRef idx="2">
-            <a:schemeClr val="accent1">
-              <a:shade val="50000"/>
-            </a:schemeClr>
-          </a:lnRef>
-          <a:fillRef idx="1">
-            <a:schemeClr val="accent1"/>
-          </a:fillRef>
-          <a:effectRef idx="0">
-            <a:schemeClr val="accent1"/>
-          </a:effectRef>
-          <a:fontRef idx="minor">
-            <a:schemeClr val="lt1"/>
-          </a:fontRef>
-        </p:style>
-        <p:txBody>
-          <a:bodyPr rtlCol="0" anchor="ctr"/>
-          <a:lstStyle/>
-          <a:p>
-            <a:pPr algn="ctr"/>
-            <a:endParaRPr lang="en-US"/>
-          </a:p>
-        </p:txBody>
-      </p:sp>
-      <p:sp>
-        <p:nvSpPr>
-          <p:cNvPr id="100" name="Rectangle 99">
-            <a:extLst>
-              <a:ext uri="{FF2B5EF4-FFF2-40B4-BE49-F238E27FC236}">
-                <a16:creationId xmlns:a16="http://schemas.microsoft.com/office/drawing/2014/main" id="{D8D7349B-C9FA-4FCE-A1FF-948F460A3A9A}"/>
-              </a:ext>
-              <a:ext uri="{C183D7F6-B498-43B3-948B-1728B52AA6E4}">
-                <adec:decorative xmlns:adec="http://schemas.microsoft.com/office/drawing/2017/decorative" val="1"/>
-              </a:ext>
-            </a:extLst>
-          </p:cNvPr>
-          <p:cNvSpPr>
-            <a:spLocks noGrp="1" noRot="1" noChangeAspect="1" noMove="1" noResize="1" noEditPoints="1" noAdjustHandles="1" noChangeArrowheads="1" noChangeShapeType="1" noTextEdit="1"/>
-          </p:cNvSpPr>
-          <p:nvPr>
-            <p:extLst>
-              <p:ext uri="{386F3935-93C4-4BCD-93E2-E3B085C9AB24}">
-                <p16:designElem xmlns:p16="http://schemas.microsoft.com/office/powerpoint/2015/main" val="1"/>
-              </p:ext>
-            </p:extLst>
-          </p:nvPr>
-        </p:nvSpPr>
-        <p:spPr bwMode="white">
-          <a:xfrm>
-            <a:off x="1507" y="4554906"/>
-            <a:ext cx="12188952" cy="2303094"/>
-          </a:xfrm>
-          <a:prstGeom prst="rect">
-            <a:avLst/>
-          </a:prstGeom>
-          <a:solidFill>
-            <a:srgbClr val="53656A"/>
-          </a:solidFill>
-          <a:ln>
-            <a:noFill/>
-          </a:ln>
-        </p:spPr>
-        <p:style>
-          <a:lnRef idx="2">
-            <a:schemeClr val="accent1">
-              <a:shade val="50000"/>
-            </a:schemeClr>
-          </a:lnRef>
-          <a:fillRef idx="1">
-            <a:schemeClr val="accent1"/>
-          </a:fillRef>
-          <a:effectRef idx="0">
-            <a:schemeClr val="accent1"/>
-          </a:effectRef>
-          <a:fontRef idx="minor">
-            <a:schemeClr val="lt1"/>
-          </a:fontRef>
-        </p:style>
-      </p:sp>
-      <p:sp>
-        <p:nvSpPr>
-          <p:cNvPr id="2" name="Title 1">
-            <a:extLst>
-              <a:ext uri="{FF2B5EF4-FFF2-40B4-BE49-F238E27FC236}">
-                <a16:creationId xmlns:a16="http://schemas.microsoft.com/office/drawing/2014/main" id="{6A1D699E-7B74-42D8-9B7F-4866FB151857}"/>
-              </a:ext>
-            </a:extLst>
-          </p:cNvPr>
-          <p:cNvSpPr>
-            <a:spLocks noGrp="1"/>
-          </p:cNvSpPr>
-          <p:nvPr>
-            <p:ph type="title"/>
-          </p:nvPr>
-        </p:nvSpPr>
-        <p:spPr>
-          <a:xfrm>
-            <a:off x="633998" y="4905301"/>
-            <a:ext cx="4988879" cy="1554485"/>
-          </a:xfrm>
-        </p:spPr>
-        <p:txBody>
-          <a:bodyPr anchor="ctr">
-            <a:normAutofit/>
-          </a:bodyPr>
-          <a:lstStyle/>
-          <a:p>
-            <a:pPr algn="r"/>
-            <a:r>
-              <a:rPr lang="en-CA" sz="4000">
-                <a:solidFill>
-                  <a:srgbClr val="FFFFFF"/>
-                </a:solidFill>
-              </a:rPr>
-              <a:t>Technical Details</a:t>
-            </a:r>
-          </a:p>
-        </p:txBody>
-      </p:sp>
-      <p:cxnSp>
-        <p:nvCxnSpPr>
-          <p:cNvPr id="102" name="Straight Connector 101">
-            <a:extLst>
-              <a:ext uri="{FF2B5EF4-FFF2-40B4-BE49-F238E27FC236}">
-                <a16:creationId xmlns:a16="http://schemas.microsoft.com/office/drawing/2014/main" id="{55646586-8E5D-4A2B-BDA9-01CE28AC89A1}"/>
-              </a:ext>
-              <a:ext uri="{C183D7F6-B498-43B3-948B-1728B52AA6E4}">
-                <adec:decorative xmlns:adec="http://schemas.microsoft.com/office/drawing/2017/decorative" val="1"/>
-              </a:ext>
-            </a:extLst>
-          </p:cNvPr>
-          <p:cNvCxnSpPr>
-            <a:cxnSpLocks noGrp="1" noRot="1" noChangeAspect="1" noMove="1" noResize="1" noEditPoints="1" noAdjustHandles="1" noChangeArrowheads="1" noChangeShapeType="1"/>
-          </p:cNvCxnSpPr>
-          <p:nvPr>
-            <p:extLst>
-              <p:ext uri="{386F3935-93C4-4BCD-93E2-E3B085C9AB24}">
-                <p16:designElem xmlns:p16="http://schemas.microsoft.com/office/powerpoint/2015/main" val="1"/>
-              </p:ext>
-            </p:extLst>
-          </p:nvPr>
-        </p:nvCxnSpPr>
-        <p:spPr>
-          <a:xfrm>
-            <a:off x="5820770" y="5247564"/>
-            <a:ext cx="0" cy="873457"/>
-          </a:xfrm>
-          <a:prstGeom prst="line">
-            <a:avLst/>
-          </a:prstGeom>
-          <a:ln w="19050">
-            <a:solidFill>
-              <a:srgbClr val="F5C27F"/>
-            </a:solidFill>
-          </a:ln>
-        </p:spPr>
-        <p:style>
-          <a:lnRef idx="1">
-            <a:schemeClr val="accent1"/>
-          </a:lnRef>
-          <a:fillRef idx="0">
-            <a:schemeClr val="accent1"/>
-          </a:fillRef>
-          <a:effectRef idx="0">
-            <a:schemeClr val="accent1"/>
-          </a:effectRef>
-          <a:fontRef idx="minor">
-            <a:schemeClr val="tx1"/>
-          </a:fontRef>
-        </p:style>
-      </p:cxnSp>
-      <p:sp>
-        <p:nvSpPr>
-          <p:cNvPr id="11" name="Content Placeholder 3">
-            <a:extLst>
-              <a:ext uri="{FF2B5EF4-FFF2-40B4-BE49-F238E27FC236}">
-                <a16:creationId xmlns:a16="http://schemas.microsoft.com/office/drawing/2014/main" id="{36A4A570-F42D-4288-87EF-E820963BBB1A}"/>
-              </a:ext>
-            </a:extLst>
-          </p:cNvPr>
-          <p:cNvSpPr txBox="1">
-            <a:spLocks/>
-          </p:cNvSpPr>
-          <p:nvPr/>
-        </p:nvSpPr>
-        <p:spPr>
-          <a:xfrm>
-            <a:off x="6064301" y="4905300"/>
-            <a:ext cx="5493699" cy="1554485"/>
-          </a:xfrm>
-          <a:prstGeom prst="rect">
-            <a:avLst/>
-          </a:prstGeom>
-        </p:spPr>
-        <p:txBody>
-          <a:bodyPr vert="horz" lIns="0" tIns="45720" rIns="0" bIns="45720" rtlCol="0" anchor="ctr">
-            <a:normAutofit/>
-          </a:bodyPr>
-          <a:lstStyle>
-            <a:lvl1pPr marL="91440" indent="-91440" algn="l" defTabSz="914400" rtl="0" eaLnBrk="1" latinLnBrk="0" hangingPunct="1">
-              <a:lnSpc>
-                <a:spcPct val="110000"/>
-              </a:lnSpc>
-              <a:spcBef>
-                <a:spcPts val="1200"/>
-              </a:spcBef>
-              <a:spcAft>
-                <a:spcPts val="200"/>
-              </a:spcAft>
-              <a:buClr>
-                <a:schemeClr val="accent1"/>
-              </a:buClr>
-              <a:buSzPct val="100000"/>
-              <a:buFont typeface="Calibri" panose="020F0502020204030204" pitchFamily="34" charset="0"/>
-              <a:buChar char=" "/>
-              <a:defRPr sz="1900" kern="1200">
-                <a:solidFill>
-                  <a:schemeClr val="tx1">
-                    <a:lumMod val="75000"/>
-                    <a:lumOff val="25000"/>
-                  </a:schemeClr>
-                </a:solidFill>
-                <a:latin typeface="+mn-lt"/>
-                <a:ea typeface="+mn-ea"/>
-                <a:cs typeface="+mn-cs"/>
-              </a:defRPr>
-            </a:lvl1pPr>
-            <a:lvl2pPr marL="384048" indent="-182880" algn="l" defTabSz="914400" rtl="0" eaLnBrk="1" latinLnBrk="0" hangingPunct="1">
-              <a:lnSpc>
-                <a:spcPct val="100000"/>
-              </a:lnSpc>
-              <a:spcBef>
-                <a:spcPts val="200"/>
-              </a:spcBef>
-              <a:spcAft>
-                <a:spcPts val="400"/>
-              </a:spcAft>
-              <a:buClrTx/>
-              <a:buFont typeface="Calibri" pitchFamily="34" charset="0"/>
-              <a:buChar char="◦"/>
-              <a:defRPr sz="1700" kern="1200">
-                <a:solidFill>
-                  <a:schemeClr val="tx1">
-                    <a:lumMod val="75000"/>
-                    <a:lumOff val="25000"/>
-                  </a:schemeClr>
-                </a:solidFill>
-                <a:latin typeface="+mn-lt"/>
-                <a:ea typeface="+mn-ea"/>
-                <a:cs typeface="+mn-cs"/>
-              </a:defRPr>
-            </a:lvl2pPr>
-            <a:lvl3pPr marL="566928" indent="-182880" algn="l" defTabSz="914400" rtl="0" eaLnBrk="1" latinLnBrk="0" hangingPunct="1">
-              <a:lnSpc>
-                <a:spcPct val="100000"/>
-              </a:lnSpc>
-              <a:spcBef>
-                <a:spcPts val="200"/>
-              </a:spcBef>
-              <a:spcAft>
-                <a:spcPts val="400"/>
-              </a:spcAft>
-              <a:buClrTx/>
-              <a:buFont typeface="Calibri" pitchFamily="34" charset="0"/>
-              <a:buChar char="◦"/>
-              <a:defRPr sz="1300" kern="1200">
-                <a:solidFill>
-                  <a:schemeClr val="tx1">
-                    <a:lumMod val="75000"/>
-                    <a:lumOff val="25000"/>
-                  </a:schemeClr>
-                </a:solidFill>
-                <a:latin typeface="+mn-lt"/>
-                <a:ea typeface="+mn-ea"/>
-                <a:cs typeface="+mn-cs"/>
-              </a:defRPr>
-            </a:lvl3pPr>
-            <a:lvl4pPr marL="749808" indent="-182880" algn="l" defTabSz="914400" rtl="0" eaLnBrk="1" latinLnBrk="0" hangingPunct="1">
-              <a:lnSpc>
-                <a:spcPct val="100000"/>
-              </a:lnSpc>
-              <a:spcBef>
-                <a:spcPts val="200"/>
-              </a:spcBef>
-              <a:spcAft>
-                <a:spcPts val="400"/>
-              </a:spcAft>
-              <a:buClrTx/>
-              <a:buFont typeface="Calibri" pitchFamily="34" charset="0"/>
-              <a:buChar char="◦"/>
-              <a:defRPr sz="1300" kern="1200">
-                <a:solidFill>
-                  <a:schemeClr val="tx1">
-                    <a:lumMod val="75000"/>
-                    <a:lumOff val="25000"/>
-                  </a:schemeClr>
-                </a:solidFill>
-                <a:latin typeface="+mn-lt"/>
-                <a:ea typeface="+mn-ea"/>
-                <a:cs typeface="+mn-cs"/>
-              </a:defRPr>
-            </a:lvl4pPr>
-            <a:lvl5pPr marL="932688" indent="-182880" algn="l" defTabSz="914400" rtl="0" eaLnBrk="1" latinLnBrk="0" hangingPunct="1">
-              <a:lnSpc>
-                <a:spcPct val="100000"/>
-              </a:lnSpc>
-              <a:spcBef>
-                <a:spcPts val="200"/>
-              </a:spcBef>
-              <a:spcAft>
-                <a:spcPts val="400"/>
-              </a:spcAft>
-              <a:buClrTx/>
-              <a:buFont typeface="Calibri" pitchFamily="34" charset="0"/>
-              <a:buChar char="◦"/>
-              <a:defRPr sz="1300" kern="1200">
-                <a:solidFill>
-                  <a:schemeClr val="tx1">
-                    <a:lumMod val="75000"/>
-                    <a:lumOff val="25000"/>
-                  </a:schemeClr>
-                </a:solidFill>
-                <a:latin typeface="+mn-lt"/>
-                <a:ea typeface="+mn-ea"/>
-                <a:cs typeface="+mn-cs"/>
-              </a:defRPr>
-            </a:lvl5pPr>
-            <a:lvl6pPr marL="1100000" indent="-228600" algn="l" defTabSz="914400" rtl="0" eaLnBrk="1" latinLnBrk="0" hangingPunct="1">
-              <a:lnSpc>
-                <a:spcPct val="90000"/>
-              </a:lnSpc>
-              <a:spcBef>
-                <a:spcPts val="200"/>
-              </a:spcBef>
-              <a:spcAft>
-                <a:spcPts val="400"/>
-              </a:spcAft>
-              <a:buClr>
-                <a:schemeClr val="accent1"/>
-              </a:buClr>
-              <a:buFont typeface="Calibri" pitchFamily="34" charset="0"/>
-              <a:buChar char="◦"/>
-              <a:defRPr sz="1400" kern="1200">
-                <a:solidFill>
-                  <a:schemeClr val="tx1">
-                    <a:lumMod val="75000"/>
-                    <a:lumOff val="25000"/>
-                  </a:schemeClr>
-                </a:solidFill>
-                <a:latin typeface="+mn-lt"/>
-                <a:ea typeface="+mn-ea"/>
-                <a:cs typeface="+mn-cs"/>
-              </a:defRPr>
-            </a:lvl6pPr>
-            <a:lvl7pPr marL="1300000" indent="-228600" algn="l" defTabSz="914400" rtl="0" eaLnBrk="1" latinLnBrk="0" hangingPunct="1">
-              <a:lnSpc>
-                <a:spcPct val="90000"/>
-              </a:lnSpc>
-              <a:spcBef>
-                <a:spcPts val="200"/>
-              </a:spcBef>
-              <a:spcAft>
-                <a:spcPts val="400"/>
-              </a:spcAft>
-              <a:buClr>
-                <a:schemeClr val="accent1"/>
-              </a:buClr>
-              <a:buFont typeface="Calibri" pitchFamily="34" charset="0"/>
-              <a:buChar char="◦"/>
-              <a:defRPr sz="1400" kern="1200">
-                <a:solidFill>
-                  <a:schemeClr val="tx1">
-                    <a:lumMod val="75000"/>
-                    <a:lumOff val="25000"/>
-                  </a:schemeClr>
-                </a:solidFill>
-                <a:latin typeface="+mn-lt"/>
-                <a:ea typeface="+mn-ea"/>
-                <a:cs typeface="+mn-cs"/>
-              </a:defRPr>
-            </a:lvl7pPr>
-            <a:lvl8pPr marL="1500000" indent="-228600" algn="l" defTabSz="914400" rtl="0" eaLnBrk="1" latinLnBrk="0" hangingPunct="1">
-              <a:lnSpc>
-                <a:spcPct val="90000"/>
-              </a:lnSpc>
-              <a:spcBef>
-                <a:spcPts val="200"/>
-              </a:spcBef>
-              <a:spcAft>
-                <a:spcPts val="400"/>
-              </a:spcAft>
-              <a:buClr>
-                <a:schemeClr val="accent1"/>
-              </a:buClr>
-              <a:buFont typeface="Calibri" pitchFamily="34" charset="0"/>
-              <a:buChar char="◦"/>
-              <a:defRPr sz="1400" kern="1200">
-                <a:solidFill>
-                  <a:schemeClr val="tx1">
-                    <a:lumMod val="75000"/>
-                    <a:lumOff val="25000"/>
-                  </a:schemeClr>
-                </a:solidFill>
-                <a:latin typeface="+mn-lt"/>
-                <a:ea typeface="+mn-ea"/>
-                <a:cs typeface="+mn-cs"/>
-              </a:defRPr>
-            </a:lvl8pPr>
-            <a:lvl9pPr marL="1700000" indent="-228600" algn="l" defTabSz="914400" rtl="0" eaLnBrk="1" latinLnBrk="0" hangingPunct="1">
-              <a:lnSpc>
-                <a:spcPct val="90000"/>
-              </a:lnSpc>
-              <a:spcBef>
-                <a:spcPts val="200"/>
-              </a:spcBef>
-              <a:spcAft>
-                <a:spcPts val="400"/>
-              </a:spcAft>
-              <a:buClr>
-                <a:schemeClr val="accent1"/>
-              </a:buClr>
-              <a:buFont typeface="Calibri" pitchFamily="34" charset="0"/>
-              <a:buChar char="◦"/>
-              <a:defRPr sz="1400" kern="1200">
-                <a:solidFill>
-                  <a:schemeClr val="tx1">
-                    <a:lumMod val="75000"/>
-                    <a:lumOff val="25000"/>
-                  </a:schemeClr>
-                </a:solidFill>
-                <a:latin typeface="+mn-lt"/>
-                <a:ea typeface="+mn-ea"/>
-                <a:cs typeface="+mn-cs"/>
-              </a:defRPr>
-            </a:lvl9pPr>
-          </a:lstStyle>
-          <a:p>
-            <a:pPr>
-              <a:buFont typeface="Wingdings" panose="05000000000000000000" pitchFamily="2" charset="2"/>
-              <a:buChar char="q"/>
-            </a:pPr>
-            <a:r>
-              <a:rPr lang="en-CA" dirty="0">
-                <a:solidFill>
-                  <a:schemeClr val="bg2"/>
-                </a:solidFill>
-              </a:rPr>
-              <a:t>Performance evaluation: F1 score, confusion matrix</a:t>
-            </a:r>
-          </a:p>
-          <a:p>
-            <a:pPr lvl="1">
-              <a:buFont typeface="Wingdings" panose="05000000000000000000" pitchFamily="2" charset="2"/>
-              <a:buChar char="q"/>
-            </a:pPr>
-            <a:r>
-              <a:rPr lang="en-CA" b="1" dirty="0">
-                <a:solidFill>
-                  <a:schemeClr val="bg2"/>
-                </a:solidFill>
-              </a:rPr>
-              <a:t>library: </a:t>
-            </a:r>
-            <a:r>
-              <a:rPr lang="en-CA" dirty="0">
-                <a:solidFill>
-                  <a:schemeClr val="bg2"/>
-                </a:solidFill>
-              </a:rPr>
-              <a:t>  </a:t>
-            </a:r>
-            <a:r>
-              <a:rPr lang="en-CA" dirty="0" err="1">
-                <a:solidFill>
-                  <a:schemeClr val="bg2"/>
-                </a:solidFill>
-              </a:rPr>
-              <a:t>sklearn.metrics</a:t>
-            </a:r>
-            <a:r>
-              <a:rPr lang="en-CA" dirty="0">
-                <a:solidFill>
-                  <a:schemeClr val="bg2"/>
-                </a:solidFill>
-              </a:rPr>
-              <a:t>  </a:t>
-            </a:r>
-            <a:r>
-              <a:rPr lang="en-CA" dirty="0" err="1">
-                <a:solidFill>
-                  <a:schemeClr val="accent5"/>
-                </a:solidFill>
-              </a:rPr>
-              <a:t>classification_report</a:t>
-            </a:r>
-            <a:r>
-              <a:rPr lang="en-CA" dirty="0">
-                <a:solidFill>
-                  <a:schemeClr val="accent5"/>
-                </a:solidFill>
-              </a:rPr>
-              <a:t> </a:t>
-            </a:r>
-            <a:r>
-              <a:rPr lang="en-CA" dirty="0">
-                <a:solidFill>
-                  <a:schemeClr val="bg2"/>
-                </a:solidFill>
-              </a:rPr>
-              <a:t>and </a:t>
-            </a:r>
-            <a:r>
-              <a:rPr lang="fr-FR" dirty="0" err="1">
-                <a:solidFill>
-                  <a:schemeClr val="bg2"/>
-                </a:solidFill>
-              </a:rPr>
-              <a:t>sklearn.metrics</a:t>
-            </a:r>
-            <a:r>
-              <a:rPr lang="fr-FR" dirty="0"/>
-              <a:t>  </a:t>
-            </a:r>
-            <a:r>
-              <a:rPr lang="fr-FR" dirty="0" err="1">
-                <a:solidFill>
-                  <a:schemeClr val="accent5"/>
-                </a:solidFill>
-              </a:rPr>
-              <a:t>confusion_matrix</a:t>
-            </a:r>
-            <a:endParaRPr lang="en-CA" dirty="0">
-              <a:solidFill>
-                <a:schemeClr val="accent5"/>
-              </a:solidFill>
-            </a:endParaRPr>
-          </a:p>
-          <a:p>
-            <a:pPr marL="0" indent="0">
-              <a:buFont typeface="Calibri" panose="020F0502020204030204" pitchFamily="34" charset="0"/>
-              <a:buNone/>
-            </a:pPr>
-            <a:endParaRPr lang="en-CA" dirty="0">
-              <a:solidFill>
-                <a:srgbClr val="FFFFFF"/>
-              </a:solidFill>
-            </a:endParaRPr>
-          </a:p>
-        </p:txBody>
-      </p:sp>
-      <p:pic>
-        <p:nvPicPr>
-          <p:cNvPr id="3" name="Picture 2">
-            <a:extLst>
-              <a:ext uri="{FF2B5EF4-FFF2-40B4-BE49-F238E27FC236}">
-                <a16:creationId xmlns:a16="http://schemas.microsoft.com/office/drawing/2014/main" id="{E0A138EE-9D01-4E7B-B193-27F4EE589CE4}"/>
-              </a:ext>
-            </a:extLst>
-          </p:cNvPr>
-          <p:cNvPicPr>
-            <a:picLocks noChangeAspect="1"/>
-          </p:cNvPicPr>
-          <p:nvPr/>
-        </p:nvPicPr>
-        <p:blipFill>
-          <a:blip r:embed="rId2"/>
-          <a:stretch>
-            <a:fillRect/>
-          </a:stretch>
-        </p:blipFill>
-        <p:spPr>
-          <a:xfrm>
-            <a:off x="1391840" y="1061156"/>
-            <a:ext cx="9580872" cy="2090995"/>
-          </a:xfrm>
-          <a:prstGeom prst="rect">
-            <a:avLst/>
-          </a:prstGeom>
-        </p:spPr>
-      </p:pic>
-    </p:spTree>
-    <p:extLst>
-      <p:ext uri="{BB962C8B-B14F-4D97-AF65-F5344CB8AC3E}">
-        <p14:creationId xmlns:p14="http://schemas.microsoft.com/office/powerpoint/2010/main" val="2738184489"/>
-      </p:ext>
-    </p:extLst>
-  </p:cSld>
-  <p:clrMapOvr>
-    <a:masterClrMapping/>
-  </p:clrMapOvr>
-</p:sld>
-</file>
-
-<file path=ppt/slides/slide12.xml><?xml version="1.0" encoding="utf-8"?>
-<p:sld xmlns:a="http://schemas.openxmlformats.org/drawingml/2006/main" xmlns:r="http://schemas.openxmlformats.org/officeDocument/2006/relationships" xmlns:p="http://schemas.openxmlformats.org/presentationml/2006/main">
-  <p:cSld>
-    <p:bg>
-      <p:bgPr>
-        <a:solidFill>
-          <a:schemeClr val="bg1"/>
-        </a:solidFill>
-        <a:effectLst/>
-      </p:bgPr>
-    </p:bg>
-    <p:spTree>
-      <p:nvGrpSpPr>
-        <p:cNvPr id="1" name=""/>
-        <p:cNvGrpSpPr/>
-        <p:nvPr/>
-      </p:nvGrpSpPr>
-      <p:grpSpPr>
-        <a:xfrm>
-          <a:off x="0" y="0"/>
-          <a:ext cx="0" cy="0"/>
-          <a:chOff x="0" y="0"/>
-          <a:chExt cx="0" cy="0"/>
-        </a:xfrm>
-      </p:grpSpPr>
-      <p:sp>
-        <p:nvSpPr>
-          <p:cNvPr id="19" name="Rectangle 18">
-            <a:extLst>
-              <a:ext uri="{FF2B5EF4-FFF2-40B4-BE49-F238E27FC236}">
-                <a16:creationId xmlns:a16="http://schemas.microsoft.com/office/drawing/2014/main" id="{39E3965E-AC41-4711-9D10-E25ABB132D86}"/>
-              </a:ext>
-              <a:ext uri="{C183D7F6-B498-43B3-948B-1728B52AA6E4}">
-                <adec:decorative xmlns:adec="http://schemas.microsoft.com/office/drawing/2017/decorative" val="1"/>
-              </a:ext>
-            </a:extLst>
-          </p:cNvPr>
-          <p:cNvSpPr>
-            <a:spLocks noGrp="1" noRot="1" noChangeAspect="1" noMove="1" noResize="1" noEditPoints="1" noAdjustHandles="1" noChangeArrowheads="1" noChangeShapeType="1" noTextEdit="1"/>
-          </p:cNvSpPr>
-          <p:nvPr>
-            <p:extLst>
-              <p:ext uri="{386F3935-93C4-4BCD-93E2-E3B085C9AB24}">
-                <p16:designElem xmlns:p16="http://schemas.microsoft.com/office/powerpoint/2015/main" val="1"/>
-              </p:ext>
-            </p:extLst>
-          </p:nvPr>
-        </p:nvSpPr>
-        <p:spPr>
-          <a:xfrm>
-            <a:off x="3175" y="6400800"/>
-            <a:ext cx="12188825" cy="457200"/>
-          </a:xfrm>
-          <a:prstGeom prst="rect">
-            <a:avLst/>
-          </a:prstGeom>
-          <a:solidFill>
-            <a:srgbClr val="262626"/>
-          </a:solidFill>
-          <a:ln>
-            <a:noFill/>
-          </a:ln>
-        </p:spPr>
-        <p:style>
-          <a:lnRef idx="2">
-            <a:schemeClr val="accent1">
-              <a:shade val="50000"/>
-            </a:schemeClr>
-          </a:lnRef>
-          <a:fillRef idx="1">
-            <a:schemeClr val="accent1"/>
-          </a:fillRef>
-          <a:effectRef idx="0">
-            <a:schemeClr val="accent1"/>
-          </a:effectRef>
-          <a:fontRef idx="minor">
-            <a:schemeClr val="lt1"/>
-          </a:fontRef>
-        </p:style>
-      </p:sp>
-      <p:cxnSp>
-        <p:nvCxnSpPr>
-          <p:cNvPr id="21" name="Straight Connector 20">
-            <a:extLst>
-              <a:ext uri="{FF2B5EF4-FFF2-40B4-BE49-F238E27FC236}">
-                <a16:creationId xmlns:a16="http://schemas.microsoft.com/office/drawing/2014/main" id="{1F5DC8C3-BA5F-4EED-BB9A-A14272BD82A1}"/>
-              </a:ext>
-              <a:ext uri="{C183D7F6-B498-43B3-948B-1728B52AA6E4}">
-                <adec:decorative xmlns:adec="http://schemas.microsoft.com/office/drawing/2017/decorative" val="1"/>
-              </a:ext>
-            </a:extLst>
-          </p:cNvPr>
-          <p:cNvCxnSpPr>
-            <a:cxnSpLocks noGrp="1" noRot="1" noChangeAspect="1" noMove="1" noResize="1" noEditPoints="1" noAdjustHandles="1" noChangeArrowheads="1" noChangeShapeType="1"/>
-          </p:cNvCxnSpPr>
-          <p:nvPr>
-            <p:extLst>
-              <p:ext uri="{386F3935-93C4-4BCD-93E2-E3B085C9AB24}">
-                <p16:designElem xmlns:p16="http://schemas.microsoft.com/office/powerpoint/2015/main" val="1"/>
-              </p:ext>
-            </p:extLst>
-          </p:nvPr>
-        </p:nvCxnSpPr>
-        <p:spPr>
-          <a:xfrm>
-            <a:off x="1207658" y="4474741"/>
-            <a:ext cx="9875520" cy="0"/>
-          </a:xfrm>
-          <a:prstGeom prst="line">
-            <a:avLst/>
-          </a:prstGeom>
-          <a:ln w="12700">
-            <a:solidFill>
-              <a:schemeClr val="tx1">
-                <a:lumMod val="75000"/>
-                <a:lumOff val="25000"/>
-              </a:schemeClr>
-            </a:solidFill>
-          </a:ln>
-        </p:spPr>
-        <p:style>
-          <a:lnRef idx="1">
-            <a:schemeClr val="accent1"/>
-          </a:lnRef>
-          <a:fillRef idx="0">
-            <a:schemeClr val="accent1"/>
-          </a:fillRef>
-          <a:effectRef idx="0">
-            <a:schemeClr val="accent1"/>
-          </a:effectRef>
-          <a:fontRef idx="minor">
-            <a:schemeClr val="tx1"/>
-          </a:fontRef>
-        </p:style>
-      </p:cxnSp>
-      <p:sp useBgFill="1">
-        <p:nvSpPr>
-          <p:cNvPr id="23" name="Rectangle 22">
-            <a:extLst>
-              <a:ext uri="{FF2B5EF4-FFF2-40B4-BE49-F238E27FC236}">
-                <a16:creationId xmlns:a16="http://schemas.microsoft.com/office/drawing/2014/main" id="{B601567C-4815-45C4-A8C8-DEF236232A30}"/>
-              </a:ext>
-              <a:ext uri="{C183D7F6-B498-43B3-948B-1728B52AA6E4}">
-                <adec:decorative xmlns:adec="http://schemas.microsoft.com/office/drawing/2017/decorative" val="1"/>
-              </a:ext>
-            </a:extLst>
-          </p:cNvPr>
-          <p:cNvSpPr>
-            <a:spLocks noGrp="1" noRot="1" noChangeAspect="1" noMove="1" noResize="1" noEditPoints="1" noAdjustHandles="1" noChangeArrowheads="1" noChangeShapeType="1" noTextEdit="1"/>
-          </p:cNvSpPr>
-          <p:nvPr>
-            <p:extLst>
-              <p:ext uri="{386F3935-93C4-4BCD-93E2-E3B085C9AB24}">
-                <p16:designElem xmlns:p16="http://schemas.microsoft.com/office/powerpoint/2015/main" val="1"/>
-              </p:ext>
-            </p:extLst>
-          </p:nvPr>
-        </p:nvSpPr>
-        <p:spPr>
-          <a:xfrm>
-            <a:off x="0" y="0"/>
-            <a:ext cx="12188952" cy="6858000"/>
-          </a:xfrm>
-          <a:prstGeom prst="rect">
-            <a:avLst/>
-          </a:prstGeom>
-          <a:ln>
-            <a:noFill/>
-          </a:ln>
-        </p:spPr>
-        <p:style>
-          <a:lnRef idx="2">
-            <a:schemeClr val="accent1">
-              <a:shade val="50000"/>
-            </a:schemeClr>
-          </a:lnRef>
-          <a:fillRef idx="1">
-            <a:schemeClr val="accent1"/>
-          </a:fillRef>
-          <a:effectRef idx="0">
-            <a:schemeClr val="accent1"/>
-          </a:effectRef>
-          <a:fontRef idx="minor">
-            <a:schemeClr val="lt1"/>
-          </a:fontRef>
-        </p:style>
-        <p:txBody>
-          <a:bodyPr rtlCol="0" anchor="ctr"/>
-          <a:lstStyle/>
-          <a:p>
-            <a:pPr algn="ctr"/>
-            <a:endParaRPr lang="en-US"/>
-          </a:p>
-        </p:txBody>
-      </p:sp>
-      <p:sp>
-        <p:nvSpPr>
-          <p:cNvPr id="2" name="Title 1">
-            <a:extLst>
-              <a:ext uri="{FF2B5EF4-FFF2-40B4-BE49-F238E27FC236}">
-                <a16:creationId xmlns:a16="http://schemas.microsoft.com/office/drawing/2014/main" id="{CEC89EF6-E667-46AA-90E0-4B8B48C242D5}"/>
-              </a:ext>
-            </a:extLst>
-          </p:cNvPr>
-          <p:cNvSpPr>
-            <a:spLocks noGrp="1"/>
-          </p:cNvSpPr>
-          <p:nvPr>
-            <p:ph type="title"/>
-          </p:nvPr>
-        </p:nvSpPr>
-        <p:spPr>
-          <a:xfrm>
-            <a:off x="1097280" y="2507353"/>
-            <a:ext cx="10058400" cy="789296"/>
-          </a:xfrm>
-        </p:spPr>
-        <p:txBody>
-          <a:bodyPr vert="horz" lIns="91440" tIns="45720" rIns="91440" bIns="45720" rtlCol="0" anchor="t">
-            <a:normAutofit fontScale="90000"/>
-          </a:bodyPr>
-          <a:lstStyle/>
-          <a:p>
-            <a:pPr marL="685800" indent="-685800">
-              <a:buFont typeface="Wingdings" panose="05000000000000000000" pitchFamily="2" charset="2"/>
-              <a:buChar char="q"/>
-            </a:pPr>
-            <a:r>
-              <a:rPr lang="en-CA" sz="5300" dirty="0"/>
-              <a:t>Observation</a:t>
-            </a:r>
-            <a:br>
-              <a:rPr lang="en-CA" dirty="0"/>
-            </a:br>
-            <a:endParaRPr lang="en-US" sz="8000" dirty="0">
-              <a:solidFill>
-                <a:schemeClr val="tx1">
-                  <a:lumMod val="85000"/>
-                  <a:lumOff val="15000"/>
-                </a:schemeClr>
-              </a:solidFill>
-            </a:endParaRPr>
-          </a:p>
-        </p:txBody>
-      </p:sp>
-      <p:cxnSp>
-        <p:nvCxnSpPr>
-          <p:cNvPr id="25" name="Straight Connector 24">
-            <a:extLst>
-              <a:ext uri="{FF2B5EF4-FFF2-40B4-BE49-F238E27FC236}">
-                <a16:creationId xmlns:a16="http://schemas.microsoft.com/office/drawing/2014/main" id="{9D2BBCA2-F039-47DF-B36F-39D7E7CC0090}"/>
-              </a:ext>
-              <a:ext uri="{C183D7F6-B498-43B3-948B-1728B52AA6E4}">
-                <adec:decorative xmlns:adec="http://schemas.microsoft.com/office/drawing/2017/decorative" val="1"/>
-              </a:ext>
-            </a:extLst>
-          </p:cNvPr>
-          <p:cNvCxnSpPr>
-            <a:cxnSpLocks noGrp="1" noRot="1" noChangeAspect="1" noMove="1" noResize="1" noEditPoints="1" noAdjustHandles="1" noChangeArrowheads="1" noChangeShapeType="1"/>
-          </p:cNvCxnSpPr>
-          <p:nvPr>
-            <p:extLst>
-              <p:ext uri="{386F3935-93C4-4BCD-93E2-E3B085C9AB24}">
-                <p16:designElem xmlns:p16="http://schemas.microsoft.com/office/powerpoint/2015/main" val="1"/>
-              </p:ext>
-            </p:extLst>
-          </p:nvPr>
-        </p:nvCxnSpPr>
-        <p:spPr>
-          <a:xfrm>
-            <a:off x="1131458" y="2265037"/>
-            <a:ext cx="9875520" cy="0"/>
-          </a:xfrm>
-          <a:prstGeom prst="line">
-            <a:avLst/>
-          </a:prstGeom>
-          <a:ln w="12700">
-            <a:solidFill>
-              <a:schemeClr val="tx1">
-                <a:lumMod val="75000"/>
-                <a:lumOff val="25000"/>
-              </a:schemeClr>
-            </a:solidFill>
-          </a:ln>
-        </p:spPr>
-        <p:style>
-          <a:lnRef idx="1">
-            <a:schemeClr val="accent1"/>
-          </a:lnRef>
-          <a:fillRef idx="0">
-            <a:schemeClr val="accent1"/>
-          </a:fillRef>
-          <a:effectRef idx="0">
-            <a:schemeClr val="accent1"/>
-          </a:effectRef>
-          <a:fontRef idx="minor">
-            <a:schemeClr val="tx1"/>
-          </a:fontRef>
-        </p:style>
-      </p:cxnSp>
-      <p:sp>
-        <p:nvSpPr>
-          <p:cNvPr id="27" name="Rectangle 26">
-            <a:extLst>
-              <a:ext uri="{FF2B5EF4-FFF2-40B4-BE49-F238E27FC236}">
-                <a16:creationId xmlns:a16="http://schemas.microsoft.com/office/drawing/2014/main" id="{B624C8D3-B9AD-4F4F-8554-4EAF3724DBCE}"/>
-              </a:ext>
-              <a:ext uri="{C183D7F6-B498-43B3-948B-1728B52AA6E4}">
-                <adec:decorative xmlns:adec="http://schemas.microsoft.com/office/drawing/2017/decorative" val="1"/>
-              </a:ext>
-            </a:extLst>
-          </p:cNvPr>
-          <p:cNvSpPr>
-            <a:spLocks noGrp="1" noRot="1" noChangeAspect="1" noMove="1" noResize="1" noEditPoints="1" noAdjustHandles="1" noChangeArrowheads="1" noChangeShapeType="1" noTextEdit="1"/>
-          </p:cNvSpPr>
-          <p:nvPr>
-            <p:extLst>
-              <p:ext uri="{386F3935-93C4-4BCD-93E2-E3B085C9AB24}">
-                <p16:designElem xmlns:p16="http://schemas.microsoft.com/office/powerpoint/2015/main" val="1"/>
-              </p:ext>
-            </p:extLst>
-          </p:nvPr>
-        </p:nvSpPr>
-        <p:spPr>
-          <a:xfrm>
-            <a:off x="0" y="6400800"/>
-            <a:ext cx="12192000" cy="457200"/>
-          </a:xfrm>
-          <a:prstGeom prst="rect">
-            <a:avLst/>
-          </a:prstGeom>
-          <a:solidFill>
-            <a:srgbClr val="262626"/>
-          </a:solidFill>
-          <a:ln>
-            <a:noFill/>
-          </a:ln>
-        </p:spPr>
-        <p:style>
-          <a:lnRef idx="2">
-            <a:schemeClr val="accent1">
-              <a:shade val="50000"/>
-            </a:schemeClr>
-          </a:lnRef>
-          <a:fillRef idx="1">
-            <a:schemeClr val="accent1"/>
-          </a:fillRef>
-          <a:effectRef idx="0">
-            <a:schemeClr val="accent1"/>
-          </a:effectRef>
-          <a:fontRef idx="minor">
-            <a:schemeClr val="lt1"/>
-          </a:fontRef>
-        </p:style>
-      </p:sp>
-    </p:spTree>
-    <p:extLst>
-      <p:ext uri="{BB962C8B-B14F-4D97-AF65-F5344CB8AC3E}">
-        <p14:creationId xmlns:p14="http://schemas.microsoft.com/office/powerpoint/2010/main" val="2482553502"/>
-      </p:ext>
-    </p:extLst>
-  </p:cSld>
-  <p:clrMapOvr>
-    <a:masterClrMapping/>
-  </p:clrMapOvr>
-</p:sld>
-</file>
-
-<file path=ppt/slides/slide13.xml><?xml version="1.0" encoding="utf-8"?>
-<p:sld xmlns:a="http://schemas.openxmlformats.org/drawingml/2006/main" xmlns:r="http://schemas.openxmlformats.org/officeDocument/2006/relationships" xmlns:p="http://schemas.openxmlformats.org/presentationml/2006/main">
-  <p:cSld>
-    <p:bg>
-      <p:bgPr>
-        <a:solidFill>
-          <a:schemeClr val="bg1"/>
-        </a:solidFill>
-        <a:effectLst/>
-      </p:bgPr>
-    </p:bg>
-    <p:spTree>
-      <p:nvGrpSpPr>
-        <p:cNvPr id="1" name=""/>
-        <p:cNvGrpSpPr/>
-        <p:nvPr/>
-      </p:nvGrpSpPr>
-      <p:grpSpPr>
-        <a:xfrm>
-          <a:off x="0" y="0"/>
-          <a:ext cx="0" cy="0"/>
-          <a:chOff x="0" y="0"/>
-          <a:chExt cx="0" cy="0"/>
-        </a:xfrm>
-      </p:grpSpPr>
-      <p:sp useBgFill="1">
-        <p:nvSpPr>
-          <p:cNvPr id="89" name="Rectangle 88">
-            <a:extLst>
-              <a:ext uri="{FF2B5EF4-FFF2-40B4-BE49-F238E27FC236}">
-                <a16:creationId xmlns:a16="http://schemas.microsoft.com/office/drawing/2014/main" id="{3741B58E-3B65-4A01-A276-975AB2CF8A08}"/>
-              </a:ext>
-              <a:ext uri="{C183D7F6-B498-43B3-948B-1728B52AA6E4}">
-                <adec:decorative xmlns:adec="http://schemas.microsoft.com/office/drawing/2017/decorative" val="1"/>
-              </a:ext>
-            </a:extLst>
-          </p:cNvPr>
-          <p:cNvSpPr>
-            <a:spLocks noGrp="1" noRot="1" noChangeAspect="1" noMove="1" noResize="1" noEditPoints="1" noAdjustHandles="1" noChangeArrowheads="1" noChangeShapeType="1" noTextEdit="1"/>
-          </p:cNvSpPr>
-          <p:nvPr>
-            <p:extLst>
-              <p:ext uri="{386F3935-93C4-4BCD-93E2-E3B085C9AB24}">
-                <p16:designElem xmlns:p16="http://schemas.microsoft.com/office/powerpoint/2015/main" val="1"/>
-              </p:ext>
-            </p:extLst>
-          </p:nvPr>
-        </p:nvSpPr>
-        <p:spPr>
-          <a:xfrm>
-            <a:off x="0" y="0"/>
+            <a:off x="5685" y="0"/>
             <a:ext cx="12186315" cy="6858000"/>
           </a:xfrm>
           <a:prstGeom prst="rect">
@@ -8917,10 +7450,10 @@
       </p:sp>
       <p:sp>
         <p:nvSpPr>
-          <p:cNvPr id="91" name="Rectangle 90">
+          <p:cNvPr id="11" name="Rectangle 10">
             <a:extLst>
               <a:ext uri="{FF2B5EF4-FFF2-40B4-BE49-F238E27FC236}">
-                <a16:creationId xmlns:a16="http://schemas.microsoft.com/office/drawing/2014/main" id="{7AAC67C3-831B-4AB1-A259-DFB839CAFAFC}"/>
+                <a16:creationId xmlns:a16="http://schemas.microsoft.com/office/drawing/2014/main" id="{2BFE3F30-11E0-4842-8523-7222538C8293}"/>
               </a:ext>
               <a:ext uri="{C183D7F6-B498-43B3-948B-1728B52AA6E4}">
                 <adec:decorative xmlns:adec="http://schemas.microsoft.com/office/drawing/2017/decorative" val="1"/>
@@ -8938,10 +7471,10 @@
             </p:extLst>
           </p:nvPr>
         </p:nvSpPr>
-        <p:spPr>
+        <p:spPr bwMode="white">
           <a:xfrm>
-            <a:off x="16" y="0"/>
-            <a:ext cx="4648593" cy="6858000"/>
+            <a:off x="15" y="0"/>
+            <a:ext cx="7547879" cy="6858000"/>
           </a:xfrm>
           <a:prstGeom prst="rect">
             <a:avLst/>
@@ -8975,7 +7508,7 @@
           <p:cNvPr id="2" name="Title 1">
             <a:extLst>
               <a:ext uri="{FF2B5EF4-FFF2-40B4-BE49-F238E27FC236}">
-                <a16:creationId xmlns:a16="http://schemas.microsoft.com/office/drawing/2014/main" id="{6A1D699E-7B74-42D8-9B7F-4866FB151857}"/>
+                <a16:creationId xmlns:a16="http://schemas.microsoft.com/office/drawing/2014/main" id="{B9360352-4712-4586-B8D3-32FCA8FA0C76}"/>
               </a:ext>
             </a:extLst>
           </p:cNvPr>
@@ -8988,483 +7521,33 @@
         </p:nvSpPr>
         <p:spPr>
           <a:xfrm>
-            <a:off x="492369" y="605896"/>
-            <a:ext cx="3642309" cy="5646208"/>
+            <a:off x="1097280" y="516835"/>
+            <a:ext cx="5977937" cy="1666501"/>
           </a:xfrm>
         </p:spPr>
         <p:txBody>
-          <a:bodyPr anchor="ctr">
+          <a:bodyPr>
             <a:normAutofit/>
           </a:bodyPr>
           <a:lstStyle/>
           <a:p>
             <a:r>
-              <a:rPr lang="en-CA" sz="4400" dirty="0">
+              <a:rPr lang="en-CA" sz="4000">
                 <a:solidFill>
                   <a:srgbClr val="FFFFFF"/>
                 </a:solidFill>
               </a:rPr>
-              <a:t>Observation</a:t>
+              <a:t>Conclusion</a:t>
             </a:r>
           </a:p>
         </p:txBody>
-      </p:sp>
-      <p:sp>
-        <p:nvSpPr>
-          <p:cNvPr id="4" name="Content Placeholder 3">
-            <a:extLst>
-              <a:ext uri="{FF2B5EF4-FFF2-40B4-BE49-F238E27FC236}">
-                <a16:creationId xmlns:a16="http://schemas.microsoft.com/office/drawing/2014/main" id="{F3FC9765-95CD-41CA-BAF8-B23BAD4A4421}"/>
-              </a:ext>
-            </a:extLst>
-          </p:cNvPr>
-          <p:cNvSpPr>
-            <a:spLocks noGrp="1"/>
-          </p:cNvSpPr>
-          <p:nvPr>
-            <p:ph idx="1"/>
-          </p:nvPr>
-        </p:nvSpPr>
-        <p:spPr>
-          <a:xfrm>
-            <a:off x="4648609" y="0"/>
-            <a:ext cx="7537705" cy="6858000"/>
-          </a:xfrm>
-        </p:spPr>
-        <p:txBody>
-          <a:bodyPr anchor="ctr">
-            <a:normAutofit/>
-          </a:bodyPr>
-          <a:lstStyle/>
-          <a:p>
-            <a:pPr>
-              <a:buFont typeface="Wingdings" panose="05000000000000000000" pitchFamily="2" charset="2"/>
-              <a:buChar char="q"/>
-            </a:pPr>
-            <a:r>
-              <a:rPr lang="en-CA" sz="2200" dirty="0"/>
-              <a:t>Base on our chosen dataset and classifiers</a:t>
-            </a:r>
-          </a:p>
-          <a:p>
-            <a:pPr>
-              <a:buFont typeface="Wingdings" panose="05000000000000000000" pitchFamily="2" charset="2"/>
-              <a:buChar char="q"/>
-            </a:pPr>
-            <a:r>
-              <a:rPr lang="en-CA" sz="2200" dirty="0"/>
-              <a:t>Naïve Bayes Classifier was quicker during execution</a:t>
-            </a:r>
-          </a:p>
-          <a:p>
-            <a:pPr>
-              <a:buFont typeface="Wingdings" panose="05000000000000000000" pitchFamily="2" charset="2"/>
-              <a:buChar char="q"/>
-            </a:pPr>
-            <a:r>
-              <a:rPr lang="en-CA" sz="2200" dirty="0"/>
-              <a:t>SVM Classifier is better at predicting the </a:t>
-            </a:r>
-            <a:r>
-              <a:rPr lang="en-CA" sz="2200" b="1" u="sng" dirty="0">
-                <a:solidFill>
-                  <a:srgbClr val="92D050"/>
-                </a:solidFill>
-              </a:rPr>
-              <a:t>Playoff</a:t>
-            </a:r>
-          </a:p>
-          <a:p>
-            <a:pPr lvl="1">
-              <a:buFont typeface="Wingdings" panose="05000000000000000000" pitchFamily="2" charset="2"/>
-              <a:buChar char="q"/>
-            </a:pPr>
-            <a:r>
-              <a:rPr lang="en-CA" sz="2000" dirty="0"/>
-              <a:t> Average Precision : 	[SVM=</a:t>
-            </a:r>
-            <a:r>
-              <a:rPr lang="en-CA" sz="2000" dirty="0">
-                <a:solidFill>
-                  <a:schemeClr val="accent1"/>
-                </a:solidFill>
-              </a:rPr>
-              <a:t>0.734</a:t>
-            </a:r>
-            <a:r>
-              <a:rPr lang="en-CA" sz="2000" dirty="0"/>
-              <a:t>]  &gt;	[GNB=</a:t>
-            </a:r>
-            <a:r>
-              <a:rPr lang="en-CA" sz="2000" dirty="0">
-                <a:solidFill>
-                  <a:schemeClr val="accent1"/>
-                </a:solidFill>
-              </a:rPr>
-              <a:t>0.694</a:t>
-            </a:r>
-            <a:r>
-              <a:rPr lang="en-CA" sz="2000" dirty="0"/>
-              <a:t>]</a:t>
-            </a:r>
-          </a:p>
-          <a:p>
-            <a:pPr lvl="1">
-              <a:buFont typeface="Wingdings" panose="05000000000000000000" pitchFamily="2" charset="2"/>
-              <a:buChar char="q"/>
-            </a:pPr>
-            <a:r>
-              <a:rPr lang="en-CA" sz="2000" dirty="0"/>
-              <a:t> Average Recall :  	[SVM=</a:t>
-            </a:r>
-            <a:r>
-              <a:rPr lang="en-CA" sz="2000" dirty="0">
-                <a:solidFill>
-                  <a:schemeClr val="accent1"/>
-                </a:solidFill>
-              </a:rPr>
-              <a:t>0.704</a:t>
-            </a:r>
-            <a:r>
-              <a:rPr lang="en-CA" sz="2000" dirty="0"/>
-              <a:t>]  &gt;	[GNB=</a:t>
-            </a:r>
-            <a:r>
-              <a:rPr lang="en-CA" sz="2000" dirty="0">
-                <a:solidFill>
-                  <a:schemeClr val="accent1"/>
-                </a:solidFill>
-              </a:rPr>
-              <a:t>0.622</a:t>
-            </a:r>
-            <a:r>
-              <a:rPr lang="en-CA" sz="2000" dirty="0"/>
-              <a:t>]</a:t>
-            </a:r>
-          </a:p>
-          <a:p>
-            <a:pPr lvl="1">
-              <a:buFont typeface="Wingdings" panose="05000000000000000000" pitchFamily="2" charset="2"/>
-              <a:buChar char="q"/>
-            </a:pPr>
-            <a:r>
-              <a:rPr lang="en-CA" sz="2000" dirty="0"/>
-              <a:t> Average F1-Score : 	[SVM=</a:t>
-            </a:r>
-            <a:r>
-              <a:rPr lang="en-CA" sz="2000" dirty="0">
-                <a:solidFill>
-                  <a:schemeClr val="accent1"/>
-                </a:solidFill>
-              </a:rPr>
-              <a:t>0.698</a:t>
-            </a:r>
-            <a:r>
-              <a:rPr lang="en-CA" sz="2000" dirty="0"/>
-              <a:t>]  &gt;	[GNB=</a:t>
-            </a:r>
-            <a:r>
-              <a:rPr lang="en-CA" sz="2000" dirty="0">
-                <a:solidFill>
-                  <a:schemeClr val="accent1"/>
-                </a:solidFill>
-              </a:rPr>
-              <a:t>0.574</a:t>
-            </a:r>
-            <a:r>
-              <a:rPr lang="en-CA" sz="2000" dirty="0"/>
-              <a:t>]</a:t>
-            </a:r>
-          </a:p>
-          <a:p>
-            <a:pPr>
-              <a:buFont typeface="Wingdings" panose="05000000000000000000" pitchFamily="2" charset="2"/>
-              <a:buChar char="q"/>
-            </a:pPr>
-            <a:r>
-              <a:rPr lang="en-CA" sz="2200" dirty="0"/>
-              <a:t> Results Explained</a:t>
-            </a:r>
-          </a:p>
-          <a:p>
-            <a:pPr marL="0" indent="0">
-              <a:buNone/>
-            </a:pPr>
-            <a:endParaRPr lang="en-CA" sz="2200" dirty="0"/>
-          </a:p>
-        </p:txBody>
-      </p:sp>
-    </p:spTree>
-    <p:extLst>
-      <p:ext uri="{BB962C8B-B14F-4D97-AF65-F5344CB8AC3E}">
-        <p14:creationId xmlns:p14="http://schemas.microsoft.com/office/powerpoint/2010/main" val="1124084039"/>
-      </p:ext>
-    </p:extLst>
-  </p:cSld>
-  <p:clrMapOvr>
-    <a:masterClrMapping/>
-  </p:clrMapOvr>
-</p:sld>
-</file>
-
-<file path=ppt/slides/slide14.xml><?xml version="1.0" encoding="utf-8"?>
-<p:sld xmlns:a="http://schemas.openxmlformats.org/drawingml/2006/main" xmlns:r="http://schemas.openxmlformats.org/officeDocument/2006/relationships" xmlns:p="http://schemas.openxmlformats.org/presentationml/2006/main">
-  <p:cSld>
-    <p:bg>
-      <p:bgPr>
-        <a:solidFill>
-          <a:schemeClr val="bg1"/>
-        </a:solidFill>
-        <a:effectLst/>
-      </p:bgPr>
-    </p:bg>
-    <p:spTree>
-      <p:nvGrpSpPr>
-        <p:cNvPr id="1" name=""/>
-        <p:cNvGrpSpPr/>
-        <p:nvPr/>
-      </p:nvGrpSpPr>
-      <p:grpSpPr>
-        <a:xfrm>
-          <a:off x="0" y="0"/>
-          <a:ext cx="0" cy="0"/>
-          <a:chOff x="0" y="0"/>
-          <a:chExt cx="0" cy="0"/>
-        </a:xfrm>
-      </p:grpSpPr>
-      <p:pic>
-        <p:nvPicPr>
-          <p:cNvPr id="11" name="Picture 8">
-            <a:extLst>
-              <a:ext uri="{FF2B5EF4-FFF2-40B4-BE49-F238E27FC236}">
-                <a16:creationId xmlns:a16="http://schemas.microsoft.com/office/drawing/2014/main" id="{03BEC2A2-262A-42C5-BB2A-9B6809742521}"/>
-              </a:ext>
-            </a:extLst>
-          </p:cNvPr>
-          <p:cNvPicPr>
-            <a:picLocks noChangeAspect="1" noChangeArrowheads="1"/>
-          </p:cNvPicPr>
-          <p:nvPr/>
-        </p:nvPicPr>
-        <p:blipFill>
-          <a:blip r:embed="rId2">
-            <a:extLst>
-              <a:ext uri="{28A0092B-C50C-407E-A947-70E740481C1C}">
-                <a14:useLocalDpi xmlns:a14="http://schemas.microsoft.com/office/drawing/2010/main" val="0"/>
-              </a:ext>
-            </a:extLst>
-          </a:blip>
-          <a:srcRect/>
-          <a:stretch>
-            <a:fillRect/>
-          </a:stretch>
-        </p:blipFill>
-        <p:spPr bwMode="auto">
-          <a:xfrm>
-            <a:off x="8451" y="0"/>
-            <a:ext cx="11048325" cy="6409987"/>
-          </a:xfrm>
-          <a:prstGeom prst="rect">
-            <a:avLst/>
-          </a:prstGeom>
-          <a:noFill/>
-          <a:extLst>
-            <a:ext uri="{909E8E84-426E-40DD-AFC4-6F175D3DCCD1}">
-              <a14:hiddenFill xmlns:a14="http://schemas.microsoft.com/office/drawing/2010/main">
-                <a:solidFill>
-                  <a:srgbClr val="FFFFFF"/>
-                </a:solidFill>
-              </a14:hiddenFill>
-            </a:ext>
-          </a:extLst>
-        </p:spPr>
-      </p:pic>
-      <p:sp>
-        <p:nvSpPr>
-          <p:cNvPr id="27" name="Title 1">
-            <a:extLst>
-              <a:ext uri="{FF2B5EF4-FFF2-40B4-BE49-F238E27FC236}">
-                <a16:creationId xmlns:a16="http://schemas.microsoft.com/office/drawing/2014/main" id="{D7C90748-736B-418A-A90A-F02DE222F420}"/>
-              </a:ext>
-            </a:extLst>
-          </p:cNvPr>
-          <p:cNvSpPr txBox="1">
-            <a:spLocks/>
-          </p:cNvSpPr>
-          <p:nvPr/>
-        </p:nvSpPr>
-        <p:spPr>
-          <a:xfrm>
-            <a:off x="9486901" y="9167"/>
-            <a:ext cx="2693232" cy="1638658"/>
-          </a:xfrm>
-          <a:prstGeom prst="rect">
-            <a:avLst/>
-          </a:prstGeom>
-        </p:spPr>
-        <p:txBody>
-          <a:bodyPr vert="horz" lIns="91440" tIns="45720" rIns="91440" bIns="45720" rtlCol="0" anchor="b">
-            <a:normAutofit fontScale="92500" lnSpcReduction="10000"/>
-          </a:bodyPr>
-          <a:lstStyle>
-            <a:lvl1pPr algn="l" defTabSz="914400" rtl="0" eaLnBrk="1" latinLnBrk="0" hangingPunct="1">
-              <a:lnSpc>
-                <a:spcPct val="90000"/>
-              </a:lnSpc>
-              <a:spcBef>
-                <a:spcPct val="0"/>
-              </a:spcBef>
-              <a:buNone/>
-              <a:defRPr sz="4700" i="0" kern="1200" spc="-50" baseline="0">
-                <a:solidFill>
-                  <a:schemeClr val="tx1">
-                    <a:lumMod val="75000"/>
-                    <a:lumOff val="25000"/>
-                  </a:schemeClr>
-                </a:solidFill>
-                <a:latin typeface="+mj-lt"/>
-                <a:ea typeface="+mj-ea"/>
-                <a:cs typeface="+mj-cs"/>
-              </a:defRPr>
-            </a:lvl1pPr>
-          </a:lstStyle>
-          <a:p>
-            <a:r>
-              <a:rPr lang="en-US" sz="4400" u="sng" dirty="0">
-                <a:solidFill>
-                  <a:schemeClr val="tx1">
-                    <a:lumMod val="85000"/>
-                    <a:lumOff val="15000"/>
-                  </a:schemeClr>
-                </a:solidFill>
-              </a:rPr>
-              <a:t>Results</a:t>
-            </a:r>
-          </a:p>
-          <a:p>
-            <a:endParaRPr lang="en-US" sz="4400" u="sng" dirty="0">
-              <a:solidFill>
-                <a:schemeClr val="tx1">
-                  <a:lumMod val="85000"/>
-                  <a:lumOff val="15000"/>
-                </a:schemeClr>
-              </a:solidFill>
-            </a:endParaRPr>
-          </a:p>
-          <a:p>
-            <a:r>
-              <a:rPr lang="en-US" sz="4400" u="sng" dirty="0">
-                <a:solidFill>
-                  <a:schemeClr val="tx1">
-                    <a:lumMod val="85000"/>
-                    <a:lumOff val="15000"/>
-                  </a:schemeClr>
-                </a:solidFill>
-              </a:rPr>
-              <a:t>Explained</a:t>
-            </a:r>
-          </a:p>
-        </p:txBody>
-      </p:sp>
-    </p:spTree>
-    <p:extLst>
-      <p:ext uri="{BB962C8B-B14F-4D97-AF65-F5344CB8AC3E}">
-        <p14:creationId xmlns:p14="http://schemas.microsoft.com/office/powerpoint/2010/main" val="2405108288"/>
-      </p:ext>
-    </p:extLst>
-  </p:cSld>
-  <p:clrMapOvr>
-    <a:masterClrMapping/>
-  </p:clrMapOvr>
-</p:sld>
-</file>
-
-<file path=ppt/slides/slide15.xml><?xml version="1.0" encoding="utf-8"?>
-<p:sld xmlns:a="http://schemas.openxmlformats.org/drawingml/2006/main" xmlns:r="http://schemas.openxmlformats.org/officeDocument/2006/relationships" xmlns:p="http://schemas.openxmlformats.org/presentationml/2006/main">
-  <p:cSld>
-    <p:bg>
-      <p:bgPr>
-        <a:solidFill>
-          <a:schemeClr val="bg1"/>
-        </a:solidFill>
-        <a:effectLst/>
-      </p:bgPr>
-    </p:bg>
-    <p:spTree>
-      <p:nvGrpSpPr>
-        <p:cNvPr id="1" name=""/>
-        <p:cNvGrpSpPr/>
-        <p:nvPr/>
-      </p:nvGrpSpPr>
-      <p:grpSpPr>
-        <a:xfrm>
-          <a:off x="0" y="0"/>
-          <a:ext cx="0" cy="0"/>
-          <a:chOff x="0" y="0"/>
-          <a:chExt cx="0" cy="0"/>
-        </a:xfrm>
-      </p:grpSpPr>
-      <p:sp>
-        <p:nvSpPr>
-          <p:cNvPr id="9" name="Rectangle 8">
-            <a:extLst>
-              <a:ext uri="{FF2B5EF4-FFF2-40B4-BE49-F238E27FC236}">
-                <a16:creationId xmlns:a16="http://schemas.microsoft.com/office/drawing/2014/main" id="{39E3965E-AC41-4711-9D10-E25ABB132D86}"/>
-              </a:ext>
-              <a:ext uri="{C183D7F6-B498-43B3-948B-1728B52AA6E4}">
-                <adec:decorative xmlns:adec="http://schemas.microsoft.com/office/drawing/2017/decorative" val="1"/>
-              </a:ext>
-            </a:extLst>
-          </p:cNvPr>
-          <p:cNvSpPr>
-            <a:spLocks noGrp="1" noRot="1" noChangeAspect="1" noMove="1" noResize="1" noEditPoints="1" noAdjustHandles="1" noChangeArrowheads="1" noChangeShapeType="1" noTextEdit="1"/>
-          </p:cNvSpPr>
-          <p:nvPr>
-            <p:extLst>
-              <p:ext uri="{386F3935-93C4-4BCD-93E2-E3B085C9AB24}">
-                <p16:designElem xmlns:p16="http://schemas.microsoft.com/office/powerpoint/2015/main" val="1"/>
-              </p:ext>
-            </p:extLst>
-          </p:nvPr>
-        </p:nvSpPr>
-        <p:spPr>
-          <a:xfrm>
-            <a:off x="3175" y="6400800"/>
-            <a:ext cx="12188825" cy="457200"/>
-          </a:xfrm>
-          <a:prstGeom prst="rect">
-            <a:avLst/>
-          </a:prstGeom>
-          <a:solidFill>
-            <a:srgbClr val="262626"/>
-          </a:solidFill>
-          <a:ln>
-            <a:noFill/>
-          </a:ln>
-        </p:spPr>
-        <p:style>
-          <a:lnRef idx="2">
-            <a:schemeClr val="accent1">
-              <a:shade val="50000"/>
-            </a:schemeClr>
-          </a:lnRef>
-          <a:fillRef idx="1">
-            <a:schemeClr val="accent1"/>
-          </a:fillRef>
-          <a:effectRef idx="0">
-            <a:schemeClr val="accent1"/>
-          </a:effectRef>
-          <a:fontRef idx="minor">
-            <a:schemeClr val="lt1"/>
-          </a:fontRef>
-        </p:style>
       </p:sp>
       <p:cxnSp>
         <p:nvCxnSpPr>
-          <p:cNvPr id="11" name="Straight Connector 10">
+          <p:cNvPr id="13" name="Straight Connector 12">
             <a:extLst>
               <a:ext uri="{FF2B5EF4-FFF2-40B4-BE49-F238E27FC236}">
-                <a16:creationId xmlns:a16="http://schemas.microsoft.com/office/drawing/2014/main" id="{1F5DC8C3-BA5F-4EED-BB9A-A14272BD82A1}"/>
+                <a16:creationId xmlns:a16="http://schemas.microsoft.com/office/drawing/2014/main" id="{67E7D319-545A-41CD-95DF-4DE4FA8A46B1}"/>
               </a:ext>
               <a:ext uri="{C183D7F6-B498-43B3-948B-1728B52AA6E4}">
                 <adec:decorative xmlns:adec="http://schemas.microsoft.com/office/drawing/2017/decorative" val="1"/>
@@ -9484,233 +7567,15 @@
         </p:nvCxnSpPr>
         <p:spPr>
           <a:xfrm>
-            <a:off x="1207658" y="4474741"/>
-            <a:ext cx="9875520" cy="0"/>
+            <a:off x="1198268" y="2344202"/>
+            <a:ext cx="5486400" cy="0"/>
           </a:xfrm>
           <a:prstGeom prst="line">
             <a:avLst/>
           </a:prstGeom>
-          <a:ln w="12700">
+          <a:ln w="19050">
             <a:solidFill>
-              <a:schemeClr val="tx1">
-                <a:lumMod val="75000"/>
-                <a:lumOff val="25000"/>
-              </a:schemeClr>
-            </a:solidFill>
-          </a:ln>
-        </p:spPr>
-        <p:style>
-          <a:lnRef idx="1">
-            <a:schemeClr val="accent1"/>
-          </a:lnRef>
-          <a:fillRef idx="0">
-            <a:schemeClr val="accent1"/>
-          </a:fillRef>
-          <a:effectRef idx="0">
-            <a:schemeClr val="accent1"/>
-          </a:effectRef>
-          <a:fontRef idx="minor">
-            <a:schemeClr val="tx1"/>
-          </a:fontRef>
-        </p:style>
-      </p:cxnSp>
-      <p:sp useBgFill="1">
-        <p:nvSpPr>
-          <p:cNvPr id="13" name="Rectangle 12">
-            <a:extLst>
-              <a:ext uri="{FF2B5EF4-FFF2-40B4-BE49-F238E27FC236}">
-                <a16:creationId xmlns:a16="http://schemas.microsoft.com/office/drawing/2014/main" id="{EE362070-691D-44DB-98D4-BC61774B0E61}"/>
-              </a:ext>
-              <a:ext uri="{C183D7F6-B498-43B3-948B-1728B52AA6E4}">
-                <adec:decorative xmlns:adec="http://schemas.microsoft.com/office/drawing/2017/decorative" val="1"/>
-              </a:ext>
-            </a:extLst>
-          </p:cNvPr>
-          <p:cNvSpPr>
-            <a:spLocks noGrp="1" noRot="1" noChangeAspect="1" noMove="1" noResize="1" noEditPoints="1" noAdjustHandles="1" noChangeArrowheads="1" noChangeShapeType="1" noTextEdit="1"/>
-          </p:cNvSpPr>
-          <p:nvPr>
-            <p:extLst>
-              <p:ext uri="{386F3935-93C4-4BCD-93E2-E3B085C9AB24}">
-                <p16:designElem xmlns:p16="http://schemas.microsoft.com/office/powerpoint/2015/main" val="1"/>
-              </p:ext>
-            </p:extLst>
-          </p:nvPr>
-        </p:nvSpPr>
-        <p:spPr>
-          <a:xfrm>
-            <a:off x="0" y="0"/>
-            <a:ext cx="12192001" cy="6858000"/>
-          </a:xfrm>
-          <a:prstGeom prst="rect">
-            <a:avLst/>
-          </a:prstGeom>
-          <a:ln>
-            <a:noFill/>
-          </a:ln>
-        </p:spPr>
-        <p:style>
-          <a:lnRef idx="2">
-            <a:schemeClr val="accent1">
-              <a:shade val="50000"/>
-            </a:schemeClr>
-          </a:lnRef>
-          <a:fillRef idx="1">
-            <a:schemeClr val="accent1"/>
-          </a:fillRef>
-          <a:effectRef idx="0">
-            <a:schemeClr val="accent1"/>
-          </a:effectRef>
-          <a:fontRef idx="minor">
-            <a:schemeClr val="lt1"/>
-          </a:fontRef>
-        </p:style>
-        <p:txBody>
-          <a:bodyPr rtlCol="0" anchor="ctr"/>
-          <a:lstStyle/>
-          <a:p>
-            <a:pPr algn="ctr"/>
-            <a:endParaRPr lang="en-US"/>
-          </a:p>
-        </p:txBody>
-      </p:sp>
-      <p:sp>
-        <p:nvSpPr>
-          <p:cNvPr id="2" name="Title 1">
-            <a:extLst>
-              <a:ext uri="{FF2B5EF4-FFF2-40B4-BE49-F238E27FC236}">
-                <a16:creationId xmlns:a16="http://schemas.microsoft.com/office/drawing/2014/main" id="{CEC89EF6-E667-46AA-90E0-4B8B48C242D5}"/>
-              </a:ext>
-            </a:extLst>
-          </p:cNvPr>
-          <p:cNvSpPr>
-            <a:spLocks noGrp="1"/>
-          </p:cNvSpPr>
-          <p:nvPr>
-            <p:ph type="title"/>
-          </p:nvPr>
-        </p:nvSpPr>
-        <p:spPr>
-          <a:xfrm>
-            <a:off x="3836504" y="758951"/>
-            <a:ext cx="7319175" cy="3374931"/>
-          </a:xfrm>
-        </p:spPr>
-        <p:txBody>
-          <a:bodyPr vert="horz" lIns="91440" tIns="45720" rIns="91440" bIns="45720" rtlCol="0" anchor="b">
-            <a:normAutofit/>
-          </a:bodyPr>
-          <a:lstStyle/>
-          <a:p>
-            <a:pPr marL="685800" indent="-685800"/>
-            <a:r>
-              <a:rPr lang="en-US" sz="8000" dirty="0">
-                <a:solidFill>
-                  <a:schemeClr val="tx1">
-                    <a:lumMod val="85000"/>
-                    <a:lumOff val="15000"/>
-                  </a:schemeClr>
-                </a:solidFill>
-              </a:rPr>
-              <a:t>Conclusion</a:t>
-            </a:r>
-            <a:br>
-              <a:rPr lang="en-US" sz="8000" dirty="0">
-                <a:solidFill>
-                  <a:schemeClr val="tx1">
-                    <a:lumMod val="85000"/>
-                    <a:lumOff val="15000"/>
-                  </a:schemeClr>
-                </a:solidFill>
-              </a:rPr>
-            </a:br>
-            <a:endParaRPr lang="en-US" sz="8000" dirty="0">
-              <a:solidFill>
-                <a:schemeClr val="tx1">
-                  <a:lumMod val="85000"/>
-                  <a:lumOff val="15000"/>
-                </a:schemeClr>
-              </a:solidFill>
-            </a:endParaRPr>
-          </a:p>
-        </p:txBody>
-      </p:sp>
-      <p:pic>
-        <p:nvPicPr>
-          <p:cNvPr id="6" name="Graphic 5" descr="Gavel">
-            <a:extLst>
-              <a:ext uri="{FF2B5EF4-FFF2-40B4-BE49-F238E27FC236}">
-                <a16:creationId xmlns:a16="http://schemas.microsoft.com/office/drawing/2014/main" id="{727190FE-7818-48F5-8C83-1A4BE5FD20C7}"/>
-              </a:ext>
-            </a:extLst>
-          </p:cNvPr>
-          <p:cNvPicPr>
-            <a:picLocks noChangeAspect="1"/>
-          </p:cNvPicPr>
-          <p:nvPr/>
-        </p:nvPicPr>
-        <p:blipFill>
-          <a:blip r:embed="rId2">
-            <a:extLst>
-              <a:ext uri="{28A0092B-C50C-407E-A947-70E740481C1C}">
-                <a14:useLocalDpi xmlns:a14="http://schemas.microsoft.com/office/drawing/2010/main" val="0"/>
-              </a:ext>
-              <a:ext uri="{96DAC541-7B7A-43D3-8B79-37D633B846F1}">
-                <asvg:svgBlip xmlns:asvg="http://schemas.microsoft.com/office/drawing/2016/SVG/main" r:embed="rId3"/>
-              </a:ext>
-            </a:extLst>
-          </a:blip>
-          <a:stretch>
-            <a:fillRect/>
-          </a:stretch>
-        </p:blipFill>
-        <p:spPr>
-          <a:xfrm>
-            <a:off x="620973" y="1790485"/>
-            <a:ext cx="2758331" cy="2758331"/>
-          </a:xfrm>
-          <a:prstGeom prst="rect">
-            <a:avLst/>
-          </a:prstGeom>
-        </p:spPr>
-      </p:pic>
-      <p:cxnSp>
-        <p:nvCxnSpPr>
-          <p:cNvPr id="15" name="Straight Connector 14">
-            <a:extLst>
-              <a:ext uri="{FF2B5EF4-FFF2-40B4-BE49-F238E27FC236}">
-                <a16:creationId xmlns:a16="http://schemas.microsoft.com/office/drawing/2014/main" id="{5A7EFE9C-DAE7-4ECA-BDB2-34E2534B8AB7}"/>
-              </a:ext>
-              <a:ext uri="{C183D7F6-B498-43B3-948B-1728B52AA6E4}">
-                <adec:decorative xmlns:adec="http://schemas.microsoft.com/office/drawing/2017/decorative" val="1"/>
-              </a:ext>
-            </a:extLst>
-          </p:cNvPr>
-          <p:cNvCxnSpPr>
-            <a:cxnSpLocks noGrp="1" noRot="1" noChangeAspect="1" noMove="1" noResize="1" noEditPoints="1" noAdjustHandles="1" noChangeArrowheads="1" noChangeShapeType="1"/>
-          </p:cNvCxnSpPr>
-          <p:nvPr>
-            <p:extLst>
-              <p:ext uri="{386F3935-93C4-4BCD-93E2-E3B085C9AB24}">
-                <p16:designElem xmlns:p16="http://schemas.microsoft.com/office/powerpoint/2015/main" val="1"/>
-              </p:ext>
-            </p:extLst>
-          </p:nvPr>
-        </p:nvCxnSpPr>
-        <p:spPr>
-          <a:xfrm>
-            <a:off x="3958251" y="4294753"/>
-            <a:ext cx="7132320" cy="0"/>
-          </a:xfrm>
-          <a:prstGeom prst="line">
-            <a:avLst/>
-          </a:prstGeom>
-          <a:ln w="12700">
-            <a:solidFill>
-              <a:schemeClr val="tx1">
-                <a:lumMod val="75000"/>
-                <a:lumOff val="25000"/>
-              </a:schemeClr>
+              <a:schemeClr val="accent1"/>
             </a:solidFill>
           </a:ln>
         </p:spPr>
@@ -9731,119 +7596,6 @@
       </p:cxnSp>
       <p:sp>
         <p:nvSpPr>
-          <p:cNvPr id="17" name="Rectangle 16">
-            <a:extLst>
-              <a:ext uri="{FF2B5EF4-FFF2-40B4-BE49-F238E27FC236}">
-                <a16:creationId xmlns:a16="http://schemas.microsoft.com/office/drawing/2014/main" id="{32DB1480-5B24-4B37-B70E-C74945DD914E}"/>
-              </a:ext>
-              <a:ext uri="{C183D7F6-B498-43B3-948B-1728B52AA6E4}">
-                <adec:decorative xmlns:adec="http://schemas.microsoft.com/office/drawing/2017/decorative" val="1"/>
-              </a:ext>
-            </a:extLst>
-          </p:cNvPr>
-          <p:cNvSpPr>
-            <a:spLocks noGrp="1" noRot="1" noChangeAspect="1" noMove="1" noResize="1" noEditPoints="1" noAdjustHandles="1" noChangeArrowheads="1" noChangeShapeType="1" noTextEdit="1"/>
-          </p:cNvSpPr>
-          <p:nvPr>
-            <p:extLst>
-              <p:ext uri="{386F3935-93C4-4BCD-93E2-E3B085C9AB24}">
-                <p16:designElem xmlns:p16="http://schemas.microsoft.com/office/powerpoint/2015/main" val="1"/>
-              </p:ext>
-            </p:extLst>
-          </p:nvPr>
-        </p:nvSpPr>
-        <p:spPr>
-          <a:xfrm>
-            <a:off x="0" y="6400800"/>
-            <a:ext cx="12192000" cy="457200"/>
-          </a:xfrm>
-          <a:prstGeom prst="rect">
-            <a:avLst/>
-          </a:prstGeom>
-          <a:solidFill>
-            <a:srgbClr val="262626"/>
-          </a:solidFill>
-          <a:ln>
-            <a:noFill/>
-          </a:ln>
-        </p:spPr>
-        <p:style>
-          <a:lnRef idx="2">
-            <a:schemeClr val="accent1">
-              <a:shade val="50000"/>
-            </a:schemeClr>
-          </a:lnRef>
-          <a:fillRef idx="1">
-            <a:schemeClr val="accent1"/>
-          </a:fillRef>
-          <a:effectRef idx="0">
-            <a:schemeClr val="accent1"/>
-          </a:effectRef>
-          <a:fontRef idx="minor">
-            <a:schemeClr val="lt1"/>
-          </a:fontRef>
-        </p:style>
-      </p:sp>
-    </p:spTree>
-    <p:extLst>
-      <p:ext uri="{BB962C8B-B14F-4D97-AF65-F5344CB8AC3E}">
-        <p14:creationId xmlns:p14="http://schemas.microsoft.com/office/powerpoint/2010/main" val="2322826736"/>
-      </p:ext>
-    </p:extLst>
-  </p:cSld>
-  <p:clrMapOvr>
-    <a:masterClrMapping/>
-  </p:clrMapOvr>
-</p:sld>
-</file>
-
-<file path=ppt/slides/slide16.xml><?xml version="1.0" encoding="utf-8"?>
-<p:sld xmlns:a="http://schemas.openxmlformats.org/drawingml/2006/main" xmlns:r="http://schemas.openxmlformats.org/officeDocument/2006/relationships" xmlns:p="http://schemas.openxmlformats.org/presentationml/2006/main">
-  <p:cSld>
-    <p:spTree>
-      <p:nvGrpSpPr>
-        <p:cNvPr id="1" name=""/>
-        <p:cNvGrpSpPr/>
-        <p:nvPr/>
-      </p:nvGrpSpPr>
-      <p:grpSpPr>
-        <a:xfrm>
-          <a:off x="0" y="0"/>
-          <a:ext cx="0" cy="0"/>
-          <a:chOff x="0" y="0"/>
-          <a:chExt cx="0" cy="0"/>
-        </a:xfrm>
-      </p:grpSpPr>
-      <p:sp>
-        <p:nvSpPr>
-          <p:cNvPr id="2" name="Title 1">
-            <a:extLst>
-              <a:ext uri="{FF2B5EF4-FFF2-40B4-BE49-F238E27FC236}">
-                <a16:creationId xmlns:a16="http://schemas.microsoft.com/office/drawing/2014/main" id="{B9360352-4712-4586-B8D3-32FCA8FA0C76}"/>
-              </a:ext>
-            </a:extLst>
-          </p:cNvPr>
-          <p:cNvSpPr>
-            <a:spLocks noGrp="1"/>
-          </p:cNvSpPr>
-          <p:nvPr>
-            <p:ph type="title"/>
-          </p:nvPr>
-        </p:nvSpPr>
-        <p:spPr/>
-        <p:txBody>
-          <a:bodyPr/>
-          <a:lstStyle/>
-          <a:p>
-            <a:r>
-              <a:rPr lang="en-CA" dirty="0"/>
-              <a:t>Conclusion</a:t>
-            </a:r>
-          </a:p>
-        </p:txBody>
-      </p:sp>
-      <p:sp>
-        <p:nvSpPr>
           <p:cNvPr id="3" name="Content Placeholder 2">
             <a:extLst>
               <a:ext uri="{FF2B5EF4-FFF2-40B4-BE49-F238E27FC236}">
@@ -9860,12 +7612,14 @@
         </p:nvSpPr>
         <p:spPr>
           <a:xfrm>
-            <a:off x="1097280" y="2108201"/>
-            <a:ext cx="10058400" cy="3760891"/>
+            <a:off x="1097279" y="2505069"/>
+            <a:ext cx="5977938" cy="3383902"/>
           </a:xfrm>
         </p:spPr>
         <p:txBody>
-          <a:bodyPr/>
+          <a:bodyPr>
+            <a:normAutofit/>
+          </a:bodyPr>
           <a:lstStyle/>
           <a:p>
             <a:pPr>
@@ -9873,7 +7627,11 @@
               <a:buChar char="q"/>
             </a:pPr>
             <a:r>
-              <a:rPr lang="en-CA" sz="2400" dirty="0"/>
+              <a:rPr lang="en-CA" sz="1800" dirty="0">
+                <a:solidFill>
+                  <a:srgbClr val="FFFFFF"/>
+                </a:solidFill>
+              </a:rPr>
               <a:t>Given our dataset </a:t>
             </a:r>
           </a:p>
@@ -9883,12 +7641,12 @@
               <a:buChar char="q"/>
             </a:pPr>
             <a:r>
-              <a:rPr lang="en-CA" sz="2200"/>
-              <a:t>Gaussian </a:t>
-            </a:r>
-            <a:r>
-              <a:rPr lang="en-CA" sz="2200" dirty="0"/>
-              <a:t>Naïve Bayes performed the worst</a:t>
+              <a:rPr lang="en-CA" sz="1800" dirty="0">
+                <a:solidFill>
+                  <a:srgbClr val="FFFFFF"/>
+                </a:solidFill>
+              </a:rPr>
+              <a:t> Gaussian Naïve Bayes performed the worst</a:t>
             </a:r>
           </a:p>
           <a:p>
@@ -9897,34 +7655,93 @@
               <a:buChar char="q"/>
             </a:pPr>
             <a:r>
-              <a:rPr lang="en-CA" sz="2200" dirty="0"/>
-              <a:t>SVM Decent for playoffs prediction [~70%]</a:t>
+              <a:rPr lang="en-CA" sz="1800" dirty="0">
+                <a:solidFill>
+                  <a:srgbClr val="FFFFFF"/>
+                </a:solidFill>
+              </a:rPr>
+              <a:t> SVM Decent for playoffs prediction [~70%]</a:t>
             </a:r>
           </a:p>
           <a:p>
             <a:pPr marL="0" indent="0">
               <a:buNone/>
             </a:pPr>
-            <a:endParaRPr lang="en-CA" sz="2400" dirty="0"/>
+            <a:endParaRPr lang="en-CA" sz="1800" dirty="0">
+              <a:solidFill>
+                <a:srgbClr val="FFFFFF"/>
+              </a:solidFill>
+            </a:endParaRPr>
           </a:p>
           <a:p>
             <a:pPr marL="0" indent="0">
               <a:buNone/>
             </a:pPr>
-            <a:endParaRPr lang="en-CA" sz="2400" dirty="0"/>
+            <a:endParaRPr lang="en-CA" sz="1800" dirty="0">
+              <a:solidFill>
+                <a:srgbClr val="FFFFFF"/>
+              </a:solidFill>
+            </a:endParaRPr>
           </a:p>
           <a:p>
             <a:pPr>
               <a:buFont typeface="Wingdings" panose="05000000000000000000" pitchFamily="2" charset="2"/>
               <a:buChar char="q"/>
             </a:pPr>
-            <a:endParaRPr lang="en-CA" sz="2000" dirty="0"/>
-          </a:p>
-          <a:p>
-            <a:endParaRPr lang="en-CA" dirty="0"/>
+            <a:endParaRPr lang="en-CA" sz="1800" dirty="0">
+              <a:solidFill>
+                <a:srgbClr val="FFFFFF"/>
+              </a:solidFill>
+            </a:endParaRPr>
+          </a:p>
+          <a:p>
+            <a:endParaRPr lang="en-CA" sz="1800" dirty="0">
+              <a:solidFill>
+                <a:srgbClr val="FFFFFF"/>
+              </a:solidFill>
+            </a:endParaRPr>
           </a:p>
         </p:txBody>
       </p:sp>
+      <p:pic>
+        <p:nvPicPr>
+          <p:cNvPr id="4" name="Graphic 3" descr="Gavel">
+            <a:extLst>
+              <a:ext uri="{FF2B5EF4-FFF2-40B4-BE49-F238E27FC236}">
+                <a16:creationId xmlns:a16="http://schemas.microsoft.com/office/drawing/2014/main" id="{FC4C7BEE-8163-43A3-9182-E662F7D016C2}"/>
+              </a:ext>
+            </a:extLst>
+          </p:cNvPr>
+          <p:cNvPicPr>
+            <a:picLocks noChangeAspect="1"/>
+          </p:cNvPicPr>
+          <p:nvPr/>
+        </p:nvPicPr>
+        <p:blipFill>
+          <a:blip r:embed="rId2">
+            <a:extLst>
+              <a:ext uri="{28A0092B-C50C-407E-A947-70E740481C1C}">
+                <a14:useLocalDpi xmlns:a14="http://schemas.microsoft.com/office/drawing/2010/main" val="0"/>
+              </a:ext>
+              <a:ext uri="{96DAC541-7B7A-43D3-8B79-37D633B846F1}">
+                <asvg:svgBlip xmlns:asvg="http://schemas.microsoft.com/office/drawing/2016/SVG/main" r:embed="rId3"/>
+              </a:ext>
+            </a:extLst>
+          </a:blip>
+          <a:stretch>
+            <a:fillRect/>
+          </a:stretch>
+        </p:blipFill>
+        <p:spPr>
+          <a:xfrm>
+            <a:off x="8251982" y="1770977"/>
+            <a:ext cx="3294253" cy="3294253"/>
+          </a:xfrm>
+          <a:prstGeom prst="rect">
+            <a:avLst/>
+          </a:prstGeom>
+        </p:spPr>
+      </p:pic>
     </p:spTree>
     <p:extLst>
       <p:ext uri="{BB962C8B-B14F-4D97-AF65-F5344CB8AC3E}">
@@ -9938,7 +7755,7 @@
 </p:sld>
 </file>
 
-<file path=ppt/slides/slide17.xml><?xml version="1.0" encoding="utf-8"?>
+<file path=ppt/slides/slide12.xml><?xml version="1.0" encoding="utf-8"?>
 <p:sld xmlns:a="http://schemas.openxmlformats.org/drawingml/2006/main" xmlns:r="http://schemas.openxmlformats.org/officeDocument/2006/relationships" xmlns:p="http://schemas.openxmlformats.org/presentationml/2006/main">
   <p:cSld>
     <p:bg>
@@ -10356,7 +8173,7 @@
 </p:sld>
 </file>
 
-<file path=ppt/slides/slide18.xml><?xml version="1.0" encoding="utf-8"?>
+<file path=ppt/slides/slide13.xml><?xml version="1.0" encoding="utf-8"?>
 <p:sld xmlns:a="http://schemas.openxmlformats.org/drawingml/2006/main" xmlns:r="http://schemas.openxmlformats.org/officeDocument/2006/relationships" xmlns:p="http://schemas.openxmlformats.org/presentationml/2006/main">
   <p:cSld>
     <p:bg>
@@ -10674,7 +8491,7 @@
 </p:sld>
 </file>
 
-<file path=ppt/slides/slide19.xml><?xml version="1.0" encoding="utf-8"?>
+<file path=ppt/slides/slide14.xml><?xml version="1.0" encoding="utf-8"?>
 <p:sld xmlns:a="http://schemas.openxmlformats.org/drawingml/2006/main" xmlns:r="http://schemas.openxmlformats.org/officeDocument/2006/relationships" xmlns:p="http://schemas.openxmlformats.org/presentationml/2006/main">
   <p:cSld>
     <p:bg>
@@ -11074,963 +8891,6 @@
           <a:chExt cx="0" cy="0"/>
         </a:xfrm>
       </p:grpSpPr>
-      <p:sp>
-        <p:nvSpPr>
-          <p:cNvPr id="2" name="Title 1">
-            <a:extLst>
-              <a:ext uri="{FF2B5EF4-FFF2-40B4-BE49-F238E27FC236}">
-                <a16:creationId xmlns:a16="http://schemas.microsoft.com/office/drawing/2014/main" id="{75AC86D3-8FD1-4F47-A319-7D0542E48B2F}"/>
-              </a:ext>
-            </a:extLst>
-          </p:cNvPr>
-          <p:cNvSpPr>
-            <a:spLocks noGrp="1"/>
-          </p:cNvSpPr>
-          <p:nvPr>
-            <p:ph type="title"/>
-          </p:nvPr>
-        </p:nvSpPr>
-        <p:spPr>
-          <a:xfrm>
-            <a:off x="1097280" y="286603"/>
-            <a:ext cx="10058400" cy="1450757"/>
-          </a:xfrm>
-        </p:spPr>
-        <p:txBody>
-          <a:bodyPr vert="horz" lIns="91440" tIns="45720" rIns="91440" bIns="45720" rtlCol="0">
-            <a:normAutofit/>
-          </a:bodyPr>
-          <a:lstStyle/>
-          <a:p>
-            <a:r>
-              <a:rPr lang="en-US" dirty="0"/>
-              <a:t>Outline</a:t>
-            </a:r>
-          </a:p>
-        </p:txBody>
-      </p:sp>
-      <p:graphicFrame>
-        <p:nvGraphicFramePr>
-          <p:cNvPr id="4" name="Table 4">
-            <a:extLst>
-              <a:ext uri="{FF2B5EF4-FFF2-40B4-BE49-F238E27FC236}">
-                <a16:creationId xmlns:a16="http://schemas.microsoft.com/office/drawing/2014/main" id="{C266CDD0-3E96-40BD-8324-62D1DD86152D}"/>
-              </a:ext>
-            </a:extLst>
-          </p:cNvPr>
-          <p:cNvGraphicFramePr>
-            <a:graphicFrameLocks noGrp="1"/>
-          </p:cNvGraphicFramePr>
-          <p:nvPr>
-            <p:ph idx="1"/>
-            <p:extLst>
-              <p:ext uri="{D42A27DB-BD31-4B8C-83A1-F6EECF244321}">
-                <p14:modId xmlns:p14="http://schemas.microsoft.com/office/powerpoint/2010/main" val="1146223088"/>
-              </p:ext>
-            </p:extLst>
-          </p:nvPr>
-        </p:nvGraphicFramePr>
-        <p:xfrm>
-          <a:off x="1096963" y="2216879"/>
-          <a:ext cx="10058400" cy="3604216"/>
-        </p:xfrm>
-        <a:graphic>
-          <a:graphicData uri="http://schemas.openxmlformats.org/drawingml/2006/table">
-            <a:tbl>
-              <a:tblPr firstRow="1" bandRow="1">
-                <a:noFill/>
-                <a:tableStyleId>{3B4B98B0-60AC-42C2-AFA5-B58CD77FA1E5}</a:tableStyleId>
-              </a:tblPr>
-              <a:tblGrid>
-                <a:gridCol w="2514600">
-                  <a:extLst>
-                    <a:ext uri="{9D8B030D-6E8A-4147-A177-3AD203B41FA5}">
-                      <a16:colId xmlns:a16="http://schemas.microsoft.com/office/drawing/2014/main" val="2981917977"/>
-                    </a:ext>
-                  </a:extLst>
-                </a:gridCol>
-                <a:gridCol w="2514600">
-                  <a:extLst>
-                    <a:ext uri="{9D8B030D-6E8A-4147-A177-3AD203B41FA5}">
-                      <a16:colId xmlns:a16="http://schemas.microsoft.com/office/drawing/2014/main" val="945233394"/>
-                    </a:ext>
-                  </a:extLst>
-                </a:gridCol>
-                <a:gridCol w="2514600">
-                  <a:extLst>
-                    <a:ext uri="{9D8B030D-6E8A-4147-A177-3AD203B41FA5}">
-                      <a16:colId xmlns:a16="http://schemas.microsoft.com/office/drawing/2014/main" val="2572263168"/>
-                    </a:ext>
-                  </a:extLst>
-                </a:gridCol>
-                <a:gridCol w="2514600">
-                  <a:extLst>
-                    <a:ext uri="{9D8B030D-6E8A-4147-A177-3AD203B41FA5}">
-                      <a16:colId xmlns:a16="http://schemas.microsoft.com/office/drawing/2014/main" val="1765783061"/>
-                    </a:ext>
-                  </a:extLst>
-                </a:gridCol>
-              </a:tblGrid>
-              <a:tr h="613018">
-                <a:tc>
-                  <a:txBody>
-                    <a:bodyPr/>
-                    <a:lstStyle/>
-                    <a:p>
-                      <a:r>
-                        <a:rPr lang="en-US" sz="2400" b="0" cap="all" spc="150" dirty="0">
-                          <a:solidFill>
-                            <a:schemeClr val="lt1"/>
-                          </a:solidFill>
-                        </a:rPr>
-                        <a:t>Part 1</a:t>
-                      </a:r>
-                    </a:p>
-                  </a:txBody>
-                  <a:tcPr marL="151061" marR="151061" marT="151061" marB="151061">
-                    <a:lnL w="12700" cmpd="sng">
-                      <a:noFill/>
-                    </a:lnL>
-                    <a:lnR w="12700" cap="flat" cmpd="sng" algn="ctr">
-                      <a:noFill/>
-                      <a:prstDash val="solid"/>
-                      <a:round/>
-                      <a:headEnd type="none" w="med" len="med"/>
-                      <a:tailEnd type="none" w="med" len="med"/>
-                    </a:lnR>
-                    <a:lnT w="12700" cmpd="sng">
-                      <a:noFill/>
-                    </a:lnT>
-                    <a:lnB w="38100" cmpd="sng">
-                      <a:noFill/>
-                    </a:lnB>
-                    <a:solidFill>
-                      <a:schemeClr val="accent1"/>
-                    </a:solidFill>
-                  </a:tcPr>
-                </a:tc>
-                <a:tc>
-                  <a:txBody>
-                    <a:bodyPr/>
-                    <a:lstStyle/>
-                    <a:p>
-                      <a:r>
-                        <a:rPr lang="en-US" sz="2400" b="0" cap="all" spc="150" dirty="0">
-                          <a:solidFill>
-                            <a:schemeClr val="lt1"/>
-                          </a:solidFill>
-                        </a:rPr>
-                        <a:t>Part 2</a:t>
-                      </a:r>
-                    </a:p>
-                  </a:txBody>
-                  <a:tcPr marL="151061" marR="151061" marT="151061" marB="151061">
-                    <a:lnL w="12700" cap="flat" cmpd="sng" algn="ctr">
-                      <a:noFill/>
-                      <a:prstDash val="solid"/>
-                      <a:round/>
-                      <a:headEnd type="none" w="med" len="med"/>
-                      <a:tailEnd type="none" w="med" len="med"/>
-                    </a:lnL>
-                    <a:lnR w="12700" cmpd="sng">
-                      <a:noFill/>
-                    </a:lnR>
-                    <a:lnT w="12700" cmpd="sng">
-                      <a:noFill/>
-                    </a:lnT>
-                    <a:lnB w="38100" cmpd="sng">
-                      <a:noFill/>
-                    </a:lnB>
-                    <a:solidFill>
-                      <a:schemeClr val="accent1"/>
-                    </a:solidFill>
-                  </a:tcPr>
-                </a:tc>
-                <a:tc>
-                  <a:txBody>
-                    <a:bodyPr/>
-                    <a:lstStyle/>
-                    <a:p>
-                      <a:r>
-                        <a:rPr lang="en-US" sz="2400" b="0" cap="all" spc="150" dirty="0">
-                          <a:solidFill>
-                            <a:schemeClr val="lt1"/>
-                          </a:solidFill>
-                        </a:rPr>
-                        <a:t>Part 3</a:t>
-                      </a:r>
-                    </a:p>
-                  </a:txBody>
-                  <a:tcPr marL="151061" marR="151061" marT="151061" marB="151061">
-                    <a:lnL w="12700" cmpd="sng">
-                      <a:noFill/>
-                    </a:lnL>
-                    <a:lnR w="12700" cmpd="sng">
-                      <a:noFill/>
-                    </a:lnR>
-                    <a:lnT w="12700" cmpd="sng">
-                      <a:noFill/>
-                    </a:lnT>
-                    <a:lnB w="38100" cmpd="sng">
-                      <a:noFill/>
-                    </a:lnB>
-                    <a:solidFill>
-                      <a:schemeClr val="accent1"/>
-                    </a:solidFill>
-                  </a:tcPr>
-                </a:tc>
-                <a:tc>
-                  <a:txBody>
-                    <a:bodyPr/>
-                    <a:lstStyle/>
-                    <a:p>
-                      <a:r>
-                        <a:rPr lang="en-US" sz="2400" b="0" cap="all" spc="150" dirty="0">
-                          <a:solidFill>
-                            <a:schemeClr val="lt1"/>
-                          </a:solidFill>
-                        </a:rPr>
-                        <a:t>Part 4</a:t>
-                      </a:r>
-                    </a:p>
-                  </a:txBody>
-                  <a:tcPr marL="151061" marR="151061" marT="151061" marB="151061">
-                    <a:lnL w="12700" cmpd="sng">
-                      <a:noFill/>
-                    </a:lnL>
-                    <a:lnR w="12700" cmpd="sng">
-                      <a:noFill/>
-                    </a:lnR>
-                    <a:lnT w="12700" cmpd="sng">
-                      <a:noFill/>
-                    </a:lnT>
-                    <a:lnB w="38100" cmpd="sng">
-                      <a:noFill/>
-                    </a:lnB>
-                    <a:solidFill>
-                      <a:schemeClr val="accent1"/>
-                    </a:solidFill>
-                  </a:tcPr>
-                </a:tc>
-                <a:extLst>
-                  <a:ext uri="{0D108BD9-81ED-4DB2-BD59-A6C34878D82A}">
-                    <a16:rowId xmlns:a16="http://schemas.microsoft.com/office/drawing/2014/main" val="2580512675"/>
-                  </a:ext>
-                </a:extLst>
-              </a:tr>
-              <a:tr h="978778">
-                <a:tc>
-                  <a:txBody>
-                    <a:bodyPr/>
-                    <a:lstStyle/>
-                    <a:p>
-                      <a:pPr marL="342900" indent="-342900">
-                        <a:buFont typeface="Wingdings" panose="05000000000000000000" pitchFamily="2" charset="2"/>
-                        <a:buChar char="q"/>
-                      </a:pPr>
-                      <a:r>
-                        <a:rPr lang="en-US" sz="1400" cap="none" spc="0" dirty="0">
-                          <a:solidFill>
-                            <a:schemeClr val="tx1"/>
-                          </a:solidFill>
-                        </a:rPr>
-                        <a:t>Introduction</a:t>
-                      </a:r>
-                    </a:p>
-                  </a:txBody>
-                  <a:tcPr marL="151061" marR="151061" marT="151061" marB="151061">
-                    <a:lnL w="12700" cmpd="sng">
-                      <a:noFill/>
-                      <a:prstDash val="solid"/>
-                    </a:lnL>
-                    <a:lnR w="12700" cap="flat" cmpd="sng" algn="ctr">
-                      <a:solidFill>
-                        <a:schemeClr val="tx1"/>
-                      </a:solidFill>
-                      <a:prstDash val="solid"/>
-                      <a:round/>
-                      <a:headEnd type="none" w="med" len="med"/>
-                      <a:tailEnd type="none" w="med" len="med"/>
-                    </a:lnR>
-                    <a:lnT w="38100" cmpd="sng">
-                      <a:noFill/>
-                    </a:lnT>
-                    <a:lnB w="12700" cmpd="sng">
-                      <a:noFill/>
-                      <a:prstDash val="solid"/>
-                    </a:lnB>
-                    <a:noFill/>
-                  </a:tcPr>
-                </a:tc>
-                <a:tc>
-                  <a:txBody>
-                    <a:bodyPr/>
-                    <a:lstStyle/>
-                    <a:p>
-                      <a:pPr marL="285750" marR="0" lvl="0" indent="-285750" algn="l" defTabSz="914400" rtl="0" eaLnBrk="1" fontAlgn="auto" latinLnBrk="0" hangingPunct="1">
-                        <a:lnSpc>
-                          <a:spcPct val="100000"/>
-                        </a:lnSpc>
-                        <a:spcBef>
-                          <a:spcPts val="0"/>
-                        </a:spcBef>
-                        <a:spcAft>
-                          <a:spcPts val="0"/>
-                        </a:spcAft>
-                        <a:buClrTx/>
-                        <a:buSzTx/>
-                        <a:buFont typeface="Wingdings" panose="05000000000000000000" pitchFamily="2" charset="2"/>
-                        <a:buChar char="q"/>
-                        <a:tabLst/>
-                        <a:defRPr/>
-                      </a:pPr>
-                      <a:r>
-                        <a:rPr lang="en-US" sz="1400" cap="none" spc="0" dirty="0">
-                          <a:solidFill>
-                            <a:schemeClr val="tx1"/>
-                          </a:solidFill>
-                        </a:rPr>
-                        <a:t>Machine learning libraries </a:t>
-                      </a:r>
-                    </a:p>
-                  </a:txBody>
-                  <a:tcPr marL="151061" marR="151061" marT="151061" marB="151061">
-                    <a:lnL w="12700" cap="flat" cmpd="sng" algn="ctr">
-                      <a:solidFill>
-                        <a:schemeClr val="tx1"/>
-                      </a:solidFill>
-                      <a:prstDash val="solid"/>
-                      <a:round/>
-                      <a:headEnd type="none" w="med" len="med"/>
-                      <a:tailEnd type="none" w="med" len="med"/>
-                    </a:lnL>
-                    <a:lnR w="12700" cap="flat" cmpd="sng" algn="ctr">
-                      <a:solidFill>
-                        <a:schemeClr val="tx1"/>
-                      </a:solidFill>
-                      <a:prstDash val="solid"/>
-                      <a:round/>
-                      <a:headEnd type="none" w="med" len="med"/>
-                      <a:tailEnd type="none" w="med" len="med"/>
-                    </a:lnR>
-                    <a:lnT w="38100" cmpd="sng">
-                      <a:noFill/>
-                    </a:lnT>
-                    <a:lnB w="12700" cmpd="sng">
-                      <a:noFill/>
-                      <a:prstDash val="solid"/>
-                    </a:lnB>
-                    <a:noFill/>
-                  </a:tcPr>
-                </a:tc>
-                <a:tc>
-                  <a:txBody>
-                    <a:bodyPr/>
-                    <a:lstStyle/>
-                    <a:p>
-                      <a:pPr marL="285750" marR="0" lvl="0" indent="-285750" algn="l" defTabSz="914400" rtl="0" eaLnBrk="1" fontAlgn="auto" latinLnBrk="0" hangingPunct="1">
-                        <a:lnSpc>
-                          <a:spcPct val="100000"/>
-                        </a:lnSpc>
-                        <a:spcBef>
-                          <a:spcPts val="0"/>
-                        </a:spcBef>
-                        <a:spcAft>
-                          <a:spcPts val="0"/>
-                        </a:spcAft>
-                        <a:buClrTx/>
-                        <a:buSzTx/>
-                        <a:buFont typeface="Wingdings" panose="05000000000000000000" pitchFamily="2" charset="2"/>
-                        <a:buChar char="q"/>
-                        <a:tabLst/>
-                        <a:defRPr/>
-                      </a:pPr>
-                      <a:r>
-                        <a:rPr lang="en-US" sz="1400" cap="none" spc="0" dirty="0">
-                          <a:solidFill>
-                            <a:schemeClr val="tx1"/>
-                          </a:solidFill>
-                        </a:rPr>
-                        <a:t>Observation</a:t>
-                      </a:r>
-                    </a:p>
-                    <a:p>
-                      <a:pPr marL="285750" indent="-285750">
-                        <a:buFont typeface="Wingdings" panose="05000000000000000000" pitchFamily="2" charset="2"/>
-                        <a:buChar char="q"/>
-                      </a:pPr>
-                      <a:endParaRPr lang="en-US" sz="1400" cap="none" spc="0" dirty="0">
-                        <a:solidFill>
-                          <a:schemeClr val="tx1"/>
-                        </a:solidFill>
-                      </a:endParaRPr>
-                    </a:p>
-                  </a:txBody>
-                  <a:tcPr marL="151061" marR="151061" marT="151061" marB="151061">
-                    <a:lnL w="12700" cap="flat" cmpd="sng" algn="ctr">
-                      <a:solidFill>
-                        <a:schemeClr val="tx1"/>
-                      </a:solidFill>
-                      <a:prstDash val="solid"/>
-                      <a:round/>
-                      <a:headEnd type="none" w="med" len="med"/>
-                      <a:tailEnd type="none" w="med" len="med"/>
-                    </a:lnL>
-                    <a:lnR w="12700" cap="flat" cmpd="sng" algn="ctr">
-                      <a:solidFill>
-                        <a:schemeClr val="tx1"/>
-                      </a:solidFill>
-                      <a:prstDash val="solid"/>
-                      <a:round/>
-                      <a:headEnd type="none" w="med" len="med"/>
-                      <a:tailEnd type="none" w="med" len="med"/>
-                    </a:lnR>
-                    <a:lnT w="38100" cmpd="sng">
-                      <a:noFill/>
-                    </a:lnT>
-                    <a:lnB w="12700" cmpd="sng">
-                      <a:noFill/>
-                      <a:prstDash val="solid"/>
-                    </a:lnB>
-                    <a:noFill/>
-                  </a:tcPr>
-                </a:tc>
-                <a:tc>
-                  <a:txBody>
-                    <a:bodyPr/>
-                    <a:lstStyle/>
-                    <a:p>
-                      <a:pPr marL="285750" marR="0" lvl="0" indent="-285750" algn="l" defTabSz="914400" rtl="0" eaLnBrk="1" fontAlgn="auto" latinLnBrk="0" hangingPunct="1">
-                        <a:lnSpc>
-                          <a:spcPct val="100000"/>
-                        </a:lnSpc>
-                        <a:spcBef>
-                          <a:spcPts val="0"/>
-                        </a:spcBef>
-                        <a:spcAft>
-                          <a:spcPts val="0"/>
-                        </a:spcAft>
-                        <a:buClrTx/>
-                        <a:buSzTx/>
-                        <a:buFont typeface="Wingdings" panose="05000000000000000000" pitchFamily="2" charset="2"/>
-                        <a:buChar char="q"/>
-                        <a:tabLst/>
-                        <a:defRPr/>
-                      </a:pPr>
-                      <a:r>
-                        <a:rPr lang="en-US" sz="1400" cap="none" spc="0" dirty="0">
-                          <a:solidFill>
-                            <a:schemeClr val="tx1"/>
-                          </a:solidFill>
-                        </a:rPr>
-                        <a:t>Conclusion</a:t>
-                      </a:r>
-                    </a:p>
-                    <a:p>
-                      <a:pPr marL="285750" indent="-285750">
-                        <a:buFont typeface="Wingdings" panose="05000000000000000000" pitchFamily="2" charset="2"/>
-                        <a:buChar char="q"/>
-                      </a:pPr>
-                      <a:endParaRPr lang="en-US" sz="1400" cap="none" spc="0" dirty="0">
-                        <a:solidFill>
-                          <a:schemeClr val="tx1"/>
-                        </a:solidFill>
-                      </a:endParaRPr>
-                    </a:p>
-                  </a:txBody>
-                  <a:tcPr marL="151061" marR="151061" marT="151061" marB="151061">
-                    <a:lnL w="12700" cap="flat" cmpd="sng" algn="ctr">
-                      <a:solidFill>
-                        <a:schemeClr val="tx1"/>
-                      </a:solidFill>
-                      <a:prstDash val="solid"/>
-                      <a:round/>
-                      <a:headEnd type="none" w="med" len="med"/>
-                      <a:tailEnd type="none" w="med" len="med"/>
-                    </a:lnL>
-                    <a:lnR w="12700" cmpd="sng">
-                      <a:noFill/>
-                      <a:prstDash val="solid"/>
-                    </a:lnR>
-                    <a:lnT w="38100" cmpd="sng">
-                      <a:noFill/>
-                    </a:lnT>
-                    <a:lnB w="12700" cmpd="sng">
-                      <a:noFill/>
-                      <a:prstDash val="solid"/>
-                    </a:lnB>
-                    <a:noFill/>
-                  </a:tcPr>
-                </a:tc>
-                <a:extLst>
-                  <a:ext uri="{0D108BD9-81ED-4DB2-BD59-A6C34878D82A}">
-                    <a16:rowId xmlns:a16="http://schemas.microsoft.com/office/drawing/2014/main" val="2085369860"/>
-                  </a:ext>
-                </a:extLst>
-              </a:tr>
-              <a:tr h="978778">
-                <a:tc>
-                  <a:txBody>
-                    <a:bodyPr/>
-                    <a:lstStyle/>
-                    <a:p>
-                      <a:pPr marL="285750" indent="-285750">
-                        <a:buFont typeface="Wingdings" panose="05000000000000000000" pitchFamily="2" charset="2"/>
-                        <a:buChar char="q"/>
-                      </a:pPr>
-                      <a:r>
-                        <a:rPr lang="en-CA" sz="1400" b="0" kern="1200" dirty="0">
-                          <a:solidFill>
-                            <a:schemeClr val="tx1"/>
-                          </a:solidFill>
-                          <a:effectLst/>
-                          <a:latin typeface="+mn-lt"/>
-                          <a:ea typeface="+mn-ea"/>
-                          <a:cs typeface="+mn-cs"/>
-                        </a:rPr>
-                        <a:t>Data preparation and analysis</a:t>
-                      </a:r>
-                    </a:p>
-                    <a:p>
-                      <a:pPr marL="285750" indent="-285750">
-                        <a:buFont typeface="Wingdings" panose="05000000000000000000" pitchFamily="2" charset="2"/>
-                        <a:buChar char="q"/>
-                      </a:pPr>
-                      <a:endParaRPr lang="en-US" sz="1400" cap="none" spc="0" dirty="0">
-                        <a:solidFill>
-                          <a:schemeClr val="tx1"/>
-                        </a:solidFill>
-                      </a:endParaRPr>
-                    </a:p>
-                  </a:txBody>
-                  <a:tcPr marL="151061" marR="151061" marT="151061" marB="151061">
-                    <a:lnL w="12700" cmpd="sng">
-                      <a:noFill/>
-                      <a:prstDash val="solid"/>
-                    </a:lnL>
-                    <a:lnR w="12700" cap="flat" cmpd="sng" algn="ctr">
-                      <a:solidFill>
-                        <a:schemeClr val="tx1"/>
-                      </a:solidFill>
-                      <a:prstDash val="solid"/>
-                      <a:round/>
-                      <a:headEnd type="none" w="med" len="med"/>
-                      <a:tailEnd type="none" w="med" len="med"/>
-                    </a:lnR>
-                    <a:lnT w="12700" cmpd="sng">
-                      <a:noFill/>
-                      <a:prstDash val="solid"/>
-                    </a:lnT>
-                    <a:lnB w="12700" cmpd="sng">
-                      <a:noFill/>
-                      <a:prstDash val="solid"/>
-                    </a:lnB>
-                    <a:solidFill>
-                      <a:srgbClr val="000000">
-                        <a:alpha val="7843"/>
-                      </a:srgbClr>
-                    </a:solidFill>
-                  </a:tcPr>
-                </a:tc>
-                <a:tc>
-                  <a:txBody>
-                    <a:bodyPr/>
-                    <a:lstStyle/>
-                    <a:p>
-                      <a:pPr marL="285750" indent="-285750">
-                        <a:buFont typeface="Wingdings" panose="05000000000000000000" pitchFamily="2" charset="2"/>
-                        <a:buChar char="q"/>
-                      </a:pPr>
-                      <a:r>
-                        <a:rPr lang="en-US" sz="1400" cap="none" spc="0" dirty="0">
-                          <a:solidFill>
-                            <a:schemeClr val="tx1"/>
-                          </a:solidFill>
-                        </a:rPr>
-                        <a:t>Technical Details</a:t>
-                      </a:r>
-                    </a:p>
-                    <a:p>
-                      <a:pPr marL="285750" indent="-285750">
-                        <a:buFont typeface="Wingdings" panose="05000000000000000000" pitchFamily="2" charset="2"/>
-                        <a:buChar char="q"/>
-                      </a:pPr>
-                      <a:endParaRPr lang="en-US" sz="1400" cap="none" spc="0" dirty="0">
-                        <a:solidFill>
-                          <a:schemeClr val="tx1"/>
-                        </a:solidFill>
-                      </a:endParaRPr>
-                    </a:p>
-                  </a:txBody>
-                  <a:tcPr marL="151061" marR="151061" marT="151061" marB="151061">
-                    <a:lnL w="12700" cap="flat" cmpd="sng" algn="ctr">
-                      <a:solidFill>
-                        <a:schemeClr val="tx1"/>
-                      </a:solidFill>
-                      <a:prstDash val="solid"/>
-                      <a:round/>
-                      <a:headEnd type="none" w="med" len="med"/>
-                      <a:tailEnd type="none" w="med" len="med"/>
-                    </a:lnL>
-                    <a:lnR w="12700" cap="flat" cmpd="sng" algn="ctr">
-                      <a:solidFill>
-                        <a:schemeClr val="tx1"/>
-                      </a:solidFill>
-                      <a:prstDash val="solid"/>
-                      <a:round/>
-                      <a:headEnd type="none" w="med" len="med"/>
-                      <a:tailEnd type="none" w="med" len="med"/>
-                    </a:lnR>
-                    <a:lnT w="12700" cmpd="sng">
-                      <a:noFill/>
-                      <a:prstDash val="solid"/>
-                    </a:lnT>
-                    <a:lnB w="12700" cmpd="sng">
-                      <a:noFill/>
-                      <a:prstDash val="solid"/>
-                    </a:lnB>
-                    <a:solidFill>
-                      <a:srgbClr val="000000">
-                        <a:alpha val="7843"/>
-                      </a:srgbClr>
-                    </a:solidFill>
-                  </a:tcPr>
-                </a:tc>
-                <a:tc>
-                  <a:txBody>
-                    <a:bodyPr/>
-                    <a:lstStyle/>
-                    <a:p>
-                      <a:pPr marL="285750" indent="-285750">
-                        <a:buFont typeface="Wingdings" panose="05000000000000000000" pitchFamily="2" charset="2"/>
-                        <a:buChar char="q"/>
-                      </a:pPr>
-                      <a:endParaRPr lang="en-US" sz="1400" cap="none" spc="0" dirty="0">
-                        <a:solidFill>
-                          <a:schemeClr val="tx1"/>
-                        </a:solidFill>
-                      </a:endParaRPr>
-                    </a:p>
-                  </a:txBody>
-                  <a:tcPr marL="151061" marR="151061" marT="151061" marB="151061">
-                    <a:lnL w="12700" cap="flat" cmpd="sng" algn="ctr">
-                      <a:solidFill>
-                        <a:schemeClr val="tx1"/>
-                      </a:solidFill>
-                      <a:prstDash val="solid"/>
-                      <a:round/>
-                      <a:headEnd type="none" w="med" len="med"/>
-                      <a:tailEnd type="none" w="med" len="med"/>
-                    </a:lnL>
-                    <a:lnR w="12700" cap="flat" cmpd="sng" algn="ctr">
-                      <a:solidFill>
-                        <a:schemeClr val="tx1"/>
-                      </a:solidFill>
-                      <a:prstDash val="solid"/>
-                      <a:round/>
-                      <a:headEnd type="none" w="med" len="med"/>
-                      <a:tailEnd type="none" w="med" len="med"/>
-                    </a:lnR>
-                    <a:lnT w="12700" cmpd="sng">
-                      <a:noFill/>
-                      <a:prstDash val="solid"/>
-                    </a:lnT>
-                    <a:lnB w="12700" cmpd="sng">
-                      <a:noFill/>
-                      <a:prstDash val="solid"/>
-                    </a:lnB>
-                    <a:solidFill>
-                      <a:srgbClr val="000000">
-                        <a:alpha val="7843"/>
-                      </a:srgbClr>
-                    </a:solidFill>
-                  </a:tcPr>
-                </a:tc>
-                <a:tc>
-                  <a:txBody>
-                    <a:bodyPr/>
-                    <a:lstStyle/>
-                    <a:p>
-                      <a:pPr marL="285750" marR="0" lvl="0" indent="-285750" algn="l" defTabSz="914400" rtl="0" eaLnBrk="1" fontAlgn="auto" latinLnBrk="0" hangingPunct="1">
-                        <a:lnSpc>
-                          <a:spcPct val="100000"/>
-                        </a:lnSpc>
-                        <a:spcBef>
-                          <a:spcPts val="0"/>
-                        </a:spcBef>
-                        <a:spcAft>
-                          <a:spcPts val="0"/>
-                        </a:spcAft>
-                        <a:buClrTx/>
-                        <a:buSzTx/>
-                        <a:buFont typeface="Wingdings" panose="05000000000000000000" pitchFamily="2" charset="2"/>
-                        <a:buChar char="q"/>
-                        <a:tabLst/>
-                        <a:defRPr/>
-                      </a:pPr>
-                      <a:r>
-                        <a:rPr lang="en-US" sz="1400" cap="none" spc="0" dirty="0">
-                          <a:solidFill>
-                            <a:schemeClr val="tx1"/>
-                          </a:solidFill>
-                        </a:rPr>
-                        <a:t>Questions</a:t>
-                      </a:r>
-                    </a:p>
-                    <a:p>
-                      <a:pPr marL="285750" indent="-285750">
-                        <a:buFont typeface="Wingdings" panose="05000000000000000000" pitchFamily="2" charset="2"/>
-                        <a:buChar char="q"/>
-                      </a:pPr>
-                      <a:endParaRPr lang="en-US" sz="1400" cap="none" spc="0" dirty="0">
-                        <a:solidFill>
-                          <a:schemeClr val="tx1"/>
-                        </a:solidFill>
-                      </a:endParaRPr>
-                    </a:p>
-                  </a:txBody>
-                  <a:tcPr marL="151061" marR="151061" marT="151061" marB="151061">
-                    <a:lnL w="12700" cap="flat" cmpd="sng" algn="ctr">
-                      <a:solidFill>
-                        <a:schemeClr val="tx1"/>
-                      </a:solidFill>
-                      <a:prstDash val="solid"/>
-                      <a:round/>
-                      <a:headEnd type="none" w="med" len="med"/>
-                      <a:tailEnd type="none" w="med" len="med"/>
-                    </a:lnL>
-                    <a:lnR w="12700" cmpd="sng">
-                      <a:noFill/>
-                      <a:prstDash val="solid"/>
-                    </a:lnR>
-                    <a:lnT w="12700" cmpd="sng">
-                      <a:noFill/>
-                      <a:prstDash val="solid"/>
-                    </a:lnT>
-                    <a:lnB w="12700" cmpd="sng">
-                      <a:noFill/>
-                      <a:prstDash val="solid"/>
-                    </a:lnB>
-                    <a:solidFill>
-                      <a:srgbClr val="000000">
-                        <a:alpha val="7843"/>
-                      </a:srgbClr>
-                    </a:solidFill>
-                  </a:tcPr>
-                </a:tc>
-                <a:extLst>
-                  <a:ext uri="{0D108BD9-81ED-4DB2-BD59-A6C34878D82A}">
-                    <a16:rowId xmlns:a16="http://schemas.microsoft.com/office/drawing/2014/main" val="4252228359"/>
-                  </a:ext>
-                </a:extLst>
-              </a:tr>
-              <a:tr h="978778">
-                <a:tc>
-                  <a:txBody>
-                    <a:bodyPr/>
-                    <a:lstStyle/>
-                    <a:p>
-                      <a:endParaRPr lang="en-US" sz="1400" cap="none" spc="0" dirty="0">
-                        <a:solidFill>
-                          <a:schemeClr val="tx1"/>
-                        </a:solidFill>
-                      </a:endParaRPr>
-                    </a:p>
-                  </a:txBody>
-                  <a:tcPr marL="151061" marR="151061" marT="151061" marB="151061">
-                    <a:lnL w="12700" cmpd="sng">
-                      <a:noFill/>
-                      <a:prstDash val="solid"/>
-                    </a:lnL>
-                    <a:lnR w="12700" cap="flat" cmpd="sng" algn="ctr">
-                      <a:solidFill>
-                        <a:schemeClr val="tx1"/>
-                      </a:solidFill>
-                      <a:prstDash val="solid"/>
-                      <a:round/>
-                      <a:headEnd type="none" w="med" len="med"/>
-                      <a:tailEnd type="none" w="med" len="med"/>
-                    </a:lnR>
-                    <a:lnT w="12700" cmpd="sng">
-                      <a:noFill/>
-                      <a:prstDash val="solid"/>
-                    </a:lnT>
-                    <a:lnB w="12700" cmpd="sng">
-                      <a:noFill/>
-                      <a:prstDash val="solid"/>
-                    </a:lnB>
-                    <a:noFill/>
-                  </a:tcPr>
-                </a:tc>
-                <a:tc>
-                  <a:txBody>
-                    <a:bodyPr/>
-                    <a:lstStyle/>
-                    <a:p>
-                      <a:endParaRPr lang="en-US" sz="1400" cap="none" spc="0" dirty="0">
-                        <a:solidFill>
-                          <a:schemeClr val="tx1"/>
-                        </a:solidFill>
-                      </a:endParaRPr>
-                    </a:p>
-                  </a:txBody>
-                  <a:tcPr marL="151061" marR="151061" marT="151061" marB="151061">
-                    <a:lnL w="12700" cap="flat" cmpd="sng" algn="ctr">
-                      <a:solidFill>
-                        <a:schemeClr val="tx1"/>
-                      </a:solidFill>
-                      <a:prstDash val="solid"/>
-                      <a:round/>
-                      <a:headEnd type="none" w="med" len="med"/>
-                      <a:tailEnd type="none" w="med" len="med"/>
-                    </a:lnL>
-                    <a:lnR w="12700" cap="flat" cmpd="sng" algn="ctr">
-                      <a:solidFill>
-                        <a:schemeClr val="tx1"/>
-                      </a:solidFill>
-                      <a:prstDash val="solid"/>
-                      <a:round/>
-                      <a:headEnd type="none" w="med" len="med"/>
-                      <a:tailEnd type="none" w="med" len="med"/>
-                    </a:lnR>
-                    <a:lnT w="12700" cmpd="sng">
-                      <a:noFill/>
-                      <a:prstDash val="solid"/>
-                    </a:lnT>
-                    <a:lnB w="12700" cmpd="sng">
-                      <a:noFill/>
-                      <a:prstDash val="solid"/>
-                    </a:lnB>
-                    <a:noFill/>
-                  </a:tcPr>
-                </a:tc>
-                <a:tc>
-                  <a:txBody>
-                    <a:bodyPr/>
-                    <a:lstStyle/>
-                    <a:p>
-                      <a:endParaRPr lang="en-US" sz="1400" cap="none" spc="0" dirty="0">
-                        <a:solidFill>
-                          <a:schemeClr val="tx1"/>
-                        </a:solidFill>
-                      </a:endParaRPr>
-                    </a:p>
-                  </a:txBody>
-                  <a:tcPr marL="151061" marR="151061" marT="151061" marB="151061">
-                    <a:lnL w="12700" cap="flat" cmpd="sng" algn="ctr">
-                      <a:solidFill>
-                        <a:schemeClr val="tx1"/>
-                      </a:solidFill>
-                      <a:prstDash val="solid"/>
-                      <a:round/>
-                      <a:headEnd type="none" w="med" len="med"/>
-                      <a:tailEnd type="none" w="med" len="med"/>
-                    </a:lnL>
-                    <a:lnR w="12700" cap="flat" cmpd="sng" algn="ctr">
-                      <a:solidFill>
-                        <a:schemeClr val="tx1"/>
-                      </a:solidFill>
-                      <a:prstDash val="solid"/>
-                      <a:round/>
-                      <a:headEnd type="none" w="med" len="med"/>
-                      <a:tailEnd type="none" w="med" len="med"/>
-                    </a:lnR>
-                    <a:lnT w="12700" cmpd="sng">
-                      <a:noFill/>
-                      <a:prstDash val="solid"/>
-                    </a:lnT>
-                    <a:lnB w="12700" cmpd="sng">
-                      <a:noFill/>
-                      <a:prstDash val="solid"/>
-                    </a:lnB>
-                    <a:noFill/>
-                  </a:tcPr>
-                </a:tc>
-                <a:tc>
-                  <a:txBody>
-                    <a:bodyPr/>
-                    <a:lstStyle/>
-                    <a:p>
-                      <a:endParaRPr lang="en-US" sz="1400" cap="none" spc="0" dirty="0">
-                        <a:solidFill>
-                          <a:schemeClr val="tx1"/>
-                        </a:solidFill>
-                      </a:endParaRPr>
-                    </a:p>
-                  </a:txBody>
-                  <a:tcPr marL="151061" marR="151061" marT="151061" marB="151061">
-                    <a:lnL w="12700" cap="flat" cmpd="sng" algn="ctr">
-                      <a:solidFill>
-                        <a:schemeClr val="tx1"/>
-                      </a:solidFill>
-                      <a:prstDash val="solid"/>
-                      <a:round/>
-                      <a:headEnd type="none" w="med" len="med"/>
-                      <a:tailEnd type="none" w="med" len="med"/>
-                    </a:lnL>
-                    <a:lnR w="12700" cmpd="sng">
-                      <a:noFill/>
-                      <a:prstDash val="solid"/>
-                    </a:lnR>
-                    <a:lnT w="12700" cmpd="sng">
-                      <a:noFill/>
-                      <a:prstDash val="solid"/>
-                    </a:lnT>
-                    <a:lnB w="12700" cmpd="sng">
-                      <a:noFill/>
-                      <a:prstDash val="solid"/>
-                    </a:lnB>
-                    <a:noFill/>
-                  </a:tcPr>
-                </a:tc>
-                <a:extLst>
-                  <a:ext uri="{0D108BD9-81ED-4DB2-BD59-A6C34878D82A}">
-                    <a16:rowId xmlns:a16="http://schemas.microsoft.com/office/drawing/2014/main" val="2578144993"/>
-                  </a:ext>
-                </a:extLst>
-              </a:tr>
-            </a:tbl>
-          </a:graphicData>
-        </a:graphic>
-      </p:graphicFrame>
-    </p:spTree>
-    <p:extLst>
-      <p:ext uri="{BB962C8B-B14F-4D97-AF65-F5344CB8AC3E}">
-        <p14:creationId xmlns:p14="http://schemas.microsoft.com/office/powerpoint/2010/main" val="2933514334"/>
-      </p:ext>
-    </p:extLst>
-  </p:cSld>
-  <p:clrMapOvr>
-    <a:masterClrMapping/>
-  </p:clrMapOvr>
-</p:sld>
-</file>
-
-<file path=ppt/slides/slide3.xml><?xml version="1.0" encoding="utf-8"?>
-<p:sld xmlns:a="http://schemas.openxmlformats.org/drawingml/2006/main" xmlns:r="http://schemas.openxmlformats.org/officeDocument/2006/relationships" xmlns:p="http://schemas.openxmlformats.org/presentationml/2006/main">
-  <p:cSld>
-    <p:bg>
-      <p:bgPr>
-        <a:solidFill>
-          <a:schemeClr val="bg1"/>
-        </a:solidFill>
-        <a:effectLst/>
-      </p:bgPr>
-    </p:bg>
-    <p:spTree>
-      <p:nvGrpSpPr>
-        <p:cNvPr id="1" name=""/>
-        <p:cNvGrpSpPr/>
-        <p:nvPr/>
-      </p:nvGrpSpPr>
-      <p:grpSpPr>
-        <a:xfrm>
-          <a:off x="0" y="0"/>
-          <a:ext cx="0" cy="0"/>
-          <a:chOff x="0" y="0"/>
-          <a:chExt cx="0" cy="0"/>
-        </a:xfrm>
-      </p:grpSpPr>
       <p:sp useBgFill="1">
         <p:nvSpPr>
           <p:cNvPr id="23" name="Rectangle 22">
@@ -12322,371 +9182,7 @@
 </p:sld>
 </file>
 
-<file path=ppt/slides/slide4.xml><?xml version="1.0" encoding="utf-8"?>
-<p:sld xmlns:a="http://schemas.openxmlformats.org/drawingml/2006/main" xmlns:r="http://schemas.openxmlformats.org/officeDocument/2006/relationships" xmlns:p="http://schemas.openxmlformats.org/presentationml/2006/main">
-  <p:cSld>
-    <p:bg>
-      <p:bgPr>
-        <a:solidFill>
-          <a:schemeClr val="bg1"/>
-        </a:solidFill>
-        <a:effectLst/>
-      </p:bgPr>
-    </p:bg>
-    <p:spTree>
-      <p:nvGrpSpPr>
-        <p:cNvPr id="1" name=""/>
-        <p:cNvGrpSpPr/>
-        <p:nvPr/>
-      </p:nvGrpSpPr>
-      <p:grpSpPr>
-        <a:xfrm>
-          <a:off x="0" y="0"/>
-          <a:ext cx="0" cy="0"/>
-          <a:chOff x="0" y="0"/>
-          <a:chExt cx="0" cy="0"/>
-        </a:xfrm>
-      </p:grpSpPr>
-      <p:sp>
-        <p:nvSpPr>
-          <p:cNvPr id="19" name="Rectangle 18">
-            <a:extLst>
-              <a:ext uri="{FF2B5EF4-FFF2-40B4-BE49-F238E27FC236}">
-                <a16:creationId xmlns:a16="http://schemas.microsoft.com/office/drawing/2014/main" id="{39E3965E-AC41-4711-9D10-E25ABB132D86}"/>
-              </a:ext>
-              <a:ext uri="{C183D7F6-B498-43B3-948B-1728B52AA6E4}">
-                <adec:decorative xmlns:adec="http://schemas.microsoft.com/office/drawing/2017/decorative" val="1"/>
-              </a:ext>
-            </a:extLst>
-          </p:cNvPr>
-          <p:cNvSpPr>
-            <a:spLocks noGrp="1" noRot="1" noChangeAspect="1" noMove="1" noResize="1" noEditPoints="1" noAdjustHandles="1" noChangeArrowheads="1" noChangeShapeType="1" noTextEdit="1"/>
-          </p:cNvSpPr>
-          <p:nvPr>
-            <p:extLst>
-              <p:ext uri="{386F3935-93C4-4BCD-93E2-E3B085C9AB24}">
-                <p16:designElem xmlns:p16="http://schemas.microsoft.com/office/powerpoint/2015/main" val="1"/>
-              </p:ext>
-            </p:extLst>
-          </p:nvPr>
-        </p:nvSpPr>
-        <p:spPr>
-          <a:xfrm>
-            <a:off x="3175" y="6400800"/>
-            <a:ext cx="12188825" cy="457200"/>
-          </a:xfrm>
-          <a:prstGeom prst="rect">
-            <a:avLst/>
-          </a:prstGeom>
-          <a:solidFill>
-            <a:srgbClr val="262626"/>
-          </a:solidFill>
-          <a:ln>
-            <a:noFill/>
-          </a:ln>
-        </p:spPr>
-        <p:style>
-          <a:lnRef idx="2">
-            <a:schemeClr val="accent1">
-              <a:shade val="50000"/>
-            </a:schemeClr>
-          </a:lnRef>
-          <a:fillRef idx="1">
-            <a:schemeClr val="accent1"/>
-          </a:fillRef>
-          <a:effectRef idx="0">
-            <a:schemeClr val="accent1"/>
-          </a:effectRef>
-          <a:fontRef idx="minor">
-            <a:schemeClr val="lt1"/>
-          </a:fontRef>
-        </p:style>
-      </p:sp>
-      <p:cxnSp>
-        <p:nvCxnSpPr>
-          <p:cNvPr id="21" name="Straight Connector 20">
-            <a:extLst>
-              <a:ext uri="{FF2B5EF4-FFF2-40B4-BE49-F238E27FC236}">
-                <a16:creationId xmlns:a16="http://schemas.microsoft.com/office/drawing/2014/main" id="{1F5DC8C3-BA5F-4EED-BB9A-A14272BD82A1}"/>
-              </a:ext>
-              <a:ext uri="{C183D7F6-B498-43B3-948B-1728B52AA6E4}">
-                <adec:decorative xmlns:adec="http://schemas.microsoft.com/office/drawing/2017/decorative" val="1"/>
-              </a:ext>
-            </a:extLst>
-          </p:cNvPr>
-          <p:cNvCxnSpPr>
-            <a:cxnSpLocks noGrp="1" noRot="1" noChangeAspect="1" noMove="1" noResize="1" noEditPoints="1" noAdjustHandles="1" noChangeArrowheads="1" noChangeShapeType="1"/>
-          </p:cNvCxnSpPr>
-          <p:nvPr>
-            <p:extLst>
-              <p:ext uri="{386F3935-93C4-4BCD-93E2-E3B085C9AB24}">
-                <p16:designElem xmlns:p16="http://schemas.microsoft.com/office/powerpoint/2015/main" val="1"/>
-              </p:ext>
-            </p:extLst>
-          </p:nvPr>
-        </p:nvCxnSpPr>
-        <p:spPr>
-          <a:xfrm>
-            <a:off x="1207658" y="4474741"/>
-            <a:ext cx="9875520" cy="0"/>
-          </a:xfrm>
-          <a:prstGeom prst="line">
-            <a:avLst/>
-          </a:prstGeom>
-          <a:ln w="12700">
-            <a:solidFill>
-              <a:schemeClr val="tx1">
-                <a:lumMod val="75000"/>
-                <a:lumOff val="25000"/>
-              </a:schemeClr>
-            </a:solidFill>
-          </a:ln>
-        </p:spPr>
-        <p:style>
-          <a:lnRef idx="1">
-            <a:schemeClr val="accent1"/>
-          </a:lnRef>
-          <a:fillRef idx="0">
-            <a:schemeClr val="accent1"/>
-          </a:fillRef>
-          <a:effectRef idx="0">
-            <a:schemeClr val="accent1"/>
-          </a:effectRef>
-          <a:fontRef idx="minor">
-            <a:schemeClr val="tx1"/>
-          </a:fontRef>
-        </p:style>
-      </p:cxnSp>
-      <p:sp useBgFill="1">
-        <p:nvSpPr>
-          <p:cNvPr id="23" name="Rectangle 22">
-            <a:extLst>
-              <a:ext uri="{FF2B5EF4-FFF2-40B4-BE49-F238E27FC236}">
-                <a16:creationId xmlns:a16="http://schemas.microsoft.com/office/drawing/2014/main" id="{B601567C-4815-45C4-A8C8-DEF236232A30}"/>
-              </a:ext>
-              <a:ext uri="{C183D7F6-B498-43B3-948B-1728B52AA6E4}">
-                <adec:decorative xmlns:adec="http://schemas.microsoft.com/office/drawing/2017/decorative" val="1"/>
-              </a:ext>
-            </a:extLst>
-          </p:cNvPr>
-          <p:cNvSpPr>
-            <a:spLocks noGrp="1" noRot="1" noChangeAspect="1" noMove="1" noResize="1" noEditPoints="1" noAdjustHandles="1" noChangeArrowheads="1" noChangeShapeType="1" noTextEdit="1"/>
-          </p:cNvSpPr>
-          <p:nvPr>
-            <p:extLst>
-              <p:ext uri="{386F3935-93C4-4BCD-93E2-E3B085C9AB24}">
-                <p16:designElem xmlns:p16="http://schemas.microsoft.com/office/powerpoint/2015/main" val="1"/>
-              </p:ext>
-            </p:extLst>
-          </p:nvPr>
-        </p:nvSpPr>
-        <p:spPr>
-          <a:xfrm>
-            <a:off x="0" y="0"/>
-            <a:ext cx="12188952" cy="6858000"/>
-          </a:xfrm>
-          <a:prstGeom prst="rect">
-            <a:avLst/>
-          </a:prstGeom>
-          <a:ln>
-            <a:noFill/>
-          </a:ln>
-        </p:spPr>
-        <p:style>
-          <a:lnRef idx="2">
-            <a:schemeClr val="accent1">
-              <a:shade val="50000"/>
-            </a:schemeClr>
-          </a:lnRef>
-          <a:fillRef idx="1">
-            <a:schemeClr val="accent1"/>
-          </a:fillRef>
-          <a:effectRef idx="0">
-            <a:schemeClr val="accent1"/>
-          </a:effectRef>
-          <a:fontRef idx="minor">
-            <a:schemeClr val="lt1"/>
-          </a:fontRef>
-        </p:style>
-        <p:txBody>
-          <a:bodyPr rtlCol="0" anchor="ctr"/>
-          <a:lstStyle/>
-          <a:p>
-            <a:pPr algn="ctr"/>
-            <a:endParaRPr lang="en-US"/>
-          </a:p>
-        </p:txBody>
-      </p:sp>
-      <p:sp>
-        <p:nvSpPr>
-          <p:cNvPr id="2" name="Title 1">
-            <a:extLst>
-              <a:ext uri="{FF2B5EF4-FFF2-40B4-BE49-F238E27FC236}">
-                <a16:creationId xmlns:a16="http://schemas.microsoft.com/office/drawing/2014/main" id="{CEC89EF6-E667-46AA-90E0-4B8B48C242D5}"/>
-              </a:ext>
-            </a:extLst>
-          </p:cNvPr>
-          <p:cNvSpPr>
-            <a:spLocks noGrp="1"/>
-          </p:cNvSpPr>
-          <p:nvPr>
-            <p:ph type="title"/>
-          </p:nvPr>
-        </p:nvSpPr>
-        <p:spPr>
-          <a:xfrm>
-            <a:off x="1097280" y="2507353"/>
-            <a:ext cx="10058400" cy="1182332"/>
-          </a:xfrm>
-        </p:spPr>
-        <p:txBody>
-          <a:bodyPr vert="horz" lIns="91440" tIns="45720" rIns="91440" bIns="45720" rtlCol="0" anchor="t">
-            <a:normAutofit/>
-          </a:bodyPr>
-          <a:lstStyle/>
-          <a:p>
-            <a:pPr marL="857250" indent="-857250">
-              <a:buFont typeface="Wingdings" panose="05000000000000000000" pitchFamily="2" charset="2"/>
-              <a:buChar char="q"/>
-            </a:pPr>
-            <a:r>
-              <a:rPr lang="en-US" sz="4400" dirty="0">
-                <a:solidFill>
-                  <a:schemeClr val="tx1">
-                    <a:lumMod val="85000"/>
-                    <a:lumOff val="15000"/>
-                  </a:schemeClr>
-                </a:solidFill>
-              </a:rPr>
-              <a:t>Data preparation and analysis</a:t>
-            </a:r>
-          </a:p>
-        </p:txBody>
-      </p:sp>
-      <p:cxnSp>
-        <p:nvCxnSpPr>
-          <p:cNvPr id="25" name="Straight Connector 24">
-            <a:extLst>
-              <a:ext uri="{FF2B5EF4-FFF2-40B4-BE49-F238E27FC236}">
-                <a16:creationId xmlns:a16="http://schemas.microsoft.com/office/drawing/2014/main" id="{9D2BBCA2-F039-47DF-B36F-39D7E7CC0090}"/>
-              </a:ext>
-              <a:ext uri="{C183D7F6-B498-43B3-948B-1728B52AA6E4}">
-                <adec:decorative xmlns:adec="http://schemas.microsoft.com/office/drawing/2017/decorative" val="1"/>
-              </a:ext>
-            </a:extLst>
-          </p:cNvPr>
-          <p:cNvCxnSpPr>
-            <a:cxnSpLocks noGrp="1" noRot="1" noChangeAspect="1" noMove="1" noResize="1" noEditPoints="1" noAdjustHandles="1" noChangeArrowheads="1" noChangeShapeType="1"/>
-          </p:cNvCxnSpPr>
-          <p:nvPr>
-            <p:extLst>
-              <p:ext uri="{386F3935-93C4-4BCD-93E2-E3B085C9AB24}">
-                <p16:designElem xmlns:p16="http://schemas.microsoft.com/office/powerpoint/2015/main" val="1"/>
-              </p:ext>
-            </p:extLst>
-          </p:nvPr>
-        </p:nvCxnSpPr>
-        <p:spPr>
-          <a:xfrm>
-            <a:off x="1131458" y="2265037"/>
-            <a:ext cx="9875520" cy="0"/>
-          </a:xfrm>
-          <a:prstGeom prst="line">
-            <a:avLst/>
-          </a:prstGeom>
-          <a:ln w="12700">
-            <a:solidFill>
-              <a:schemeClr val="tx1">
-                <a:lumMod val="75000"/>
-                <a:lumOff val="25000"/>
-              </a:schemeClr>
-            </a:solidFill>
-          </a:ln>
-        </p:spPr>
-        <p:style>
-          <a:lnRef idx="1">
-            <a:schemeClr val="accent1"/>
-          </a:lnRef>
-          <a:fillRef idx="0">
-            <a:schemeClr val="accent1"/>
-          </a:fillRef>
-          <a:effectRef idx="0">
-            <a:schemeClr val="accent1"/>
-          </a:effectRef>
-          <a:fontRef idx="minor">
-            <a:schemeClr val="tx1"/>
-          </a:fontRef>
-        </p:style>
-      </p:cxnSp>
-      <p:sp>
-        <p:nvSpPr>
-          <p:cNvPr id="27" name="Rectangle 26">
-            <a:extLst>
-              <a:ext uri="{FF2B5EF4-FFF2-40B4-BE49-F238E27FC236}">
-                <a16:creationId xmlns:a16="http://schemas.microsoft.com/office/drawing/2014/main" id="{B624C8D3-B9AD-4F4F-8554-4EAF3724DBCE}"/>
-              </a:ext>
-              <a:ext uri="{C183D7F6-B498-43B3-948B-1728B52AA6E4}">
-                <adec:decorative xmlns:adec="http://schemas.microsoft.com/office/drawing/2017/decorative" val="1"/>
-              </a:ext>
-            </a:extLst>
-          </p:cNvPr>
-          <p:cNvSpPr>
-            <a:spLocks noGrp="1" noRot="1" noChangeAspect="1" noMove="1" noResize="1" noEditPoints="1" noAdjustHandles="1" noChangeArrowheads="1" noChangeShapeType="1" noTextEdit="1"/>
-          </p:cNvSpPr>
-          <p:nvPr>
-            <p:extLst>
-              <p:ext uri="{386F3935-93C4-4BCD-93E2-E3B085C9AB24}">
-                <p16:designElem xmlns:p16="http://schemas.microsoft.com/office/powerpoint/2015/main" val="1"/>
-              </p:ext>
-            </p:extLst>
-          </p:nvPr>
-        </p:nvSpPr>
-        <p:spPr>
-          <a:xfrm>
-            <a:off x="0" y="6400800"/>
-            <a:ext cx="12192000" cy="457200"/>
-          </a:xfrm>
-          <a:prstGeom prst="rect">
-            <a:avLst/>
-          </a:prstGeom>
-          <a:solidFill>
-            <a:srgbClr val="262626"/>
-          </a:solidFill>
-          <a:ln>
-            <a:noFill/>
-          </a:ln>
-        </p:spPr>
-        <p:style>
-          <a:lnRef idx="2">
-            <a:schemeClr val="accent1">
-              <a:shade val="50000"/>
-            </a:schemeClr>
-          </a:lnRef>
-          <a:fillRef idx="1">
-            <a:schemeClr val="accent1"/>
-          </a:fillRef>
-          <a:effectRef idx="0">
-            <a:schemeClr val="accent1"/>
-          </a:effectRef>
-          <a:fontRef idx="minor">
-            <a:schemeClr val="lt1"/>
-          </a:fontRef>
-        </p:style>
-      </p:sp>
-    </p:spTree>
-    <p:extLst>
-      <p:ext uri="{BB962C8B-B14F-4D97-AF65-F5344CB8AC3E}">
-        <p14:creationId xmlns:p14="http://schemas.microsoft.com/office/powerpoint/2010/main" val="2572066347"/>
-      </p:ext>
-    </p:extLst>
-  </p:cSld>
-  <p:clrMapOvr>
-    <a:masterClrMapping/>
-  </p:clrMapOvr>
-</p:sld>
-</file>
-
-<file path=ppt/slides/slide5.xml><?xml version="1.0" encoding="utf-8"?>
+<file path=ppt/slides/slide3.xml><?xml version="1.0" encoding="utf-8"?>
 <p:sld xmlns:a="http://schemas.openxmlformats.org/drawingml/2006/main" xmlns:r="http://schemas.openxmlformats.org/officeDocument/2006/relationships" xmlns:p="http://schemas.openxmlformats.org/presentationml/2006/main">
   <p:cSld>
     <p:bg>
@@ -13472,446 +9968,7 @@
 </p:sld>
 </file>
 
-<file path=ppt/slides/slide6.xml><?xml version="1.0" encoding="utf-8"?>
-<p:sld xmlns:a="http://schemas.openxmlformats.org/drawingml/2006/main" xmlns:r="http://schemas.openxmlformats.org/officeDocument/2006/relationships" xmlns:p="http://schemas.openxmlformats.org/presentationml/2006/main">
-  <p:cSld>
-    <p:bg>
-      <p:bgPr>
-        <a:solidFill>
-          <a:schemeClr val="bg1"/>
-        </a:solidFill>
-        <a:effectLst/>
-      </p:bgPr>
-    </p:bg>
-    <p:spTree>
-      <p:nvGrpSpPr>
-        <p:cNvPr id="1" name=""/>
-        <p:cNvGrpSpPr/>
-        <p:nvPr/>
-      </p:nvGrpSpPr>
-      <p:grpSpPr>
-        <a:xfrm>
-          <a:off x="0" y="0"/>
-          <a:ext cx="0" cy="0"/>
-          <a:chOff x="0" y="0"/>
-          <a:chExt cx="0" cy="0"/>
-        </a:xfrm>
-      </p:grpSpPr>
-      <p:sp>
-        <p:nvSpPr>
-          <p:cNvPr id="19" name="Rectangle 18">
-            <a:extLst>
-              <a:ext uri="{FF2B5EF4-FFF2-40B4-BE49-F238E27FC236}">
-                <a16:creationId xmlns:a16="http://schemas.microsoft.com/office/drawing/2014/main" id="{39E3965E-AC41-4711-9D10-E25ABB132D86}"/>
-              </a:ext>
-              <a:ext uri="{C183D7F6-B498-43B3-948B-1728B52AA6E4}">
-                <adec:decorative xmlns:adec="http://schemas.microsoft.com/office/drawing/2017/decorative" val="1"/>
-              </a:ext>
-            </a:extLst>
-          </p:cNvPr>
-          <p:cNvSpPr>
-            <a:spLocks noGrp="1" noRot="1" noChangeAspect="1" noMove="1" noResize="1" noEditPoints="1" noAdjustHandles="1" noChangeArrowheads="1" noChangeShapeType="1" noTextEdit="1"/>
-          </p:cNvSpPr>
-          <p:nvPr>
-            <p:extLst>
-              <p:ext uri="{386F3935-93C4-4BCD-93E2-E3B085C9AB24}">
-                <p16:designElem xmlns:p16="http://schemas.microsoft.com/office/powerpoint/2015/main" val="1"/>
-              </p:ext>
-            </p:extLst>
-          </p:nvPr>
-        </p:nvSpPr>
-        <p:spPr>
-          <a:xfrm>
-            <a:off x="3175" y="6400800"/>
-            <a:ext cx="12188825" cy="457200"/>
-          </a:xfrm>
-          <a:prstGeom prst="rect">
-            <a:avLst/>
-          </a:prstGeom>
-          <a:solidFill>
-            <a:srgbClr val="262626"/>
-          </a:solidFill>
-          <a:ln>
-            <a:noFill/>
-          </a:ln>
-        </p:spPr>
-        <p:style>
-          <a:lnRef idx="2">
-            <a:schemeClr val="accent1">
-              <a:shade val="50000"/>
-            </a:schemeClr>
-          </a:lnRef>
-          <a:fillRef idx="1">
-            <a:schemeClr val="accent1"/>
-          </a:fillRef>
-          <a:effectRef idx="0">
-            <a:schemeClr val="accent1"/>
-          </a:effectRef>
-          <a:fontRef idx="minor">
-            <a:schemeClr val="lt1"/>
-          </a:fontRef>
-        </p:style>
-      </p:sp>
-      <p:cxnSp>
-        <p:nvCxnSpPr>
-          <p:cNvPr id="21" name="Straight Connector 20">
-            <a:extLst>
-              <a:ext uri="{FF2B5EF4-FFF2-40B4-BE49-F238E27FC236}">
-                <a16:creationId xmlns:a16="http://schemas.microsoft.com/office/drawing/2014/main" id="{1F5DC8C3-BA5F-4EED-BB9A-A14272BD82A1}"/>
-              </a:ext>
-              <a:ext uri="{C183D7F6-B498-43B3-948B-1728B52AA6E4}">
-                <adec:decorative xmlns:adec="http://schemas.microsoft.com/office/drawing/2017/decorative" val="1"/>
-              </a:ext>
-            </a:extLst>
-          </p:cNvPr>
-          <p:cNvCxnSpPr>
-            <a:cxnSpLocks noGrp="1" noRot="1" noChangeAspect="1" noMove="1" noResize="1" noEditPoints="1" noAdjustHandles="1" noChangeArrowheads="1" noChangeShapeType="1"/>
-          </p:cNvCxnSpPr>
-          <p:nvPr>
-            <p:extLst>
-              <p:ext uri="{386F3935-93C4-4BCD-93E2-E3B085C9AB24}">
-                <p16:designElem xmlns:p16="http://schemas.microsoft.com/office/powerpoint/2015/main" val="1"/>
-              </p:ext>
-            </p:extLst>
-          </p:nvPr>
-        </p:nvCxnSpPr>
-        <p:spPr>
-          <a:xfrm>
-            <a:off x="1207658" y="4474741"/>
-            <a:ext cx="9875520" cy="0"/>
-          </a:xfrm>
-          <a:prstGeom prst="line">
-            <a:avLst/>
-          </a:prstGeom>
-          <a:ln w="12700">
-            <a:solidFill>
-              <a:schemeClr val="tx1">
-                <a:lumMod val="75000"/>
-                <a:lumOff val="25000"/>
-              </a:schemeClr>
-            </a:solidFill>
-          </a:ln>
-        </p:spPr>
-        <p:style>
-          <a:lnRef idx="1">
-            <a:schemeClr val="accent1"/>
-          </a:lnRef>
-          <a:fillRef idx="0">
-            <a:schemeClr val="accent1"/>
-          </a:fillRef>
-          <a:effectRef idx="0">
-            <a:schemeClr val="accent1"/>
-          </a:effectRef>
-          <a:fontRef idx="minor">
-            <a:schemeClr val="tx1"/>
-          </a:fontRef>
-        </p:style>
-      </p:cxnSp>
-      <p:sp useBgFill="1">
-        <p:nvSpPr>
-          <p:cNvPr id="23" name="Rectangle 22">
-            <a:extLst>
-              <a:ext uri="{FF2B5EF4-FFF2-40B4-BE49-F238E27FC236}">
-                <a16:creationId xmlns:a16="http://schemas.microsoft.com/office/drawing/2014/main" id="{B601567C-4815-45C4-A8C8-DEF236232A30}"/>
-              </a:ext>
-              <a:ext uri="{C183D7F6-B498-43B3-948B-1728B52AA6E4}">
-                <adec:decorative xmlns:adec="http://schemas.microsoft.com/office/drawing/2017/decorative" val="1"/>
-              </a:ext>
-            </a:extLst>
-          </p:cNvPr>
-          <p:cNvSpPr>
-            <a:spLocks noGrp="1" noRot="1" noChangeAspect="1" noMove="1" noResize="1" noEditPoints="1" noAdjustHandles="1" noChangeArrowheads="1" noChangeShapeType="1" noTextEdit="1"/>
-          </p:cNvSpPr>
-          <p:nvPr>
-            <p:extLst>
-              <p:ext uri="{386F3935-93C4-4BCD-93E2-E3B085C9AB24}">
-                <p16:designElem xmlns:p16="http://schemas.microsoft.com/office/powerpoint/2015/main" val="1"/>
-              </p:ext>
-            </p:extLst>
-          </p:nvPr>
-        </p:nvSpPr>
-        <p:spPr>
-          <a:xfrm>
-            <a:off x="0" y="0"/>
-            <a:ext cx="12188952" cy="6858000"/>
-          </a:xfrm>
-          <a:prstGeom prst="rect">
-            <a:avLst/>
-          </a:prstGeom>
-          <a:ln>
-            <a:noFill/>
-          </a:ln>
-        </p:spPr>
-        <p:style>
-          <a:lnRef idx="2">
-            <a:schemeClr val="accent1">
-              <a:shade val="50000"/>
-            </a:schemeClr>
-          </a:lnRef>
-          <a:fillRef idx="1">
-            <a:schemeClr val="accent1"/>
-          </a:fillRef>
-          <a:effectRef idx="0">
-            <a:schemeClr val="accent1"/>
-          </a:effectRef>
-          <a:fontRef idx="minor">
-            <a:schemeClr val="lt1"/>
-          </a:fontRef>
-        </p:style>
-        <p:txBody>
-          <a:bodyPr rtlCol="0" anchor="ctr"/>
-          <a:lstStyle/>
-          <a:p>
-            <a:pPr algn="ctr"/>
-            <a:endParaRPr lang="en-US"/>
-          </a:p>
-        </p:txBody>
-      </p:sp>
-      <p:sp>
-        <p:nvSpPr>
-          <p:cNvPr id="2" name="Title 1">
-            <a:extLst>
-              <a:ext uri="{FF2B5EF4-FFF2-40B4-BE49-F238E27FC236}">
-                <a16:creationId xmlns:a16="http://schemas.microsoft.com/office/drawing/2014/main" id="{CEC89EF6-E667-46AA-90E0-4B8B48C242D5}"/>
-              </a:ext>
-            </a:extLst>
-          </p:cNvPr>
-          <p:cNvSpPr>
-            <a:spLocks noGrp="1"/>
-          </p:cNvSpPr>
-          <p:nvPr>
-            <p:ph type="title"/>
-          </p:nvPr>
-        </p:nvSpPr>
-        <p:spPr>
-          <a:xfrm>
-            <a:off x="1097280" y="2507353"/>
-            <a:ext cx="10058400" cy="789296"/>
-          </a:xfrm>
-        </p:spPr>
-        <p:txBody>
-          <a:bodyPr vert="horz" lIns="91440" tIns="45720" rIns="91440" bIns="45720" rtlCol="0" anchor="t">
-            <a:normAutofit fontScale="90000"/>
-          </a:bodyPr>
-          <a:lstStyle/>
-          <a:p>
-            <a:pPr marL="685800" indent="-685800">
-              <a:buFont typeface="Wingdings" panose="05000000000000000000" pitchFamily="2" charset="2"/>
-              <a:buChar char="q"/>
-            </a:pPr>
-            <a:r>
-              <a:rPr lang="en-CA" dirty="0">
-                <a:latin typeface="Bookman Old Style (Headings)"/>
-              </a:rPr>
-              <a:t>Machine Learning Libraries </a:t>
-            </a:r>
-            <a:br>
-              <a:rPr lang="en-CA" dirty="0"/>
-            </a:br>
-            <a:endParaRPr lang="en-US" sz="8000" dirty="0">
-              <a:solidFill>
-                <a:schemeClr val="tx1">
-                  <a:lumMod val="85000"/>
-                  <a:lumOff val="15000"/>
-                </a:schemeClr>
-              </a:solidFill>
-            </a:endParaRPr>
-          </a:p>
-        </p:txBody>
-      </p:sp>
-      <p:cxnSp>
-        <p:nvCxnSpPr>
-          <p:cNvPr id="25" name="Straight Connector 24">
-            <a:extLst>
-              <a:ext uri="{FF2B5EF4-FFF2-40B4-BE49-F238E27FC236}">
-                <a16:creationId xmlns:a16="http://schemas.microsoft.com/office/drawing/2014/main" id="{9D2BBCA2-F039-47DF-B36F-39D7E7CC0090}"/>
-              </a:ext>
-              <a:ext uri="{C183D7F6-B498-43B3-948B-1728B52AA6E4}">
-                <adec:decorative xmlns:adec="http://schemas.microsoft.com/office/drawing/2017/decorative" val="1"/>
-              </a:ext>
-            </a:extLst>
-          </p:cNvPr>
-          <p:cNvCxnSpPr>
-            <a:cxnSpLocks noGrp="1" noRot="1" noChangeAspect="1" noMove="1" noResize="1" noEditPoints="1" noAdjustHandles="1" noChangeArrowheads="1" noChangeShapeType="1"/>
-          </p:cNvCxnSpPr>
-          <p:nvPr>
-            <p:extLst>
-              <p:ext uri="{386F3935-93C4-4BCD-93E2-E3B085C9AB24}">
-                <p16:designElem xmlns:p16="http://schemas.microsoft.com/office/powerpoint/2015/main" val="1"/>
-              </p:ext>
-            </p:extLst>
-          </p:nvPr>
-        </p:nvCxnSpPr>
-        <p:spPr>
-          <a:xfrm>
-            <a:off x="1131458" y="2265037"/>
-            <a:ext cx="9875520" cy="0"/>
-          </a:xfrm>
-          <a:prstGeom prst="line">
-            <a:avLst/>
-          </a:prstGeom>
-          <a:ln w="12700">
-            <a:solidFill>
-              <a:schemeClr val="tx1">
-                <a:lumMod val="75000"/>
-                <a:lumOff val="25000"/>
-              </a:schemeClr>
-            </a:solidFill>
-          </a:ln>
-        </p:spPr>
-        <p:style>
-          <a:lnRef idx="1">
-            <a:schemeClr val="accent1"/>
-          </a:lnRef>
-          <a:fillRef idx="0">
-            <a:schemeClr val="accent1"/>
-          </a:fillRef>
-          <a:effectRef idx="0">
-            <a:schemeClr val="accent1"/>
-          </a:effectRef>
-          <a:fontRef idx="minor">
-            <a:schemeClr val="tx1"/>
-          </a:fontRef>
-        </p:style>
-      </p:cxnSp>
-      <p:sp>
-        <p:nvSpPr>
-          <p:cNvPr id="27" name="Rectangle 26">
-            <a:extLst>
-              <a:ext uri="{FF2B5EF4-FFF2-40B4-BE49-F238E27FC236}">
-                <a16:creationId xmlns:a16="http://schemas.microsoft.com/office/drawing/2014/main" id="{B624C8D3-B9AD-4F4F-8554-4EAF3724DBCE}"/>
-              </a:ext>
-              <a:ext uri="{C183D7F6-B498-43B3-948B-1728B52AA6E4}">
-                <adec:decorative xmlns:adec="http://schemas.microsoft.com/office/drawing/2017/decorative" val="1"/>
-              </a:ext>
-            </a:extLst>
-          </p:cNvPr>
-          <p:cNvSpPr>
-            <a:spLocks noGrp="1" noRot="1" noChangeAspect="1" noMove="1" noResize="1" noEditPoints="1" noAdjustHandles="1" noChangeArrowheads="1" noChangeShapeType="1" noTextEdit="1"/>
-          </p:cNvSpPr>
-          <p:nvPr>
-            <p:extLst>
-              <p:ext uri="{386F3935-93C4-4BCD-93E2-E3B085C9AB24}">
-                <p16:designElem xmlns:p16="http://schemas.microsoft.com/office/powerpoint/2015/main" val="1"/>
-              </p:ext>
-            </p:extLst>
-          </p:nvPr>
-        </p:nvSpPr>
-        <p:spPr>
-          <a:xfrm>
-            <a:off x="0" y="6400800"/>
-            <a:ext cx="12192000" cy="457200"/>
-          </a:xfrm>
-          <a:prstGeom prst="rect">
-            <a:avLst/>
-          </a:prstGeom>
-          <a:solidFill>
-            <a:srgbClr val="262626"/>
-          </a:solidFill>
-          <a:ln>
-            <a:noFill/>
-          </a:ln>
-        </p:spPr>
-        <p:style>
-          <a:lnRef idx="2">
-            <a:schemeClr val="accent1">
-              <a:shade val="50000"/>
-            </a:schemeClr>
-          </a:lnRef>
-          <a:fillRef idx="1">
-            <a:schemeClr val="accent1"/>
-          </a:fillRef>
-          <a:effectRef idx="0">
-            <a:schemeClr val="accent1"/>
-          </a:effectRef>
-          <a:fontRef idx="minor">
-            <a:schemeClr val="lt1"/>
-          </a:fontRef>
-        </p:style>
-      </p:sp>
-      <p:sp>
-        <p:nvSpPr>
-          <p:cNvPr id="9" name="Title 1">
-            <a:extLst>
-              <a:ext uri="{FF2B5EF4-FFF2-40B4-BE49-F238E27FC236}">
-                <a16:creationId xmlns:a16="http://schemas.microsoft.com/office/drawing/2014/main" id="{FB28A6EE-9AEA-433A-BC5B-1797D4B90EA3}"/>
-              </a:ext>
-            </a:extLst>
-          </p:cNvPr>
-          <p:cNvSpPr txBox="1">
-            <a:spLocks/>
-          </p:cNvSpPr>
-          <p:nvPr/>
-        </p:nvSpPr>
-        <p:spPr>
-          <a:xfrm>
-            <a:off x="1116843" y="3796448"/>
-            <a:ext cx="10058400" cy="615129"/>
-          </a:xfrm>
-          <a:prstGeom prst="rect">
-            <a:avLst/>
-          </a:prstGeom>
-        </p:spPr>
-        <p:txBody>
-          <a:bodyPr vert="horz" lIns="91440" tIns="45720" rIns="91440" bIns="45720" rtlCol="0" anchor="t">
-            <a:noAutofit/>
-          </a:bodyPr>
-          <a:lstStyle>
-            <a:lvl1pPr algn="l" defTabSz="914400" rtl="0" eaLnBrk="1" latinLnBrk="0" hangingPunct="1">
-              <a:lnSpc>
-                <a:spcPct val="90000"/>
-              </a:lnSpc>
-              <a:spcBef>
-                <a:spcPct val="0"/>
-              </a:spcBef>
-              <a:buNone/>
-              <a:defRPr sz="4700" i="0" kern="1200" spc="-50" baseline="0">
-                <a:solidFill>
-                  <a:schemeClr val="tx1">
-                    <a:lumMod val="75000"/>
-                    <a:lumOff val="25000"/>
-                  </a:schemeClr>
-                </a:solidFill>
-                <a:latin typeface="+mj-lt"/>
-                <a:ea typeface="+mj-ea"/>
-                <a:cs typeface="+mj-cs"/>
-              </a:defRPr>
-            </a:lvl1pPr>
-          </a:lstStyle>
-          <a:p>
-            <a:pPr marL="685800" indent="-685800">
-              <a:buFont typeface="Wingdings" panose="05000000000000000000" pitchFamily="2" charset="2"/>
-              <a:buChar char="q"/>
-            </a:pPr>
-            <a:r>
-              <a:rPr lang="en-CA" sz="4000" dirty="0"/>
-              <a:t>Technical Details</a:t>
-            </a:r>
-            <a:endParaRPr lang="en-US" sz="4000" dirty="0">
-              <a:solidFill>
-                <a:schemeClr val="tx1">
-                  <a:lumMod val="85000"/>
-                  <a:lumOff val="15000"/>
-                </a:schemeClr>
-              </a:solidFill>
-            </a:endParaRPr>
-          </a:p>
-        </p:txBody>
-      </p:sp>
-    </p:spTree>
-    <p:extLst>
-      <p:ext uri="{BB962C8B-B14F-4D97-AF65-F5344CB8AC3E}">
-        <p14:creationId xmlns:p14="http://schemas.microsoft.com/office/powerpoint/2010/main" val="3060247546"/>
-      </p:ext>
-    </p:extLst>
-  </p:cSld>
-  <p:clrMapOvr>
-    <a:masterClrMapping/>
-  </p:clrMapOvr>
-</p:sld>
-</file>
-
-<file path=ppt/slides/slide7.xml><?xml version="1.0" encoding="utf-8"?>
+<file path=ppt/slides/slide4.xml><?xml version="1.0" encoding="utf-8"?>
 <p:sld xmlns:a="http://schemas.openxmlformats.org/drawingml/2006/main" xmlns:r="http://schemas.openxmlformats.org/officeDocument/2006/relationships" xmlns:p="http://schemas.openxmlformats.org/presentationml/2006/main">
   <p:cSld>
     <p:bg>
@@ -14185,7 +10242,7 @@
 </p:sld>
 </file>
 
-<file path=ppt/slides/slide8.xml><?xml version="1.0" encoding="utf-8"?>
+<file path=ppt/slides/slide5.xml><?xml version="1.0" encoding="utf-8"?>
 <p:sld xmlns:a="http://schemas.openxmlformats.org/drawingml/2006/main" xmlns:r="http://schemas.openxmlformats.org/officeDocument/2006/relationships" xmlns:p="http://schemas.openxmlformats.org/presentationml/2006/main">
   <p:cSld>
     <p:bg>
@@ -14385,12 +10442,12 @@
           <a:p>
             <a:pPr algn="r"/>
             <a:r>
-              <a:rPr lang="en-CA" sz="4000">
+              <a:rPr lang="en-CA" sz="4000" dirty="0">
                 <a:solidFill>
                   <a:srgbClr val="FFFFFF"/>
                 </a:solidFill>
               </a:rPr>
-              <a:t>Technical Details</a:t>
+              <a:t>Technical Workflow</a:t>
             </a:r>
           </a:p>
         </p:txBody>
@@ -14526,7 +10583,7 @@
 </p:sld>
 </file>
 
-<file path=ppt/slides/slide9.xml><?xml version="1.0" encoding="utf-8"?>
+<file path=ppt/slides/slide6.xml><?xml version="1.0" encoding="utf-8"?>
 <p:sld xmlns:a="http://schemas.openxmlformats.org/drawingml/2006/main" xmlns:r="http://schemas.openxmlformats.org/officeDocument/2006/relationships" xmlns:p="http://schemas.openxmlformats.org/presentationml/2006/main">
   <p:cSld>
     <p:bg>
@@ -14696,12 +10753,12 @@
           <a:p>
             <a:pPr algn="r"/>
             <a:r>
-              <a:rPr lang="en-CA" sz="4000">
+              <a:rPr lang="en-CA" sz="4000" dirty="0">
                 <a:solidFill>
                   <a:srgbClr val="FFFFFF"/>
                 </a:solidFill>
               </a:rPr>
-              <a:t>Technical Details</a:t>
+              <a:t>Technical Workflow</a:t>
             </a:r>
           </a:p>
         </p:txBody>
@@ -15128,6 +11185,1724 @@
     <p:extLst>
       <p:ext uri="{BB962C8B-B14F-4D97-AF65-F5344CB8AC3E}">
         <p14:creationId xmlns:p14="http://schemas.microsoft.com/office/powerpoint/2010/main" val="3290390975"/>
+      </p:ext>
+    </p:extLst>
+  </p:cSld>
+  <p:clrMapOvr>
+    <a:masterClrMapping/>
+  </p:clrMapOvr>
+</p:sld>
+</file>
+
+<file path=ppt/slides/slide7.xml><?xml version="1.0" encoding="utf-8"?>
+<p:sld xmlns:a="http://schemas.openxmlformats.org/drawingml/2006/main" xmlns:r="http://schemas.openxmlformats.org/officeDocument/2006/relationships" xmlns:p="http://schemas.openxmlformats.org/presentationml/2006/main">
+  <p:cSld>
+    <p:bg>
+      <p:bgPr>
+        <a:solidFill>
+          <a:schemeClr val="bg1"/>
+        </a:solidFill>
+        <a:effectLst/>
+      </p:bgPr>
+    </p:bg>
+    <p:spTree>
+      <p:nvGrpSpPr>
+        <p:cNvPr id="1" name=""/>
+        <p:cNvGrpSpPr/>
+        <p:nvPr/>
+      </p:nvGrpSpPr>
+      <p:grpSpPr>
+        <a:xfrm>
+          <a:off x="0" y="0"/>
+          <a:ext cx="0" cy="0"/>
+          <a:chOff x="0" y="0"/>
+          <a:chExt cx="0" cy="0"/>
+        </a:xfrm>
+      </p:grpSpPr>
+      <p:sp useBgFill="1">
+        <p:nvSpPr>
+          <p:cNvPr id="98" name="Rectangle 97">
+            <a:extLst>
+              <a:ext uri="{FF2B5EF4-FFF2-40B4-BE49-F238E27FC236}">
+                <a16:creationId xmlns:a16="http://schemas.microsoft.com/office/drawing/2014/main" id="{39B4056F-1959-4627-A683-77F6C0603FCD}"/>
+              </a:ext>
+              <a:ext uri="{C183D7F6-B498-43B3-948B-1728B52AA6E4}">
+                <adec:decorative xmlns:adec="http://schemas.microsoft.com/office/drawing/2017/decorative" val="1"/>
+              </a:ext>
+            </a:extLst>
+          </p:cNvPr>
+          <p:cNvSpPr>
+            <a:spLocks noGrp="1" noRot="1" noChangeAspect="1" noMove="1" noResize="1" noEditPoints="1" noAdjustHandles="1" noChangeArrowheads="1" noChangeShapeType="1" noTextEdit="1"/>
+          </p:cNvSpPr>
+          <p:nvPr>
+            <p:extLst>
+              <p:ext uri="{386F3935-93C4-4BCD-93E2-E3B085C9AB24}">
+                <p16:designElem xmlns:p16="http://schemas.microsoft.com/office/powerpoint/2015/main" val="1"/>
+              </p:ext>
+            </p:extLst>
+          </p:nvPr>
+        </p:nvSpPr>
+        <p:spPr>
+          <a:xfrm>
+            <a:off x="0" y="0"/>
+            <a:ext cx="12192001" cy="6858000"/>
+          </a:xfrm>
+          <a:prstGeom prst="rect">
+            <a:avLst/>
+          </a:prstGeom>
+          <a:ln>
+            <a:noFill/>
+          </a:ln>
+        </p:spPr>
+        <p:style>
+          <a:lnRef idx="2">
+            <a:schemeClr val="accent1">
+              <a:shade val="50000"/>
+            </a:schemeClr>
+          </a:lnRef>
+          <a:fillRef idx="1">
+            <a:schemeClr val="accent1"/>
+          </a:fillRef>
+          <a:effectRef idx="0">
+            <a:schemeClr val="accent1"/>
+          </a:effectRef>
+          <a:fontRef idx="minor">
+            <a:schemeClr val="lt1"/>
+          </a:fontRef>
+        </p:style>
+        <p:txBody>
+          <a:bodyPr rtlCol="0" anchor="ctr"/>
+          <a:lstStyle/>
+          <a:p>
+            <a:pPr algn="ctr"/>
+            <a:endParaRPr lang="en-US"/>
+          </a:p>
+        </p:txBody>
+      </p:sp>
+      <p:sp>
+        <p:nvSpPr>
+          <p:cNvPr id="100" name="Rectangle 99">
+            <a:extLst>
+              <a:ext uri="{FF2B5EF4-FFF2-40B4-BE49-F238E27FC236}">
+                <a16:creationId xmlns:a16="http://schemas.microsoft.com/office/drawing/2014/main" id="{D8D7349B-C9FA-4FCE-A1FF-948F460A3A9A}"/>
+              </a:ext>
+              <a:ext uri="{C183D7F6-B498-43B3-948B-1728B52AA6E4}">
+                <adec:decorative xmlns:adec="http://schemas.microsoft.com/office/drawing/2017/decorative" val="1"/>
+              </a:ext>
+            </a:extLst>
+          </p:cNvPr>
+          <p:cNvSpPr>
+            <a:spLocks noGrp="1" noRot="1" noChangeAspect="1" noMove="1" noResize="1" noEditPoints="1" noAdjustHandles="1" noChangeArrowheads="1" noChangeShapeType="1" noTextEdit="1"/>
+          </p:cNvSpPr>
+          <p:nvPr>
+            <p:extLst>
+              <p:ext uri="{386F3935-93C4-4BCD-93E2-E3B085C9AB24}">
+                <p16:designElem xmlns:p16="http://schemas.microsoft.com/office/powerpoint/2015/main" val="1"/>
+              </p:ext>
+            </p:extLst>
+          </p:nvPr>
+        </p:nvSpPr>
+        <p:spPr bwMode="white">
+          <a:xfrm>
+            <a:off x="1507" y="4554906"/>
+            <a:ext cx="12188952" cy="2303094"/>
+          </a:xfrm>
+          <a:prstGeom prst="rect">
+            <a:avLst/>
+          </a:prstGeom>
+          <a:solidFill>
+            <a:srgbClr val="53656A"/>
+          </a:solidFill>
+          <a:ln>
+            <a:noFill/>
+          </a:ln>
+        </p:spPr>
+        <p:style>
+          <a:lnRef idx="2">
+            <a:schemeClr val="accent1">
+              <a:shade val="50000"/>
+            </a:schemeClr>
+          </a:lnRef>
+          <a:fillRef idx="1">
+            <a:schemeClr val="accent1"/>
+          </a:fillRef>
+          <a:effectRef idx="0">
+            <a:schemeClr val="accent1"/>
+          </a:effectRef>
+          <a:fontRef idx="minor">
+            <a:schemeClr val="lt1"/>
+          </a:fontRef>
+        </p:style>
+      </p:sp>
+      <p:sp>
+        <p:nvSpPr>
+          <p:cNvPr id="2" name="Title 1">
+            <a:extLst>
+              <a:ext uri="{FF2B5EF4-FFF2-40B4-BE49-F238E27FC236}">
+                <a16:creationId xmlns:a16="http://schemas.microsoft.com/office/drawing/2014/main" id="{6A1D699E-7B74-42D8-9B7F-4866FB151857}"/>
+              </a:ext>
+            </a:extLst>
+          </p:cNvPr>
+          <p:cNvSpPr>
+            <a:spLocks noGrp="1"/>
+          </p:cNvSpPr>
+          <p:nvPr>
+            <p:ph type="title"/>
+          </p:nvPr>
+        </p:nvSpPr>
+        <p:spPr>
+          <a:xfrm>
+            <a:off x="633998" y="4905301"/>
+            <a:ext cx="4988879" cy="1554485"/>
+          </a:xfrm>
+        </p:spPr>
+        <p:txBody>
+          <a:bodyPr anchor="ctr">
+            <a:normAutofit/>
+          </a:bodyPr>
+          <a:lstStyle/>
+          <a:p>
+            <a:pPr algn="r"/>
+            <a:r>
+              <a:rPr lang="en-CA" sz="4000" dirty="0">
+                <a:solidFill>
+                  <a:srgbClr val="FFFFFF"/>
+                </a:solidFill>
+              </a:rPr>
+              <a:t>Technical Workflow</a:t>
+            </a:r>
+          </a:p>
+        </p:txBody>
+      </p:sp>
+      <p:cxnSp>
+        <p:nvCxnSpPr>
+          <p:cNvPr id="102" name="Straight Connector 101">
+            <a:extLst>
+              <a:ext uri="{FF2B5EF4-FFF2-40B4-BE49-F238E27FC236}">
+                <a16:creationId xmlns:a16="http://schemas.microsoft.com/office/drawing/2014/main" id="{55646586-8E5D-4A2B-BDA9-01CE28AC89A1}"/>
+              </a:ext>
+              <a:ext uri="{C183D7F6-B498-43B3-948B-1728B52AA6E4}">
+                <adec:decorative xmlns:adec="http://schemas.microsoft.com/office/drawing/2017/decorative" val="1"/>
+              </a:ext>
+            </a:extLst>
+          </p:cNvPr>
+          <p:cNvCxnSpPr>
+            <a:cxnSpLocks noGrp="1" noRot="1" noChangeAspect="1" noMove="1" noResize="1" noEditPoints="1" noAdjustHandles="1" noChangeArrowheads="1" noChangeShapeType="1"/>
+          </p:cNvCxnSpPr>
+          <p:nvPr>
+            <p:extLst>
+              <p:ext uri="{386F3935-93C4-4BCD-93E2-E3B085C9AB24}">
+                <p16:designElem xmlns:p16="http://schemas.microsoft.com/office/powerpoint/2015/main" val="1"/>
+              </p:ext>
+            </p:extLst>
+          </p:nvPr>
+        </p:nvCxnSpPr>
+        <p:spPr>
+          <a:xfrm>
+            <a:off x="5820770" y="5247564"/>
+            <a:ext cx="0" cy="873457"/>
+          </a:xfrm>
+          <a:prstGeom prst="line">
+            <a:avLst/>
+          </a:prstGeom>
+          <a:ln w="19050">
+            <a:solidFill>
+              <a:srgbClr val="F5C27F"/>
+            </a:solidFill>
+          </a:ln>
+        </p:spPr>
+        <p:style>
+          <a:lnRef idx="1">
+            <a:schemeClr val="accent1"/>
+          </a:lnRef>
+          <a:fillRef idx="0">
+            <a:schemeClr val="accent1"/>
+          </a:fillRef>
+          <a:effectRef idx="0">
+            <a:schemeClr val="accent1"/>
+          </a:effectRef>
+          <a:fontRef idx="minor">
+            <a:schemeClr val="tx1"/>
+          </a:fontRef>
+        </p:style>
+      </p:cxnSp>
+      <p:sp>
+        <p:nvSpPr>
+          <p:cNvPr id="11" name="Content Placeholder 3">
+            <a:extLst>
+              <a:ext uri="{FF2B5EF4-FFF2-40B4-BE49-F238E27FC236}">
+                <a16:creationId xmlns:a16="http://schemas.microsoft.com/office/drawing/2014/main" id="{36A4A570-F42D-4288-87EF-E820963BBB1A}"/>
+              </a:ext>
+            </a:extLst>
+          </p:cNvPr>
+          <p:cNvSpPr txBox="1">
+            <a:spLocks/>
+          </p:cNvSpPr>
+          <p:nvPr/>
+        </p:nvSpPr>
+        <p:spPr>
+          <a:xfrm>
+            <a:off x="6064301" y="4905300"/>
+            <a:ext cx="5493699" cy="1554485"/>
+          </a:xfrm>
+          <a:prstGeom prst="rect">
+            <a:avLst/>
+          </a:prstGeom>
+        </p:spPr>
+        <p:txBody>
+          <a:bodyPr vert="horz" lIns="0" tIns="45720" rIns="0" bIns="45720" rtlCol="0" anchor="ctr">
+            <a:normAutofit/>
+          </a:bodyPr>
+          <a:lstStyle>
+            <a:lvl1pPr marL="91440" indent="-91440" algn="l" defTabSz="914400" rtl="0" eaLnBrk="1" latinLnBrk="0" hangingPunct="1">
+              <a:lnSpc>
+                <a:spcPct val="110000"/>
+              </a:lnSpc>
+              <a:spcBef>
+                <a:spcPts val="1200"/>
+              </a:spcBef>
+              <a:spcAft>
+                <a:spcPts val="200"/>
+              </a:spcAft>
+              <a:buClr>
+                <a:schemeClr val="accent1"/>
+              </a:buClr>
+              <a:buSzPct val="100000"/>
+              <a:buFont typeface="Calibri" panose="020F0502020204030204" pitchFamily="34" charset="0"/>
+              <a:buChar char=" "/>
+              <a:defRPr sz="1900" kern="1200">
+                <a:solidFill>
+                  <a:schemeClr val="tx1">
+                    <a:lumMod val="75000"/>
+                    <a:lumOff val="25000"/>
+                  </a:schemeClr>
+                </a:solidFill>
+                <a:latin typeface="+mn-lt"/>
+                <a:ea typeface="+mn-ea"/>
+                <a:cs typeface="+mn-cs"/>
+              </a:defRPr>
+            </a:lvl1pPr>
+            <a:lvl2pPr marL="384048" indent="-182880" algn="l" defTabSz="914400" rtl="0" eaLnBrk="1" latinLnBrk="0" hangingPunct="1">
+              <a:lnSpc>
+                <a:spcPct val="100000"/>
+              </a:lnSpc>
+              <a:spcBef>
+                <a:spcPts val="200"/>
+              </a:spcBef>
+              <a:spcAft>
+                <a:spcPts val="400"/>
+              </a:spcAft>
+              <a:buClrTx/>
+              <a:buFont typeface="Calibri" pitchFamily="34" charset="0"/>
+              <a:buChar char="◦"/>
+              <a:defRPr sz="1700" kern="1200">
+                <a:solidFill>
+                  <a:schemeClr val="tx1">
+                    <a:lumMod val="75000"/>
+                    <a:lumOff val="25000"/>
+                  </a:schemeClr>
+                </a:solidFill>
+                <a:latin typeface="+mn-lt"/>
+                <a:ea typeface="+mn-ea"/>
+                <a:cs typeface="+mn-cs"/>
+              </a:defRPr>
+            </a:lvl2pPr>
+            <a:lvl3pPr marL="566928" indent="-182880" algn="l" defTabSz="914400" rtl="0" eaLnBrk="1" latinLnBrk="0" hangingPunct="1">
+              <a:lnSpc>
+                <a:spcPct val="100000"/>
+              </a:lnSpc>
+              <a:spcBef>
+                <a:spcPts val="200"/>
+              </a:spcBef>
+              <a:spcAft>
+                <a:spcPts val="400"/>
+              </a:spcAft>
+              <a:buClrTx/>
+              <a:buFont typeface="Calibri" pitchFamily="34" charset="0"/>
+              <a:buChar char="◦"/>
+              <a:defRPr sz="1300" kern="1200">
+                <a:solidFill>
+                  <a:schemeClr val="tx1">
+                    <a:lumMod val="75000"/>
+                    <a:lumOff val="25000"/>
+                  </a:schemeClr>
+                </a:solidFill>
+                <a:latin typeface="+mn-lt"/>
+                <a:ea typeface="+mn-ea"/>
+                <a:cs typeface="+mn-cs"/>
+              </a:defRPr>
+            </a:lvl3pPr>
+            <a:lvl4pPr marL="749808" indent="-182880" algn="l" defTabSz="914400" rtl="0" eaLnBrk="1" latinLnBrk="0" hangingPunct="1">
+              <a:lnSpc>
+                <a:spcPct val="100000"/>
+              </a:lnSpc>
+              <a:spcBef>
+                <a:spcPts val="200"/>
+              </a:spcBef>
+              <a:spcAft>
+                <a:spcPts val="400"/>
+              </a:spcAft>
+              <a:buClrTx/>
+              <a:buFont typeface="Calibri" pitchFamily="34" charset="0"/>
+              <a:buChar char="◦"/>
+              <a:defRPr sz="1300" kern="1200">
+                <a:solidFill>
+                  <a:schemeClr val="tx1">
+                    <a:lumMod val="75000"/>
+                    <a:lumOff val="25000"/>
+                  </a:schemeClr>
+                </a:solidFill>
+                <a:latin typeface="+mn-lt"/>
+                <a:ea typeface="+mn-ea"/>
+                <a:cs typeface="+mn-cs"/>
+              </a:defRPr>
+            </a:lvl4pPr>
+            <a:lvl5pPr marL="932688" indent="-182880" algn="l" defTabSz="914400" rtl="0" eaLnBrk="1" latinLnBrk="0" hangingPunct="1">
+              <a:lnSpc>
+                <a:spcPct val="100000"/>
+              </a:lnSpc>
+              <a:spcBef>
+                <a:spcPts val="200"/>
+              </a:spcBef>
+              <a:spcAft>
+                <a:spcPts val="400"/>
+              </a:spcAft>
+              <a:buClrTx/>
+              <a:buFont typeface="Calibri" pitchFamily="34" charset="0"/>
+              <a:buChar char="◦"/>
+              <a:defRPr sz="1300" kern="1200">
+                <a:solidFill>
+                  <a:schemeClr val="tx1">
+                    <a:lumMod val="75000"/>
+                    <a:lumOff val="25000"/>
+                  </a:schemeClr>
+                </a:solidFill>
+                <a:latin typeface="+mn-lt"/>
+                <a:ea typeface="+mn-ea"/>
+                <a:cs typeface="+mn-cs"/>
+              </a:defRPr>
+            </a:lvl5pPr>
+            <a:lvl6pPr marL="1100000" indent="-228600" algn="l" defTabSz="914400" rtl="0" eaLnBrk="1" latinLnBrk="0" hangingPunct="1">
+              <a:lnSpc>
+                <a:spcPct val="90000"/>
+              </a:lnSpc>
+              <a:spcBef>
+                <a:spcPts val="200"/>
+              </a:spcBef>
+              <a:spcAft>
+                <a:spcPts val="400"/>
+              </a:spcAft>
+              <a:buClr>
+                <a:schemeClr val="accent1"/>
+              </a:buClr>
+              <a:buFont typeface="Calibri" pitchFamily="34" charset="0"/>
+              <a:buChar char="◦"/>
+              <a:defRPr sz="1400" kern="1200">
+                <a:solidFill>
+                  <a:schemeClr val="tx1">
+                    <a:lumMod val="75000"/>
+                    <a:lumOff val="25000"/>
+                  </a:schemeClr>
+                </a:solidFill>
+                <a:latin typeface="+mn-lt"/>
+                <a:ea typeface="+mn-ea"/>
+                <a:cs typeface="+mn-cs"/>
+              </a:defRPr>
+            </a:lvl6pPr>
+            <a:lvl7pPr marL="1300000" indent="-228600" algn="l" defTabSz="914400" rtl="0" eaLnBrk="1" latinLnBrk="0" hangingPunct="1">
+              <a:lnSpc>
+                <a:spcPct val="90000"/>
+              </a:lnSpc>
+              <a:spcBef>
+                <a:spcPts val="200"/>
+              </a:spcBef>
+              <a:spcAft>
+                <a:spcPts val="400"/>
+              </a:spcAft>
+              <a:buClr>
+                <a:schemeClr val="accent1"/>
+              </a:buClr>
+              <a:buFont typeface="Calibri" pitchFamily="34" charset="0"/>
+              <a:buChar char="◦"/>
+              <a:defRPr sz="1400" kern="1200">
+                <a:solidFill>
+                  <a:schemeClr val="tx1">
+                    <a:lumMod val="75000"/>
+                    <a:lumOff val="25000"/>
+                  </a:schemeClr>
+                </a:solidFill>
+                <a:latin typeface="+mn-lt"/>
+                <a:ea typeface="+mn-ea"/>
+                <a:cs typeface="+mn-cs"/>
+              </a:defRPr>
+            </a:lvl7pPr>
+            <a:lvl8pPr marL="1500000" indent="-228600" algn="l" defTabSz="914400" rtl="0" eaLnBrk="1" latinLnBrk="0" hangingPunct="1">
+              <a:lnSpc>
+                <a:spcPct val="90000"/>
+              </a:lnSpc>
+              <a:spcBef>
+                <a:spcPts val="200"/>
+              </a:spcBef>
+              <a:spcAft>
+                <a:spcPts val="400"/>
+              </a:spcAft>
+              <a:buClr>
+                <a:schemeClr val="accent1"/>
+              </a:buClr>
+              <a:buFont typeface="Calibri" pitchFamily="34" charset="0"/>
+              <a:buChar char="◦"/>
+              <a:defRPr sz="1400" kern="1200">
+                <a:solidFill>
+                  <a:schemeClr val="tx1">
+                    <a:lumMod val="75000"/>
+                    <a:lumOff val="25000"/>
+                  </a:schemeClr>
+                </a:solidFill>
+                <a:latin typeface="+mn-lt"/>
+                <a:ea typeface="+mn-ea"/>
+                <a:cs typeface="+mn-cs"/>
+              </a:defRPr>
+            </a:lvl8pPr>
+            <a:lvl9pPr marL="1700000" indent="-228600" algn="l" defTabSz="914400" rtl="0" eaLnBrk="1" latinLnBrk="0" hangingPunct="1">
+              <a:lnSpc>
+                <a:spcPct val="90000"/>
+              </a:lnSpc>
+              <a:spcBef>
+                <a:spcPts val="200"/>
+              </a:spcBef>
+              <a:spcAft>
+                <a:spcPts val="400"/>
+              </a:spcAft>
+              <a:buClr>
+                <a:schemeClr val="accent1"/>
+              </a:buClr>
+              <a:buFont typeface="Calibri" pitchFamily="34" charset="0"/>
+              <a:buChar char="◦"/>
+              <a:defRPr sz="1400" kern="1200">
+                <a:solidFill>
+                  <a:schemeClr val="tx1">
+                    <a:lumMod val="75000"/>
+                    <a:lumOff val="25000"/>
+                  </a:schemeClr>
+                </a:solidFill>
+                <a:latin typeface="+mn-lt"/>
+                <a:ea typeface="+mn-ea"/>
+                <a:cs typeface="+mn-cs"/>
+              </a:defRPr>
+            </a:lvl9pPr>
+          </a:lstStyle>
+          <a:p>
+            <a:pPr>
+              <a:buFont typeface="Wingdings" panose="05000000000000000000" pitchFamily="2" charset="2"/>
+              <a:buChar char="q"/>
+            </a:pPr>
+            <a:r>
+              <a:rPr lang="en-CA" dirty="0">
+                <a:solidFill>
+                  <a:schemeClr val="bg2"/>
+                </a:solidFill>
+              </a:rPr>
+              <a:t>Data modeling and classification: </a:t>
+            </a:r>
+            <a:r>
+              <a:rPr lang="en-CA" dirty="0" err="1">
+                <a:solidFill>
+                  <a:schemeClr val="bg2"/>
+                </a:solidFill>
+              </a:rPr>
+              <a:t>scikit</a:t>
+            </a:r>
+            <a:r>
+              <a:rPr lang="en-CA" dirty="0">
+                <a:solidFill>
+                  <a:schemeClr val="bg2"/>
+                </a:solidFill>
+              </a:rPr>
+              <a:t>-learn</a:t>
+            </a:r>
+          </a:p>
+          <a:p>
+            <a:pPr lvl="1">
+              <a:buFont typeface="Wingdings" panose="05000000000000000000" pitchFamily="2" charset="2"/>
+              <a:buChar char="q"/>
+            </a:pPr>
+            <a:r>
+              <a:rPr lang="en-CA" b="1" dirty="0">
+                <a:solidFill>
+                  <a:schemeClr val="bg2"/>
+                </a:solidFill>
+              </a:rPr>
+              <a:t>library: </a:t>
+            </a:r>
+            <a:r>
+              <a:rPr lang="en-CA" dirty="0">
+                <a:solidFill>
+                  <a:schemeClr val="bg2"/>
+                </a:solidFill>
+              </a:rPr>
+              <a:t> </a:t>
+            </a:r>
+            <a:r>
+              <a:rPr lang="en-CA" dirty="0" err="1">
+                <a:solidFill>
+                  <a:schemeClr val="bg2"/>
+                </a:solidFill>
+              </a:rPr>
+              <a:t>sklearn.naive_bayes</a:t>
+            </a:r>
+            <a:r>
+              <a:rPr lang="en-CA" dirty="0"/>
+              <a:t> </a:t>
+            </a:r>
+            <a:r>
+              <a:rPr lang="en-CA" b="1" dirty="0" err="1">
+                <a:solidFill>
+                  <a:schemeClr val="accent5"/>
+                </a:solidFill>
+              </a:rPr>
+              <a:t>GaussianNB</a:t>
+            </a:r>
+            <a:r>
+              <a:rPr lang="en-CA" dirty="0"/>
+              <a:t> </a:t>
+            </a:r>
+            <a:r>
+              <a:rPr lang="en-CA" dirty="0">
+                <a:solidFill>
+                  <a:schemeClr val="bg2"/>
+                </a:solidFill>
+              </a:rPr>
+              <a:t>and </a:t>
+            </a:r>
+            <a:r>
+              <a:rPr lang="en-CA" dirty="0" err="1">
+                <a:solidFill>
+                  <a:schemeClr val="bg2"/>
+                </a:solidFill>
+              </a:rPr>
+              <a:t>sklearn.svm</a:t>
+            </a:r>
+            <a:r>
+              <a:rPr lang="en-CA" dirty="0"/>
+              <a:t> </a:t>
+            </a:r>
+            <a:r>
+              <a:rPr lang="en-CA" b="1" dirty="0">
+                <a:solidFill>
+                  <a:schemeClr val="accent5"/>
+                </a:solidFill>
+              </a:rPr>
+              <a:t>SVC</a:t>
+            </a:r>
+          </a:p>
+          <a:p>
+            <a:pPr marL="0" indent="0">
+              <a:buFont typeface="Calibri" panose="020F0502020204030204" pitchFamily="34" charset="0"/>
+              <a:buNone/>
+            </a:pPr>
+            <a:endParaRPr lang="en-CA" dirty="0">
+              <a:solidFill>
+                <a:srgbClr val="FFFFFF"/>
+              </a:solidFill>
+            </a:endParaRPr>
+          </a:p>
+        </p:txBody>
+      </p:sp>
+      <p:pic>
+        <p:nvPicPr>
+          <p:cNvPr id="5" name="Picture 4">
+            <a:extLst>
+              <a:ext uri="{FF2B5EF4-FFF2-40B4-BE49-F238E27FC236}">
+                <a16:creationId xmlns:a16="http://schemas.microsoft.com/office/drawing/2014/main" id="{025E8D6E-EF81-4D67-A304-0E0947BABE25}"/>
+              </a:ext>
+            </a:extLst>
+          </p:cNvPr>
+          <p:cNvPicPr>
+            <a:picLocks noChangeAspect="1"/>
+          </p:cNvPicPr>
+          <p:nvPr/>
+        </p:nvPicPr>
+        <p:blipFill>
+          <a:blip r:embed="rId2"/>
+          <a:stretch>
+            <a:fillRect/>
+          </a:stretch>
+        </p:blipFill>
+        <p:spPr>
+          <a:xfrm>
+            <a:off x="46240" y="36856"/>
+            <a:ext cx="7554122" cy="2182645"/>
+          </a:xfrm>
+          <a:prstGeom prst="rect">
+            <a:avLst/>
+          </a:prstGeom>
+        </p:spPr>
+      </p:pic>
+      <p:pic>
+        <p:nvPicPr>
+          <p:cNvPr id="6" name="Picture 5">
+            <a:extLst>
+              <a:ext uri="{FF2B5EF4-FFF2-40B4-BE49-F238E27FC236}">
+                <a16:creationId xmlns:a16="http://schemas.microsoft.com/office/drawing/2014/main" id="{F5793C7C-D4C4-4FB4-B4EF-B250498E5E5F}"/>
+              </a:ext>
+            </a:extLst>
+          </p:cNvPr>
+          <p:cNvPicPr>
+            <a:picLocks noChangeAspect="1"/>
+          </p:cNvPicPr>
+          <p:nvPr/>
+        </p:nvPicPr>
+        <p:blipFill>
+          <a:blip r:embed="rId3"/>
+          <a:stretch>
+            <a:fillRect/>
+          </a:stretch>
+        </p:blipFill>
+        <p:spPr>
+          <a:xfrm>
+            <a:off x="4539529" y="1930401"/>
+            <a:ext cx="7229878" cy="2567344"/>
+          </a:xfrm>
+          <a:prstGeom prst="rect">
+            <a:avLst/>
+          </a:prstGeom>
+        </p:spPr>
+      </p:pic>
+    </p:spTree>
+    <p:extLst>
+      <p:ext uri="{BB962C8B-B14F-4D97-AF65-F5344CB8AC3E}">
+        <p14:creationId xmlns:p14="http://schemas.microsoft.com/office/powerpoint/2010/main" val="2390990632"/>
+      </p:ext>
+    </p:extLst>
+  </p:cSld>
+  <p:clrMapOvr>
+    <a:masterClrMapping/>
+  </p:clrMapOvr>
+</p:sld>
+</file>
+
+<file path=ppt/slides/slide8.xml><?xml version="1.0" encoding="utf-8"?>
+<p:sld xmlns:a="http://schemas.openxmlformats.org/drawingml/2006/main" xmlns:r="http://schemas.openxmlformats.org/officeDocument/2006/relationships" xmlns:p="http://schemas.openxmlformats.org/presentationml/2006/main">
+  <p:cSld>
+    <p:bg>
+      <p:bgPr>
+        <a:solidFill>
+          <a:schemeClr val="bg1"/>
+        </a:solidFill>
+        <a:effectLst/>
+      </p:bgPr>
+    </p:bg>
+    <p:spTree>
+      <p:nvGrpSpPr>
+        <p:cNvPr id="1" name=""/>
+        <p:cNvGrpSpPr/>
+        <p:nvPr/>
+      </p:nvGrpSpPr>
+      <p:grpSpPr>
+        <a:xfrm>
+          <a:off x="0" y="0"/>
+          <a:ext cx="0" cy="0"/>
+          <a:chOff x="0" y="0"/>
+          <a:chExt cx="0" cy="0"/>
+        </a:xfrm>
+      </p:grpSpPr>
+      <p:sp useBgFill="1">
+        <p:nvSpPr>
+          <p:cNvPr id="98" name="Rectangle 97">
+            <a:extLst>
+              <a:ext uri="{FF2B5EF4-FFF2-40B4-BE49-F238E27FC236}">
+                <a16:creationId xmlns:a16="http://schemas.microsoft.com/office/drawing/2014/main" id="{39B4056F-1959-4627-A683-77F6C0603FCD}"/>
+              </a:ext>
+              <a:ext uri="{C183D7F6-B498-43B3-948B-1728B52AA6E4}">
+                <adec:decorative xmlns:adec="http://schemas.microsoft.com/office/drawing/2017/decorative" val="1"/>
+              </a:ext>
+            </a:extLst>
+          </p:cNvPr>
+          <p:cNvSpPr>
+            <a:spLocks noGrp="1" noRot="1" noChangeAspect="1" noMove="1" noResize="1" noEditPoints="1" noAdjustHandles="1" noChangeArrowheads="1" noChangeShapeType="1" noTextEdit="1"/>
+          </p:cNvSpPr>
+          <p:nvPr>
+            <p:extLst>
+              <p:ext uri="{386F3935-93C4-4BCD-93E2-E3B085C9AB24}">
+                <p16:designElem xmlns:p16="http://schemas.microsoft.com/office/powerpoint/2015/main" val="1"/>
+              </p:ext>
+            </p:extLst>
+          </p:nvPr>
+        </p:nvSpPr>
+        <p:spPr>
+          <a:xfrm>
+            <a:off x="0" y="0"/>
+            <a:ext cx="12192001" cy="6858000"/>
+          </a:xfrm>
+          <a:prstGeom prst="rect">
+            <a:avLst/>
+          </a:prstGeom>
+          <a:ln>
+            <a:noFill/>
+          </a:ln>
+        </p:spPr>
+        <p:style>
+          <a:lnRef idx="2">
+            <a:schemeClr val="accent1">
+              <a:shade val="50000"/>
+            </a:schemeClr>
+          </a:lnRef>
+          <a:fillRef idx="1">
+            <a:schemeClr val="accent1"/>
+          </a:fillRef>
+          <a:effectRef idx="0">
+            <a:schemeClr val="accent1"/>
+          </a:effectRef>
+          <a:fontRef idx="minor">
+            <a:schemeClr val="lt1"/>
+          </a:fontRef>
+        </p:style>
+        <p:txBody>
+          <a:bodyPr rtlCol="0" anchor="ctr"/>
+          <a:lstStyle/>
+          <a:p>
+            <a:pPr algn="ctr"/>
+            <a:endParaRPr lang="en-US"/>
+          </a:p>
+        </p:txBody>
+      </p:sp>
+      <p:sp>
+        <p:nvSpPr>
+          <p:cNvPr id="100" name="Rectangle 99">
+            <a:extLst>
+              <a:ext uri="{FF2B5EF4-FFF2-40B4-BE49-F238E27FC236}">
+                <a16:creationId xmlns:a16="http://schemas.microsoft.com/office/drawing/2014/main" id="{D8D7349B-C9FA-4FCE-A1FF-948F460A3A9A}"/>
+              </a:ext>
+              <a:ext uri="{C183D7F6-B498-43B3-948B-1728B52AA6E4}">
+                <adec:decorative xmlns:adec="http://schemas.microsoft.com/office/drawing/2017/decorative" val="1"/>
+              </a:ext>
+            </a:extLst>
+          </p:cNvPr>
+          <p:cNvSpPr>
+            <a:spLocks noGrp="1" noRot="1" noChangeAspect="1" noMove="1" noResize="1" noEditPoints="1" noAdjustHandles="1" noChangeArrowheads="1" noChangeShapeType="1" noTextEdit="1"/>
+          </p:cNvSpPr>
+          <p:nvPr>
+            <p:extLst>
+              <p:ext uri="{386F3935-93C4-4BCD-93E2-E3B085C9AB24}">
+                <p16:designElem xmlns:p16="http://schemas.microsoft.com/office/powerpoint/2015/main" val="1"/>
+              </p:ext>
+            </p:extLst>
+          </p:nvPr>
+        </p:nvSpPr>
+        <p:spPr bwMode="white">
+          <a:xfrm>
+            <a:off x="1507" y="4554906"/>
+            <a:ext cx="12188952" cy="2303094"/>
+          </a:xfrm>
+          <a:prstGeom prst="rect">
+            <a:avLst/>
+          </a:prstGeom>
+          <a:solidFill>
+            <a:srgbClr val="53656A"/>
+          </a:solidFill>
+          <a:ln>
+            <a:noFill/>
+          </a:ln>
+        </p:spPr>
+        <p:style>
+          <a:lnRef idx="2">
+            <a:schemeClr val="accent1">
+              <a:shade val="50000"/>
+            </a:schemeClr>
+          </a:lnRef>
+          <a:fillRef idx="1">
+            <a:schemeClr val="accent1"/>
+          </a:fillRef>
+          <a:effectRef idx="0">
+            <a:schemeClr val="accent1"/>
+          </a:effectRef>
+          <a:fontRef idx="minor">
+            <a:schemeClr val="lt1"/>
+          </a:fontRef>
+        </p:style>
+      </p:sp>
+      <p:sp>
+        <p:nvSpPr>
+          <p:cNvPr id="2" name="Title 1">
+            <a:extLst>
+              <a:ext uri="{FF2B5EF4-FFF2-40B4-BE49-F238E27FC236}">
+                <a16:creationId xmlns:a16="http://schemas.microsoft.com/office/drawing/2014/main" id="{6A1D699E-7B74-42D8-9B7F-4866FB151857}"/>
+              </a:ext>
+            </a:extLst>
+          </p:cNvPr>
+          <p:cNvSpPr>
+            <a:spLocks noGrp="1"/>
+          </p:cNvSpPr>
+          <p:nvPr>
+            <p:ph type="title"/>
+          </p:nvPr>
+        </p:nvSpPr>
+        <p:spPr>
+          <a:xfrm>
+            <a:off x="633998" y="4905301"/>
+            <a:ext cx="4988879" cy="1554485"/>
+          </a:xfrm>
+        </p:spPr>
+        <p:txBody>
+          <a:bodyPr anchor="ctr">
+            <a:normAutofit/>
+          </a:bodyPr>
+          <a:lstStyle/>
+          <a:p>
+            <a:pPr algn="r"/>
+            <a:r>
+              <a:rPr lang="en-CA" sz="4000" dirty="0">
+                <a:solidFill>
+                  <a:srgbClr val="FFFFFF"/>
+                </a:solidFill>
+              </a:rPr>
+              <a:t>Technical Workflow</a:t>
+            </a:r>
+          </a:p>
+        </p:txBody>
+      </p:sp>
+      <p:cxnSp>
+        <p:nvCxnSpPr>
+          <p:cNvPr id="102" name="Straight Connector 101">
+            <a:extLst>
+              <a:ext uri="{FF2B5EF4-FFF2-40B4-BE49-F238E27FC236}">
+                <a16:creationId xmlns:a16="http://schemas.microsoft.com/office/drawing/2014/main" id="{55646586-8E5D-4A2B-BDA9-01CE28AC89A1}"/>
+              </a:ext>
+              <a:ext uri="{C183D7F6-B498-43B3-948B-1728B52AA6E4}">
+                <adec:decorative xmlns:adec="http://schemas.microsoft.com/office/drawing/2017/decorative" val="1"/>
+              </a:ext>
+            </a:extLst>
+          </p:cNvPr>
+          <p:cNvCxnSpPr>
+            <a:cxnSpLocks noGrp="1" noRot="1" noChangeAspect="1" noMove="1" noResize="1" noEditPoints="1" noAdjustHandles="1" noChangeArrowheads="1" noChangeShapeType="1"/>
+          </p:cNvCxnSpPr>
+          <p:nvPr>
+            <p:extLst>
+              <p:ext uri="{386F3935-93C4-4BCD-93E2-E3B085C9AB24}">
+                <p16:designElem xmlns:p16="http://schemas.microsoft.com/office/powerpoint/2015/main" val="1"/>
+              </p:ext>
+            </p:extLst>
+          </p:nvPr>
+        </p:nvCxnSpPr>
+        <p:spPr>
+          <a:xfrm>
+            <a:off x="5820770" y="5247564"/>
+            <a:ext cx="0" cy="873457"/>
+          </a:xfrm>
+          <a:prstGeom prst="line">
+            <a:avLst/>
+          </a:prstGeom>
+          <a:ln w="19050">
+            <a:solidFill>
+              <a:srgbClr val="F5C27F"/>
+            </a:solidFill>
+          </a:ln>
+        </p:spPr>
+        <p:style>
+          <a:lnRef idx="1">
+            <a:schemeClr val="accent1"/>
+          </a:lnRef>
+          <a:fillRef idx="0">
+            <a:schemeClr val="accent1"/>
+          </a:fillRef>
+          <a:effectRef idx="0">
+            <a:schemeClr val="accent1"/>
+          </a:effectRef>
+          <a:fontRef idx="minor">
+            <a:schemeClr val="tx1"/>
+          </a:fontRef>
+        </p:style>
+      </p:cxnSp>
+      <p:sp>
+        <p:nvSpPr>
+          <p:cNvPr id="11" name="Content Placeholder 3">
+            <a:extLst>
+              <a:ext uri="{FF2B5EF4-FFF2-40B4-BE49-F238E27FC236}">
+                <a16:creationId xmlns:a16="http://schemas.microsoft.com/office/drawing/2014/main" id="{36A4A570-F42D-4288-87EF-E820963BBB1A}"/>
+              </a:ext>
+            </a:extLst>
+          </p:cNvPr>
+          <p:cNvSpPr txBox="1">
+            <a:spLocks/>
+          </p:cNvSpPr>
+          <p:nvPr/>
+        </p:nvSpPr>
+        <p:spPr>
+          <a:xfrm>
+            <a:off x="6064301" y="4905300"/>
+            <a:ext cx="5493699" cy="1554485"/>
+          </a:xfrm>
+          <a:prstGeom prst="rect">
+            <a:avLst/>
+          </a:prstGeom>
+        </p:spPr>
+        <p:txBody>
+          <a:bodyPr vert="horz" lIns="0" tIns="45720" rIns="0" bIns="45720" rtlCol="0" anchor="ctr">
+            <a:normAutofit/>
+          </a:bodyPr>
+          <a:lstStyle>
+            <a:lvl1pPr marL="91440" indent="-91440" algn="l" defTabSz="914400" rtl="0" eaLnBrk="1" latinLnBrk="0" hangingPunct="1">
+              <a:lnSpc>
+                <a:spcPct val="110000"/>
+              </a:lnSpc>
+              <a:spcBef>
+                <a:spcPts val="1200"/>
+              </a:spcBef>
+              <a:spcAft>
+                <a:spcPts val="200"/>
+              </a:spcAft>
+              <a:buClr>
+                <a:schemeClr val="accent1"/>
+              </a:buClr>
+              <a:buSzPct val="100000"/>
+              <a:buFont typeface="Calibri" panose="020F0502020204030204" pitchFamily="34" charset="0"/>
+              <a:buChar char=" "/>
+              <a:defRPr sz="1900" kern="1200">
+                <a:solidFill>
+                  <a:schemeClr val="tx1">
+                    <a:lumMod val="75000"/>
+                    <a:lumOff val="25000"/>
+                  </a:schemeClr>
+                </a:solidFill>
+                <a:latin typeface="+mn-lt"/>
+                <a:ea typeface="+mn-ea"/>
+                <a:cs typeface="+mn-cs"/>
+              </a:defRPr>
+            </a:lvl1pPr>
+            <a:lvl2pPr marL="384048" indent="-182880" algn="l" defTabSz="914400" rtl="0" eaLnBrk="1" latinLnBrk="0" hangingPunct="1">
+              <a:lnSpc>
+                <a:spcPct val="100000"/>
+              </a:lnSpc>
+              <a:spcBef>
+                <a:spcPts val="200"/>
+              </a:spcBef>
+              <a:spcAft>
+                <a:spcPts val="400"/>
+              </a:spcAft>
+              <a:buClrTx/>
+              <a:buFont typeface="Calibri" pitchFamily="34" charset="0"/>
+              <a:buChar char="◦"/>
+              <a:defRPr sz="1700" kern="1200">
+                <a:solidFill>
+                  <a:schemeClr val="tx1">
+                    <a:lumMod val="75000"/>
+                    <a:lumOff val="25000"/>
+                  </a:schemeClr>
+                </a:solidFill>
+                <a:latin typeface="+mn-lt"/>
+                <a:ea typeface="+mn-ea"/>
+                <a:cs typeface="+mn-cs"/>
+              </a:defRPr>
+            </a:lvl2pPr>
+            <a:lvl3pPr marL="566928" indent="-182880" algn="l" defTabSz="914400" rtl="0" eaLnBrk="1" latinLnBrk="0" hangingPunct="1">
+              <a:lnSpc>
+                <a:spcPct val="100000"/>
+              </a:lnSpc>
+              <a:spcBef>
+                <a:spcPts val="200"/>
+              </a:spcBef>
+              <a:spcAft>
+                <a:spcPts val="400"/>
+              </a:spcAft>
+              <a:buClrTx/>
+              <a:buFont typeface="Calibri" pitchFamily="34" charset="0"/>
+              <a:buChar char="◦"/>
+              <a:defRPr sz="1300" kern="1200">
+                <a:solidFill>
+                  <a:schemeClr val="tx1">
+                    <a:lumMod val="75000"/>
+                    <a:lumOff val="25000"/>
+                  </a:schemeClr>
+                </a:solidFill>
+                <a:latin typeface="+mn-lt"/>
+                <a:ea typeface="+mn-ea"/>
+                <a:cs typeface="+mn-cs"/>
+              </a:defRPr>
+            </a:lvl3pPr>
+            <a:lvl4pPr marL="749808" indent="-182880" algn="l" defTabSz="914400" rtl="0" eaLnBrk="1" latinLnBrk="0" hangingPunct="1">
+              <a:lnSpc>
+                <a:spcPct val="100000"/>
+              </a:lnSpc>
+              <a:spcBef>
+                <a:spcPts val="200"/>
+              </a:spcBef>
+              <a:spcAft>
+                <a:spcPts val="400"/>
+              </a:spcAft>
+              <a:buClrTx/>
+              <a:buFont typeface="Calibri" pitchFamily="34" charset="0"/>
+              <a:buChar char="◦"/>
+              <a:defRPr sz="1300" kern="1200">
+                <a:solidFill>
+                  <a:schemeClr val="tx1">
+                    <a:lumMod val="75000"/>
+                    <a:lumOff val="25000"/>
+                  </a:schemeClr>
+                </a:solidFill>
+                <a:latin typeface="+mn-lt"/>
+                <a:ea typeface="+mn-ea"/>
+                <a:cs typeface="+mn-cs"/>
+              </a:defRPr>
+            </a:lvl4pPr>
+            <a:lvl5pPr marL="932688" indent="-182880" algn="l" defTabSz="914400" rtl="0" eaLnBrk="1" latinLnBrk="0" hangingPunct="1">
+              <a:lnSpc>
+                <a:spcPct val="100000"/>
+              </a:lnSpc>
+              <a:spcBef>
+                <a:spcPts val="200"/>
+              </a:spcBef>
+              <a:spcAft>
+                <a:spcPts val="400"/>
+              </a:spcAft>
+              <a:buClrTx/>
+              <a:buFont typeface="Calibri" pitchFamily="34" charset="0"/>
+              <a:buChar char="◦"/>
+              <a:defRPr sz="1300" kern="1200">
+                <a:solidFill>
+                  <a:schemeClr val="tx1">
+                    <a:lumMod val="75000"/>
+                    <a:lumOff val="25000"/>
+                  </a:schemeClr>
+                </a:solidFill>
+                <a:latin typeface="+mn-lt"/>
+                <a:ea typeface="+mn-ea"/>
+                <a:cs typeface="+mn-cs"/>
+              </a:defRPr>
+            </a:lvl5pPr>
+            <a:lvl6pPr marL="1100000" indent="-228600" algn="l" defTabSz="914400" rtl="0" eaLnBrk="1" latinLnBrk="0" hangingPunct="1">
+              <a:lnSpc>
+                <a:spcPct val="90000"/>
+              </a:lnSpc>
+              <a:spcBef>
+                <a:spcPts val="200"/>
+              </a:spcBef>
+              <a:spcAft>
+                <a:spcPts val="400"/>
+              </a:spcAft>
+              <a:buClr>
+                <a:schemeClr val="accent1"/>
+              </a:buClr>
+              <a:buFont typeface="Calibri" pitchFamily="34" charset="0"/>
+              <a:buChar char="◦"/>
+              <a:defRPr sz="1400" kern="1200">
+                <a:solidFill>
+                  <a:schemeClr val="tx1">
+                    <a:lumMod val="75000"/>
+                    <a:lumOff val="25000"/>
+                  </a:schemeClr>
+                </a:solidFill>
+                <a:latin typeface="+mn-lt"/>
+                <a:ea typeface="+mn-ea"/>
+                <a:cs typeface="+mn-cs"/>
+              </a:defRPr>
+            </a:lvl6pPr>
+            <a:lvl7pPr marL="1300000" indent="-228600" algn="l" defTabSz="914400" rtl="0" eaLnBrk="1" latinLnBrk="0" hangingPunct="1">
+              <a:lnSpc>
+                <a:spcPct val="90000"/>
+              </a:lnSpc>
+              <a:spcBef>
+                <a:spcPts val="200"/>
+              </a:spcBef>
+              <a:spcAft>
+                <a:spcPts val="400"/>
+              </a:spcAft>
+              <a:buClr>
+                <a:schemeClr val="accent1"/>
+              </a:buClr>
+              <a:buFont typeface="Calibri" pitchFamily="34" charset="0"/>
+              <a:buChar char="◦"/>
+              <a:defRPr sz="1400" kern="1200">
+                <a:solidFill>
+                  <a:schemeClr val="tx1">
+                    <a:lumMod val="75000"/>
+                    <a:lumOff val="25000"/>
+                  </a:schemeClr>
+                </a:solidFill>
+                <a:latin typeface="+mn-lt"/>
+                <a:ea typeface="+mn-ea"/>
+                <a:cs typeface="+mn-cs"/>
+              </a:defRPr>
+            </a:lvl7pPr>
+            <a:lvl8pPr marL="1500000" indent="-228600" algn="l" defTabSz="914400" rtl="0" eaLnBrk="1" latinLnBrk="0" hangingPunct="1">
+              <a:lnSpc>
+                <a:spcPct val="90000"/>
+              </a:lnSpc>
+              <a:spcBef>
+                <a:spcPts val="200"/>
+              </a:spcBef>
+              <a:spcAft>
+                <a:spcPts val="400"/>
+              </a:spcAft>
+              <a:buClr>
+                <a:schemeClr val="accent1"/>
+              </a:buClr>
+              <a:buFont typeface="Calibri" pitchFamily="34" charset="0"/>
+              <a:buChar char="◦"/>
+              <a:defRPr sz="1400" kern="1200">
+                <a:solidFill>
+                  <a:schemeClr val="tx1">
+                    <a:lumMod val="75000"/>
+                    <a:lumOff val="25000"/>
+                  </a:schemeClr>
+                </a:solidFill>
+                <a:latin typeface="+mn-lt"/>
+                <a:ea typeface="+mn-ea"/>
+                <a:cs typeface="+mn-cs"/>
+              </a:defRPr>
+            </a:lvl8pPr>
+            <a:lvl9pPr marL="1700000" indent="-228600" algn="l" defTabSz="914400" rtl="0" eaLnBrk="1" latinLnBrk="0" hangingPunct="1">
+              <a:lnSpc>
+                <a:spcPct val="90000"/>
+              </a:lnSpc>
+              <a:spcBef>
+                <a:spcPts val="200"/>
+              </a:spcBef>
+              <a:spcAft>
+                <a:spcPts val="400"/>
+              </a:spcAft>
+              <a:buClr>
+                <a:schemeClr val="accent1"/>
+              </a:buClr>
+              <a:buFont typeface="Calibri" pitchFamily="34" charset="0"/>
+              <a:buChar char="◦"/>
+              <a:defRPr sz="1400" kern="1200">
+                <a:solidFill>
+                  <a:schemeClr val="tx1">
+                    <a:lumMod val="75000"/>
+                    <a:lumOff val="25000"/>
+                  </a:schemeClr>
+                </a:solidFill>
+                <a:latin typeface="+mn-lt"/>
+                <a:ea typeface="+mn-ea"/>
+                <a:cs typeface="+mn-cs"/>
+              </a:defRPr>
+            </a:lvl9pPr>
+          </a:lstStyle>
+          <a:p>
+            <a:pPr>
+              <a:buFont typeface="Wingdings" panose="05000000000000000000" pitchFamily="2" charset="2"/>
+              <a:buChar char="q"/>
+            </a:pPr>
+            <a:r>
+              <a:rPr lang="en-CA" dirty="0">
+                <a:solidFill>
+                  <a:schemeClr val="bg2"/>
+                </a:solidFill>
+              </a:rPr>
+              <a:t>Performance evaluation: F1 score, confusion matrix</a:t>
+            </a:r>
+          </a:p>
+          <a:p>
+            <a:pPr lvl="1">
+              <a:buFont typeface="Wingdings" panose="05000000000000000000" pitchFamily="2" charset="2"/>
+              <a:buChar char="q"/>
+            </a:pPr>
+            <a:r>
+              <a:rPr lang="en-CA" b="1" dirty="0">
+                <a:solidFill>
+                  <a:schemeClr val="bg2"/>
+                </a:solidFill>
+              </a:rPr>
+              <a:t>library: </a:t>
+            </a:r>
+            <a:r>
+              <a:rPr lang="en-CA" dirty="0">
+                <a:solidFill>
+                  <a:schemeClr val="bg2"/>
+                </a:solidFill>
+              </a:rPr>
+              <a:t>  </a:t>
+            </a:r>
+            <a:r>
+              <a:rPr lang="en-CA" dirty="0" err="1">
+                <a:solidFill>
+                  <a:schemeClr val="bg2"/>
+                </a:solidFill>
+              </a:rPr>
+              <a:t>sklearn.metrics</a:t>
+            </a:r>
+            <a:r>
+              <a:rPr lang="en-CA" dirty="0">
+                <a:solidFill>
+                  <a:schemeClr val="bg2"/>
+                </a:solidFill>
+              </a:rPr>
+              <a:t>  </a:t>
+            </a:r>
+            <a:r>
+              <a:rPr lang="en-CA" dirty="0" err="1">
+                <a:solidFill>
+                  <a:schemeClr val="accent5"/>
+                </a:solidFill>
+              </a:rPr>
+              <a:t>classification_report</a:t>
+            </a:r>
+            <a:r>
+              <a:rPr lang="en-CA" dirty="0">
+                <a:solidFill>
+                  <a:schemeClr val="accent5"/>
+                </a:solidFill>
+              </a:rPr>
+              <a:t> </a:t>
+            </a:r>
+            <a:r>
+              <a:rPr lang="en-CA" dirty="0">
+                <a:solidFill>
+                  <a:schemeClr val="bg2"/>
+                </a:solidFill>
+              </a:rPr>
+              <a:t>and </a:t>
+            </a:r>
+            <a:r>
+              <a:rPr lang="fr-FR" dirty="0" err="1">
+                <a:solidFill>
+                  <a:schemeClr val="bg2"/>
+                </a:solidFill>
+              </a:rPr>
+              <a:t>sklearn.metrics</a:t>
+            </a:r>
+            <a:r>
+              <a:rPr lang="fr-FR" dirty="0"/>
+              <a:t>  </a:t>
+            </a:r>
+            <a:r>
+              <a:rPr lang="fr-FR" dirty="0" err="1">
+                <a:solidFill>
+                  <a:schemeClr val="accent5"/>
+                </a:solidFill>
+              </a:rPr>
+              <a:t>confusion_matrix</a:t>
+            </a:r>
+            <a:endParaRPr lang="en-CA" dirty="0">
+              <a:solidFill>
+                <a:schemeClr val="accent5"/>
+              </a:solidFill>
+            </a:endParaRPr>
+          </a:p>
+          <a:p>
+            <a:pPr marL="0" indent="0">
+              <a:buFont typeface="Calibri" panose="020F0502020204030204" pitchFamily="34" charset="0"/>
+              <a:buNone/>
+            </a:pPr>
+            <a:endParaRPr lang="en-CA" dirty="0">
+              <a:solidFill>
+                <a:srgbClr val="FFFFFF"/>
+              </a:solidFill>
+            </a:endParaRPr>
+          </a:p>
+        </p:txBody>
+      </p:sp>
+      <p:pic>
+        <p:nvPicPr>
+          <p:cNvPr id="3" name="Picture 2">
+            <a:extLst>
+              <a:ext uri="{FF2B5EF4-FFF2-40B4-BE49-F238E27FC236}">
+                <a16:creationId xmlns:a16="http://schemas.microsoft.com/office/drawing/2014/main" id="{E0A138EE-9D01-4E7B-B193-27F4EE589CE4}"/>
+              </a:ext>
+            </a:extLst>
+          </p:cNvPr>
+          <p:cNvPicPr>
+            <a:picLocks noChangeAspect="1"/>
+          </p:cNvPicPr>
+          <p:nvPr/>
+        </p:nvPicPr>
+        <p:blipFill>
+          <a:blip r:embed="rId2"/>
+          <a:stretch>
+            <a:fillRect/>
+          </a:stretch>
+        </p:blipFill>
+        <p:spPr>
+          <a:xfrm>
+            <a:off x="1391840" y="1061156"/>
+            <a:ext cx="9580872" cy="2090995"/>
+          </a:xfrm>
+          <a:prstGeom prst="rect">
+            <a:avLst/>
+          </a:prstGeom>
+        </p:spPr>
+      </p:pic>
+    </p:spTree>
+    <p:extLst>
+      <p:ext uri="{BB962C8B-B14F-4D97-AF65-F5344CB8AC3E}">
+        <p14:creationId xmlns:p14="http://schemas.microsoft.com/office/powerpoint/2010/main" val="2738184489"/>
+      </p:ext>
+    </p:extLst>
+  </p:cSld>
+  <p:clrMapOvr>
+    <a:masterClrMapping/>
+  </p:clrMapOvr>
+</p:sld>
+</file>
+
+<file path=ppt/slides/slide9.xml><?xml version="1.0" encoding="utf-8"?>
+<p:sld xmlns:a="http://schemas.openxmlformats.org/drawingml/2006/main" xmlns:r="http://schemas.openxmlformats.org/officeDocument/2006/relationships" xmlns:p="http://schemas.openxmlformats.org/presentationml/2006/main">
+  <p:cSld>
+    <p:bg>
+      <p:bgPr>
+        <a:solidFill>
+          <a:schemeClr val="bg1"/>
+        </a:solidFill>
+        <a:effectLst/>
+      </p:bgPr>
+    </p:bg>
+    <p:spTree>
+      <p:nvGrpSpPr>
+        <p:cNvPr id="1" name=""/>
+        <p:cNvGrpSpPr/>
+        <p:nvPr/>
+      </p:nvGrpSpPr>
+      <p:grpSpPr>
+        <a:xfrm>
+          <a:off x="0" y="0"/>
+          <a:ext cx="0" cy="0"/>
+          <a:chOff x="0" y="0"/>
+          <a:chExt cx="0" cy="0"/>
+        </a:xfrm>
+      </p:grpSpPr>
+      <p:sp useBgFill="1">
+        <p:nvSpPr>
+          <p:cNvPr id="89" name="Rectangle 88">
+            <a:extLst>
+              <a:ext uri="{FF2B5EF4-FFF2-40B4-BE49-F238E27FC236}">
+                <a16:creationId xmlns:a16="http://schemas.microsoft.com/office/drawing/2014/main" id="{3741B58E-3B65-4A01-A276-975AB2CF8A08}"/>
+              </a:ext>
+              <a:ext uri="{C183D7F6-B498-43B3-948B-1728B52AA6E4}">
+                <adec:decorative xmlns:adec="http://schemas.microsoft.com/office/drawing/2017/decorative" val="1"/>
+              </a:ext>
+            </a:extLst>
+          </p:cNvPr>
+          <p:cNvSpPr>
+            <a:spLocks noGrp="1" noRot="1" noChangeAspect="1" noMove="1" noResize="1" noEditPoints="1" noAdjustHandles="1" noChangeArrowheads="1" noChangeShapeType="1" noTextEdit="1"/>
+          </p:cNvSpPr>
+          <p:nvPr>
+            <p:extLst>
+              <p:ext uri="{386F3935-93C4-4BCD-93E2-E3B085C9AB24}">
+                <p16:designElem xmlns:p16="http://schemas.microsoft.com/office/powerpoint/2015/main" val="1"/>
+              </p:ext>
+            </p:extLst>
+          </p:nvPr>
+        </p:nvSpPr>
+        <p:spPr>
+          <a:xfrm>
+            <a:off x="0" y="0"/>
+            <a:ext cx="12186315" cy="6858000"/>
+          </a:xfrm>
+          <a:prstGeom prst="rect">
+            <a:avLst/>
+          </a:prstGeom>
+          <a:ln>
+            <a:noFill/>
+          </a:ln>
+        </p:spPr>
+        <p:style>
+          <a:lnRef idx="2">
+            <a:schemeClr val="accent6">
+              <a:shade val="50000"/>
+            </a:schemeClr>
+          </a:lnRef>
+          <a:fillRef idx="1001">
+            <a:schemeClr val="lt1"/>
+          </a:fillRef>
+          <a:effectRef idx="0">
+            <a:schemeClr val="accent6"/>
+          </a:effectRef>
+          <a:fontRef idx="minor">
+            <a:schemeClr val="lt1"/>
+          </a:fontRef>
+        </p:style>
+        <p:txBody>
+          <a:bodyPr rtlCol="0" anchor="ctr"/>
+          <a:lstStyle/>
+          <a:p>
+            <a:pPr algn="ctr"/>
+            <a:endParaRPr lang="en-US"/>
+          </a:p>
+        </p:txBody>
+      </p:sp>
+      <p:sp>
+        <p:nvSpPr>
+          <p:cNvPr id="91" name="Rectangle 90">
+            <a:extLst>
+              <a:ext uri="{FF2B5EF4-FFF2-40B4-BE49-F238E27FC236}">
+                <a16:creationId xmlns:a16="http://schemas.microsoft.com/office/drawing/2014/main" id="{7AAC67C3-831B-4AB1-A259-DFB839CAFAFC}"/>
+              </a:ext>
+              <a:ext uri="{C183D7F6-B498-43B3-948B-1728B52AA6E4}">
+                <adec:decorative xmlns:adec="http://schemas.microsoft.com/office/drawing/2017/decorative" val="1"/>
+              </a:ext>
+            </a:extLst>
+          </p:cNvPr>
+          <p:cNvSpPr>
+            <a:spLocks noGrp="1" noRot="1" noChangeAspect="1" noMove="1" noResize="1" noEditPoints="1" noAdjustHandles="1" noChangeArrowheads="1" noChangeShapeType="1" noTextEdit="1"/>
+          </p:cNvSpPr>
+          <p:nvPr>
+            <p:extLst>
+              <p:ext uri="{386F3935-93C4-4BCD-93E2-E3B085C9AB24}">
+                <p16:designElem xmlns:p16="http://schemas.microsoft.com/office/powerpoint/2015/main" val="1"/>
+              </p:ext>
+            </p:extLst>
+          </p:nvPr>
+        </p:nvSpPr>
+        <p:spPr>
+          <a:xfrm>
+            <a:off x="16" y="0"/>
+            <a:ext cx="4648593" cy="6858000"/>
+          </a:xfrm>
+          <a:prstGeom prst="rect">
+            <a:avLst/>
+          </a:prstGeom>
+          <a:solidFill>
+            <a:srgbClr val="262626"/>
+          </a:solidFill>
+          <a:ln>
+            <a:noFill/>
+          </a:ln>
+        </p:spPr>
+        <p:style>
+          <a:lnRef idx="2">
+            <a:schemeClr val="accent1">
+              <a:shade val="50000"/>
+            </a:schemeClr>
+          </a:lnRef>
+          <a:fillRef idx="1">
+            <a:schemeClr val="accent1"/>
+          </a:fillRef>
+          <a:effectRef idx="0">
+            <a:schemeClr val="accent1"/>
+          </a:effectRef>
+          <a:fontRef idx="minor">
+            <a:schemeClr val="lt1"/>
+          </a:fontRef>
+        </p:style>
+      </p:sp>
+      <p:sp>
+        <p:nvSpPr>
+          <p:cNvPr id="2" name="Title 1">
+            <a:extLst>
+              <a:ext uri="{FF2B5EF4-FFF2-40B4-BE49-F238E27FC236}">
+                <a16:creationId xmlns:a16="http://schemas.microsoft.com/office/drawing/2014/main" id="{6A1D699E-7B74-42D8-9B7F-4866FB151857}"/>
+              </a:ext>
+            </a:extLst>
+          </p:cNvPr>
+          <p:cNvSpPr>
+            <a:spLocks noGrp="1"/>
+          </p:cNvSpPr>
+          <p:nvPr>
+            <p:ph type="title"/>
+          </p:nvPr>
+        </p:nvSpPr>
+        <p:spPr>
+          <a:xfrm>
+            <a:off x="492369" y="605896"/>
+            <a:ext cx="3642309" cy="5646208"/>
+          </a:xfrm>
+        </p:spPr>
+        <p:txBody>
+          <a:bodyPr anchor="ctr">
+            <a:normAutofit/>
+          </a:bodyPr>
+          <a:lstStyle/>
+          <a:p>
+            <a:r>
+              <a:rPr lang="en-CA" sz="4400" dirty="0">
+                <a:solidFill>
+                  <a:srgbClr val="FFFFFF"/>
+                </a:solidFill>
+              </a:rPr>
+              <a:t>Observation</a:t>
+            </a:r>
+          </a:p>
+        </p:txBody>
+      </p:sp>
+      <p:sp>
+        <p:nvSpPr>
+          <p:cNvPr id="4" name="Content Placeholder 3">
+            <a:extLst>
+              <a:ext uri="{FF2B5EF4-FFF2-40B4-BE49-F238E27FC236}">
+                <a16:creationId xmlns:a16="http://schemas.microsoft.com/office/drawing/2014/main" id="{F3FC9765-95CD-41CA-BAF8-B23BAD4A4421}"/>
+              </a:ext>
+            </a:extLst>
+          </p:cNvPr>
+          <p:cNvSpPr>
+            <a:spLocks noGrp="1"/>
+          </p:cNvSpPr>
+          <p:nvPr>
+            <p:ph idx="1"/>
+          </p:nvPr>
+        </p:nvSpPr>
+        <p:spPr>
+          <a:xfrm>
+            <a:off x="4648609" y="0"/>
+            <a:ext cx="7537705" cy="6858000"/>
+          </a:xfrm>
+        </p:spPr>
+        <p:txBody>
+          <a:bodyPr anchor="ctr">
+            <a:normAutofit/>
+          </a:bodyPr>
+          <a:lstStyle/>
+          <a:p>
+            <a:pPr>
+              <a:buFont typeface="Wingdings" panose="05000000000000000000" pitchFamily="2" charset="2"/>
+              <a:buChar char="q"/>
+            </a:pPr>
+            <a:r>
+              <a:rPr lang="en-CA" sz="2200" dirty="0"/>
+              <a:t>Base on our chosen dataset and classifiers</a:t>
+            </a:r>
+          </a:p>
+          <a:p>
+            <a:pPr>
+              <a:buFont typeface="Wingdings" panose="05000000000000000000" pitchFamily="2" charset="2"/>
+              <a:buChar char="q"/>
+            </a:pPr>
+            <a:r>
+              <a:rPr lang="en-CA" sz="2200" dirty="0"/>
+              <a:t>Naïve Bayes Classifier was quicker during execution</a:t>
+            </a:r>
+          </a:p>
+          <a:p>
+            <a:pPr>
+              <a:buFont typeface="Wingdings" panose="05000000000000000000" pitchFamily="2" charset="2"/>
+              <a:buChar char="q"/>
+            </a:pPr>
+            <a:r>
+              <a:rPr lang="en-CA" sz="2200" dirty="0"/>
+              <a:t>SVM Classifier is better at predicting the </a:t>
+            </a:r>
+            <a:r>
+              <a:rPr lang="en-CA" sz="2200" b="1" u="sng" dirty="0">
+                <a:solidFill>
+                  <a:srgbClr val="92D050"/>
+                </a:solidFill>
+              </a:rPr>
+              <a:t>Playoff</a:t>
+            </a:r>
+          </a:p>
+          <a:p>
+            <a:pPr lvl="1">
+              <a:buFont typeface="Wingdings" panose="05000000000000000000" pitchFamily="2" charset="2"/>
+              <a:buChar char="q"/>
+            </a:pPr>
+            <a:r>
+              <a:rPr lang="en-CA" sz="1800" dirty="0"/>
+              <a:t> Average Weighted Precision : 	[SVM=</a:t>
+            </a:r>
+            <a:r>
+              <a:rPr lang="en-CA" sz="1800" dirty="0">
+                <a:solidFill>
+                  <a:schemeClr val="accent1"/>
+                </a:solidFill>
+              </a:rPr>
+              <a:t>0.734</a:t>
+            </a:r>
+            <a:r>
+              <a:rPr lang="en-CA" sz="1800" dirty="0"/>
+              <a:t>]  &gt;	[GNB=</a:t>
+            </a:r>
+            <a:r>
+              <a:rPr lang="en-CA" sz="1800" dirty="0">
+                <a:solidFill>
+                  <a:schemeClr val="accent1"/>
+                </a:solidFill>
+              </a:rPr>
+              <a:t>0.694</a:t>
+            </a:r>
+            <a:r>
+              <a:rPr lang="en-CA" sz="1800" dirty="0"/>
+              <a:t>]</a:t>
+            </a:r>
+          </a:p>
+          <a:p>
+            <a:pPr lvl="1">
+              <a:buFont typeface="Wingdings" panose="05000000000000000000" pitchFamily="2" charset="2"/>
+              <a:buChar char="q"/>
+            </a:pPr>
+            <a:r>
+              <a:rPr lang="en-CA" sz="1800" dirty="0"/>
+              <a:t> Average Weighted  Recall :  	[SVM=</a:t>
+            </a:r>
+            <a:r>
+              <a:rPr lang="en-CA" sz="1800" dirty="0">
+                <a:solidFill>
+                  <a:schemeClr val="accent1"/>
+                </a:solidFill>
+              </a:rPr>
+              <a:t>0.704</a:t>
+            </a:r>
+            <a:r>
+              <a:rPr lang="en-CA" sz="1800" dirty="0"/>
+              <a:t>]  &gt;	[GNB=</a:t>
+            </a:r>
+            <a:r>
+              <a:rPr lang="en-CA" sz="1800" dirty="0">
+                <a:solidFill>
+                  <a:schemeClr val="accent1"/>
+                </a:solidFill>
+              </a:rPr>
+              <a:t>0.622</a:t>
+            </a:r>
+            <a:r>
+              <a:rPr lang="en-CA" sz="1800" dirty="0"/>
+              <a:t>]</a:t>
+            </a:r>
+          </a:p>
+          <a:p>
+            <a:pPr lvl="1">
+              <a:buFont typeface="Wingdings" panose="05000000000000000000" pitchFamily="2" charset="2"/>
+              <a:buChar char="q"/>
+            </a:pPr>
+            <a:r>
+              <a:rPr lang="en-CA" sz="1800" dirty="0"/>
+              <a:t> Average Weighted  F1-Score : 	[SVM=</a:t>
+            </a:r>
+            <a:r>
+              <a:rPr lang="en-CA" sz="1800" dirty="0">
+                <a:solidFill>
+                  <a:schemeClr val="accent1"/>
+                </a:solidFill>
+              </a:rPr>
+              <a:t>0.698</a:t>
+            </a:r>
+            <a:r>
+              <a:rPr lang="en-CA" sz="1800" dirty="0"/>
+              <a:t>]  &gt;	[GNB=</a:t>
+            </a:r>
+            <a:r>
+              <a:rPr lang="en-CA" sz="1800" dirty="0">
+                <a:solidFill>
+                  <a:schemeClr val="accent1"/>
+                </a:solidFill>
+              </a:rPr>
+              <a:t>0.574</a:t>
+            </a:r>
+            <a:r>
+              <a:rPr lang="en-CA" sz="1800" dirty="0"/>
+              <a:t>]</a:t>
+            </a:r>
+          </a:p>
+          <a:p>
+            <a:pPr>
+              <a:buFont typeface="Wingdings" panose="05000000000000000000" pitchFamily="2" charset="2"/>
+              <a:buChar char="q"/>
+            </a:pPr>
+            <a:r>
+              <a:rPr lang="en-CA" sz="2200" dirty="0"/>
+              <a:t> Results</a:t>
+            </a:r>
+          </a:p>
+          <a:p>
+            <a:pPr marL="0" indent="0">
+              <a:buNone/>
+            </a:pPr>
+            <a:endParaRPr lang="en-CA" sz="2200" dirty="0"/>
+          </a:p>
+        </p:txBody>
+      </p:sp>
+    </p:spTree>
+    <p:extLst>
+      <p:ext uri="{BB962C8B-B14F-4D97-AF65-F5344CB8AC3E}">
+        <p14:creationId xmlns:p14="http://schemas.microsoft.com/office/powerpoint/2010/main" val="1124084039"/>
       </p:ext>
     </p:extLst>
   </p:cSld>
@@ -15463,50 +13238,25 @@
 </a:themeOverride>
 </file>
 
-<file path=ppt/theme/themeOverride2.xml><?xml version="1.0" encoding="utf-8"?>
-<a:themeOverride xmlns:a="http://schemas.openxmlformats.org/drawingml/2006/main">
-  <a:clrScheme name="Parcel">
-    <a:dk1>
-      <a:srgbClr val="000000"/>
-    </a:dk1>
-    <a:lt1>
-      <a:srgbClr val="FFFFFF"/>
-    </a:lt1>
-    <a:dk2>
-      <a:srgbClr val="4A5356"/>
-    </a:dk2>
-    <a:lt2>
-      <a:srgbClr val="E8E3CE"/>
-    </a:lt2>
-    <a:accent1>
-      <a:srgbClr val="F6A21D"/>
-    </a:accent1>
-    <a:accent2>
-      <a:srgbClr val="9BAFB5"/>
-    </a:accent2>
-    <a:accent3>
-      <a:srgbClr val="C96731"/>
-    </a:accent3>
-    <a:accent4>
-      <a:srgbClr val="9CA383"/>
-    </a:accent4>
-    <a:accent5>
-      <a:srgbClr val="87795D"/>
-    </a:accent5>
-    <a:accent6>
-      <a:srgbClr val="A0988C"/>
-    </a:accent6>
-    <a:hlink>
-      <a:srgbClr val="00B0F0"/>
-    </a:hlink>
-    <a:folHlink>
-      <a:srgbClr val="738F97"/>
-    </a:folHlink>
-  </a:clrScheme>
-</a:themeOverride>
+<file path=customXml/item1.xml><?xml version="1.0" encoding="utf-8"?>
+<p:properties xmlns:p="http://schemas.microsoft.com/office/2006/metadata/properties" xmlns:xsi="http://www.w3.org/2001/XMLSchema-instance" xmlns:pc="http://schemas.microsoft.com/office/infopath/2007/PartnerControls">
+  <documentManagement>
+    <Status xmlns="71af3243-3dd4-4a8d-8c0d-dd76da1f02a5">Not started</Status>
+    <MediaServiceKeyPoints xmlns="71af3243-3dd4-4a8d-8c0d-dd76da1f02a5" xsi:nil="true"/>
+  </documentManagement>
+</p:properties>
 </file>
 
-<file path=customXml/item1.xml><?xml version="1.0" encoding="utf-8"?>
+<file path=customXml/item2.xml><?xml version="1.0" encoding="utf-8"?>
+<?mso-contentType ?>
+<FormTemplates xmlns="http://schemas.microsoft.com/sharepoint/v3/contenttype/forms">
+  <Display>DocumentLibraryForm</Display>
+  <Edit>DocumentLibraryForm</Edit>
+  <New>DocumentLibraryForm</New>
+</FormTemplates>
+</file>
+
+<file path=customXml/item3.xml><?xml version="1.0" encoding="utf-8"?>
 <ct:contentTypeSchema xmlns:ct="http://schemas.microsoft.com/office/2006/metadata/contentType" xmlns:ma="http://schemas.microsoft.com/office/2006/metadata/properties/metaAttributes" ct:_="" ma:_="" ma:contentTypeName="Document" ma:contentTypeID="0x01010079F111ED35F8CC479449609E8A0923A6" ma:contentTypeVersion="12" ma:contentTypeDescription="Create a new document." ma:contentTypeScope="" ma:versionID="a410dd7f93c95333ffa1b60ed6adedd1">
   <xsd:schema xmlns:xsd="http://www.w3.org/2001/XMLSchema" xmlns:xs="http://www.w3.org/2001/XMLSchema" xmlns:p="http://schemas.microsoft.com/office/2006/metadata/properties" xmlns:ns2="71af3243-3dd4-4a8d-8c0d-dd76da1f02a5" xmlns:ns3="16c05727-aa75-4e4a-9b5f-8a80a1165891" targetNamespace="http://schemas.microsoft.com/office/2006/metadata/properties" ma:root="true" ma:fieldsID="a936d9baba76aa3866493feff160faab" ns2:_="" ns3:_="">
     <xsd:import namespace="71af3243-3dd4-4a8d-8c0d-dd76da1f02a5"/>
@@ -15727,25 +13477,32 @@
 </ct:contentTypeSchema>
 </file>
 
-<file path=customXml/item2.xml><?xml version="1.0" encoding="utf-8"?>
-<?mso-contentType ?>
-<FormTemplates xmlns="http://schemas.microsoft.com/sharepoint/v3/contenttype/forms">
-  <Display>DocumentLibraryForm</Display>
-  <Edit>DocumentLibraryForm</Edit>
-  <New>DocumentLibraryForm</New>
-</FormTemplates>
+<file path=customXml/itemProps1.xml><?xml version="1.0" encoding="utf-8"?>
+<ds:datastoreItem xmlns:ds="http://schemas.openxmlformats.org/officeDocument/2006/customXml" ds:itemID="{A03EEFF0-FB57-4CB4-8BFC-DF397689E2ED}">
+  <ds:schemaRefs>
+    <ds:schemaRef ds:uri="http://purl.org/dc/terms/"/>
+    <ds:schemaRef ds:uri="http://purl.org/dc/elements/1.1/"/>
+    <ds:schemaRef ds:uri="http://schemas.microsoft.com/office/infopath/2007/PartnerControls"/>
+    <ds:schemaRef ds:uri="http://purl.org/dc/dcmitype/"/>
+    <ds:schemaRef ds:uri="http://schemas.microsoft.com/office/2006/documentManagement/types"/>
+    <ds:schemaRef ds:uri="http://www.w3.org/XML/1998/namespace"/>
+    <ds:schemaRef ds:uri="http://schemas.microsoft.com/office/2006/metadata/properties"/>
+    <ds:schemaRef ds:uri="http://schemas.openxmlformats.org/package/2006/metadata/core-properties"/>
+    <ds:schemaRef ds:uri="16c05727-aa75-4e4a-9b5f-8a80a1165891"/>
+    <ds:schemaRef ds:uri="71af3243-3dd4-4a8d-8c0d-dd76da1f02a5"/>
+  </ds:schemaRefs>
+</ds:datastoreItem>
 </file>
 
-<file path=customXml/item3.xml><?xml version="1.0" encoding="utf-8"?>
-<p:properties xmlns:p="http://schemas.microsoft.com/office/2006/metadata/properties" xmlns:xsi="http://www.w3.org/2001/XMLSchema-instance" xmlns:pc="http://schemas.microsoft.com/office/infopath/2007/PartnerControls">
-  <documentManagement>
-    <Status xmlns="71af3243-3dd4-4a8d-8c0d-dd76da1f02a5">Not started</Status>
-    <MediaServiceKeyPoints xmlns="71af3243-3dd4-4a8d-8c0d-dd76da1f02a5" xsi:nil="true"/>
-  </documentManagement>
-</p:properties>
+<file path=customXml/itemProps2.xml><?xml version="1.0" encoding="utf-8"?>
+<ds:datastoreItem xmlns:ds="http://schemas.openxmlformats.org/officeDocument/2006/customXml" ds:itemID="{AA3F7EDC-E5B4-4BBC-9D2A-CBE6D46C37AD}">
+  <ds:schemaRefs>
+    <ds:schemaRef ds:uri="http://schemas.microsoft.com/sharepoint/v3/contenttype/forms"/>
+  </ds:schemaRefs>
+</ds:datastoreItem>
 </file>
 
-<file path=customXml/itemProps1.xml><?xml version="1.0" encoding="utf-8"?>
+<file path=customXml/itemProps3.xml><?xml version="1.0" encoding="utf-8"?>
 <ds:datastoreItem xmlns:ds="http://schemas.openxmlformats.org/officeDocument/2006/customXml" ds:itemID="{93932EF5-314F-409E-8020-FEE5FA0795B9}">
   <ds:schemaRefs>
     <ds:schemaRef ds:uri="http://schemas.microsoft.com/office/2006/metadata/contentType"/>
@@ -15762,29 +13519,4 @@
     <ds:schemaRef ds:uri="http://schemas.microsoft.com/internal/obd"/>
   </ds:schemaRefs>
 </ds:datastoreItem>
-</file>
-
-<file path=customXml/itemProps2.xml><?xml version="1.0" encoding="utf-8"?>
-<ds:datastoreItem xmlns:ds="http://schemas.openxmlformats.org/officeDocument/2006/customXml" ds:itemID="{AA3F7EDC-E5B4-4BBC-9D2A-CBE6D46C37AD}">
-  <ds:schemaRefs>
-    <ds:schemaRef ds:uri="http://schemas.microsoft.com/sharepoint/v3/contenttype/forms"/>
-  </ds:schemaRefs>
-</ds:datastoreItem>
-</file>
-
-<file path=customXml/itemProps3.xml><?xml version="1.0" encoding="utf-8"?>
-<ds:datastoreItem xmlns:ds="http://schemas.openxmlformats.org/officeDocument/2006/customXml" ds:itemID="{A03EEFF0-FB57-4CB4-8BFC-DF397689E2ED}">
-  <ds:schemaRefs>
-    <ds:schemaRef ds:uri="http://purl.org/dc/terms/"/>
-    <ds:schemaRef ds:uri="http://purl.org/dc/elements/1.1/"/>
-    <ds:schemaRef ds:uri="http://schemas.microsoft.com/office/infopath/2007/PartnerControls"/>
-    <ds:schemaRef ds:uri="http://purl.org/dc/dcmitype/"/>
-    <ds:schemaRef ds:uri="http://schemas.microsoft.com/office/2006/documentManagement/types"/>
-    <ds:schemaRef ds:uri="http://www.w3.org/XML/1998/namespace"/>
-    <ds:schemaRef ds:uri="http://schemas.microsoft.com/office/2006/metadata/properties"/>
-    <ds:schemaRef ds:uri="http://schemas.openxmlformats.org/package/2006/metadata/core-properties"/>
-    <ds:schemaRef ds:uri="16c05727-aa75-4e4a-9b5f-8a80a1165891"/>
-    <ds:schemaRef ds:uri="71af3243-3dd4-4a8d-8c0d-dd76da1f02a5"/>
-  </ds:schemaRefs>
-</ds:datastoreItem>
 </file>
--- a/presentation/SOEN_690_Team_12.pptx
+++ b/presentation/SOEN_690_Team_12.pptx
@@ -7660,7 +7660,7 @@
                   <a:srgbClr val="FFFFFF"/>
                 </a:solidFill>
               </a:rPr>
-              <a:t> SVM Decent for playoffs prediction [~70%]</a:t>
+              <a:t> SVM is Decent for playoffs prediction [~70%]</a:t>
             </a:r>
           </a:p>
           <a:p>
@@ -12758,7 +12758,7 @@
             </a:pPr>
             <a:r>
               <a:rPr lang="en-CA" sz="2200" dirty="0"/>
-              <a:t>Naïve Bayes Classifier was quicker during execution</a:t>
+              <a:t>Naïve Bayes algorithm was quicker during execution</a:t>
             </a:r>
           </a:p>
           <a:p>
@@ -12768,7 +12768,7 @@
             </a:pPr>
             <a:r>
               <a:rPr lang="en-CA" sz="2200" dirty="0"/>
-              <a:t>SVM Classifier is better at predicting the </a:t>
+              <a:t>SVM algorithm is better at predicting the </a:t>
             </a:r>
             <a:r>
               <a:rPr lang="en-CA" sz="2200" b="1" u="sng" dirty="0">
@@ -13239,24 +13239,6 @@
 </file>
 
 <file path=customXml/item1.xml><?xml version="1.0" encoding="utf-8"?>
-<p:properties xmlns:p="http://schemas.microsoft.com/office/2006/metadata/properties" xmlns:xsi="http://www.w3.org/2001/XMLSchema-instance" xmlns:pc="http://schemas.microsoft.com/office/infopath/2007/PartnerControls">
-  <documentManagement>
-    <Status xmlns="71af3243-3dd4-4a8d-8c0d-dd76da1f02a5">Not started</Status>
-    <MediaServiceKeyPoints xmlns="71af3243-3dd4-4a8d-8c0d-dd76da1f02a5" xsi:nil="true"/>
-  </documentManagement>
-</p:properties>
-</file>
-
-<file path=customXml/item2.xml><?xml version="1.0" encoding="utf-8"?>
-<?mso-contentType ?>
-<FormTemplates xmlns="http://schemas.microsoft.com/sharepoint/v3/contenttype/forms">
-  <Display>DocumentLibraryForm</Display>
-  <Edit>DocumentLibraryForm</Edit>
-  <New>DocumentLibraryForm</New>
-</FormTemplates>
-</file>
-
-<file path=customXml/item3.xml><?xml version="1.0" encoding="utf-8"?>
 <ct:contentTypeSchema xmlns:ct="http://schemas.microsoft.com/office/2006/metadata/contentType" xmlns:ma="http://schemas.microsoft.com/office/2006/metadata/properties/metaAttributes" ct:_="" ma:_="" ma:contentTypeName="Document" ma:contentTypeID="0x01010079F111ED35F8CC479449609E8A0923A6" ma:contentTypeVersion="12" ma:contentTypeDescription="Create a new document." ma:contentTypeScope="" ma:versionID="a410dd7f93c95333ffa1b60ed6adedd1">
   <xsd:schema xmlns:xsd="http://www.w3.org/2001/XMLSchema" xmlns:xs="http://www.w3.org/2001/XMLSchema" xmlns:p="http://schemas.microsoft.com/office/2006/metadata/properties" xmlns:ns2="71af3243-3dd4-4a8d-8c0d-dd76da1f02a5" xmlns:ns3="16c05727-aa75-4e4a-9b5f-8a80a1165891" targetNamespace="http://schemas.microsoft.com/office/2006/metadata/properties" ma:root="true" ma:fieldsID="a936d9baba76aa3866493feff160faab" ns2:_="" ns3:_="">
     <xsd:import namespace="71af3243-3dd4-4a8d-8c0d-dd76da1f02a5"/>
@@ -13477,32 +13459,25 @@
 </ct:contentTypeSchema>
 </file>
 
-<file path=customXml/itemProps1.xml><?xml version="1.0" encoding="utf-8"?>
-<ds:datastoreItem xmlns:ds="http://schemas.openxmlformats.org/officeDocument/2006/customXml" ds:itemID="{A03EEFF0-FB57-4CB4-8BFC-DF397689E2ED}">
-  <ds:schemaRefs>
-    <ds:schemaRef ds:uri="http://purl.org/dc/terms/"/>
-    <ds:schemaRef ds:uri="http://purl.org/dc/elements/1.1/"/>
-    <ds:schemaRef ds:uri="http://schemas.microsoft.com/office/infopath/2007/PartnerControls"/>
-    <ds:schemaRef ds:uri="http://purl.org/dc/dcmitype/"/>
-    <ds:schemaRef ds:uri="http://schemas.microsoft.com/office/2006/documentManagement/types"/>
-    <ds:schemaRef ds:uri="http://www.w3.org/XML/1998/namespace"/>
-    <ds:schemaRef ds:uri="http://schemas.microsoft.com/office/2006/metadata/properties"/>
-    <ds:schemaRef ds:uri="http://schemas.openxmlformats.org/package/2006/metadata/core-properties"/>
-    <ds:schemaRef ds:uri="16c05727-aa75-4e4a-9b5f-8a80a1165891"/>
-    <ds:schemaRef ds:uri="71af3243-3dd4-4a8d-8c0d-dd76da1f02a5"/>
-  </ds:schemaRefs>
-</ds:datastoreItem>
+<file path=customXml/item2.xml><?xml version="1.0" encoding="utf-8"?>
+<?mso-contentType ?>
+<FormTemplates xmlns="http://schemas.microsoft.com/sharepoint/v3/contenttype/forms">
+  <Display>DocumentLibraryForm</Display>
+  <Edit>DocumentLibraryForm</Edit>
+  <New>DocumentLibraryForm</New>
+</FormTemplates>
 </file>
 
-<file path=customXml/itemProps2.xml><?xml version="1.0" encoding="utf-8"?>
-<ds:datastoreItem xmlns:ds="http://schemas.openxmlformats.org/officeDocument/2006/customXml" ds:itemID="{AA3F7EDC-E5B4-4BBC-9D2A-CBE6D46C37AD}">
-  <ds:schemaRefs>
-    <ds:schemaRef ds:uri="http://schemas.microsoft.com/sharepoint/v3/contenttype/forms"/>
-  </ds:schemaRefs>
-</ds:datastoreItem>
+<file path=customXml/item3.xml><?xml version="1.0" encoding="utf-8"?>
+<p:properties xmlns:p="http://schemas.microsoft.com/office/2006/metadata/properties" xmlns:xsi="http://www.w3.org/2001/XMLSchema-instance" xmlns:pc="http://schemas.microsoft.com/office/infopath/2007/PartnerControls">
+  <documentManagement>
+    <Status xmlns="71af3243-3dd4-4a8d-8c0d-dd76da1f02a5">Not started</Status>
+    <MediaServiceKeyPoints xmlns="71af3243-3dd4-4a8d-8c0d-dd76da1f02a5" xsi:nil="true"/>
+  </documentManagement>
+</p:properties>
 </file>
 
-<file path=customXml/itemProps3.xml><?xml version="1.0" encoding="utf-8"?>
+<file path=customXml/itemProps1.xml><?xml version="1.0" encoding="utf-8"?>
 <ds:datastoreItem xmlns:ds="http://schemas.openxmlformats.org/officeDocument/2006/customXml" ds:itemID="{93932EF5-314F-409E-8020-FEE5FA0795B9}">
   <ds:schemaRefs>
     <ds:schemaRef ds:uri="http://schemas.microsoft.com/office/2006/metadata/contentType"/>
@@ -13519,4 +13494,29 @@
     <ds:schemaRef ds:uri="http://schemas.microsoft.com/internal/obd"/>
   </ds:schemaRefs>
 </ds:datastoreItem>
+</file>
+
+<file path=customXml/itemProps2.xml><?xml version="1.0" encoding="utf-8"?>
+<ds:datastoreItem xmlns:ds="http://schemas.openxmlformats.org/officeDocument/2006/customXml" ds:itemID="{AA3F7EDC-E5B4-4BBC-9D2A-CBE6D46C37AD}">
+  <ds:schemaRefs>
+    <ds:schemaRef ds:uri="http://schemas.microsoft.com/sharepoint/v3/contenttype/forms"/>
+  </ds:schemaRefs>
+</ds:datastoreItem>
+</file>
+
+<file path=customXml/itemProps3.xml><?xml version="1.0" encoding="utf-8"?>
+<ds:datastoreItem xmlns:ds="http://schemas.openxmlformats.org/officeDocument/2006/customXml" ds:itemID="{A03EEFF0-FB57-4CB4-8BFC-DF397689E2ED}">
+  <ds:schemaRefs>
+    <ds:schemaRef ds:uri="http://purl.org/dc/terms/"/>
+    <ds:schemaRef ds:uri="http://purl.org/dc/elements/1.1/"/>
+    <ds:schemaRef ds:uri="http://schemas.microsoft.com/office/infopath/2007/PartnerControls"/>
+    <ds:schemaRef ds:uri="http://purl.org/dc/dcmitype/"/>
+    <ds:schemaRef ds:uri="http://schemas.microsoft.com/office/2006/documentManagement/types"/>
+    <ds:schemaRef ds:uri="http://www.w3.org/XML/1998/namespace"/>
+    <ds:schemaRef ds:uri="http://schemas.microsoft.com/office/2006/metadata/properties"/>
+    <ds:schemaRef ds:uri="http://schemas.openxmlformats.org/package/2006/metadata/core-properties"/>
+    <ds:schemaRef ds:uri="16c05727-aa75-4e4a-9b5f-8a80a1165891"/>
+    <ds:schemaRef ds:uri="71af3243-3dd4-4a8d-8c0d-dd76da1f02a5"/>
+  </ds:schemaRefs>
+</ds:datastoreItem>
 </file>